--- a/[presentation/[7]WebSockets.pptx
+++ b/[presentation/[7]WebSockets.pptx
@@ -5,22 +5,29 @@
     <p:sldMasterId id="2147483648" r:id="rId1"/>
   </p:sldMasterIdLst>
   <p:notesMasterIdLst>
-    <p:notesMasterId r:id="rId15"/>
+    <p:notesMasterId r:id="rId22"/>
   </p:notesMasterIdLst>
   <p:sldIdLst>
     <p:sldId id="256" r:id="rId2"/>
     <p:sldId id="257" r:id="rId3"/>
     <p:sldId id="258" r:id="rId4"/>
-    <p:sldId id="261" r:id="rId5"/>
-    <p:sldId id="263" r:id="rId6"/>
-    <p:sldId id="262" r:id="rId7"/>
-    <p:sldId id="264" r:id="rId8"/>
-    <p:sldId id="265" r:id="rId9"/>
-    <p:sldId id="266" r:id="rId10"/>
-    <p:sldId id="267" r:id="rId11"/>
-    <p:sldId id="268" r:id="rId12"/>
-    <p:sldId id="269" r:id="rId13"/>
-    <p:sldId id="260" r:id="rId14"/>
+    <p:sldId id="267" r:id="rId5"/>
+    <p:sldId id="268" r:id="rId6"/>
+    <p:sldId id="261" r:id="rId7"/>
+    <p:sldId id="274" r:id="rId8"/>
+    <p:sldId id="273" r:id="rId9"/>
+    <p:sldId id="263" r:id="rId10"/>
+    <p:sldId id="262" r:id="rId11"/>
+    <p:sldId id="272" r:id="rId12"/>
+    <p:sldId id="275" r:id="rId13"/>
+    <p:sldId id="270" r:id="rId14"/>
+    <p:sldId id="271" r:id="rId15"/>
+    <p:sldId id="265" r:id="rId16"/>
+    <p:sldId id="264" r:id="rId17"/>
+    <p:sldId id="276" r:id="rId18"/>
+    <p:sldId id="266" r:id="rId19"/>
+    <p:sldId id="269" r:id="rId20"/>
+    <p:sldId id="260" r:id="rId21"/>
   </p:sldIdLst>
   <p:sldSz cx="9144000" cy="6858000" type="screen4x3"/>
   <p:notesSz cx="6858000" cy="9144000"/>
@@ -127,14 +134,21 @@
             <p14:sldId id="256"/>
             <p14:sldId id="257"/>
             <p14:sldId id="258"/>
+            <p14:sldId id="267"/>
+            <p14:sldId id="268"/>
             <p14:sldId id="261"/>
+            <p14:sldId id="274"/>
+            <p14:sldId id="273"/>
             <p14:sldId id="263"/>
             <p14:sldId id="262"/>
+            <p14:sldId id="272"/>
+            <p14:sldId id="275"/>
+            <p14:sldId id="270"/>
+            <p14:sldId id="271"/>
+            <p14:sldId id="265"/>
             <p14:sldId id="264"/>
-            <p14:sldId id="265"/>
+            <p14:sldId id="276"/>
             <p14:sldId id="266"/>
-            <p14:sldId id="267"/>
-            <p14:sldId id="268"/>
             <p14:sldId id="269"/>
             <p14:sldId id="260"/>
           </p14:sldIdLst>
@@ -227,7 +241,7 @@
           <a:p>
             <a:fld id="{B7D51D38-D548-469D-8CA9-2C88D59EEED7}" type="datetimeFigureOut">
               <a:rPr lang="zh-CN" altLang="en-US" smtClean="0"/>
-              <a:t>2014/12/5</a:t>
+              <a:t>2014/12/10</a:t>
             </a:fld>
             <a:endParaRPr lang="zh-CN" altLang="en-US"/>
           </a:p>
@@ -623,207 +637,6 @@
           <a:bodyPr/>
           <a:lstStyle/>
           <a:p>
-            <a:r>
-              <a:rPr lang="en-US" altLang="zh-CN" dirty="0" smtClean="0"/>
-              <a:t>FIN: 1 bit </a:t>
-            </a:r>
-          </a:p>
-          <a:p>
-            <a:r>
-              <a:rPr lang="en-US" altLang="zh-CN" dirty="0" smtClean="0"/>
-              <a:t>Indicates that this is the final fragment in a message. The first fragment MAY also be the final fragment. </a:t>
-            </a:r>
-          </a:p>
-          <a:p>
-            <a:endParaRPr lang="en-US" altLang="zh-CN" dirty="0" smtClean="0"/>
-          </a:p>
-          <a:p>
-            <a:r>
-              <a:rPr lang="en-US" altLang="zh-CN" dirty="0" smtClean="0"/>
-              <a:t>RSV1, RSV2, RSV3: </a:t>
-            </a:r>
-          </a:p>
-          <a:p>
-            <a:r>
-              <a:rPr lang="en-US" altLang="zh-CN" dirty="0" smtClean="0"/>
-              <a:t>1 bit each MUST be 0 unless an extension is negotiated which defines meanings for non-zero values. If a nonzero value is received and none of the negotiated extensions defines the meaning of such a nonzero value, the receiving endpoint MUST _Fail the </a:t>
-            </a:r>
-            <a:r>
-              <a:rPr lang="en-US" altLang="zh-CN" dirty="0" err="1" smtClean="0"/>
-              <a:t>WebSocket</a:t>
-            </a:r>
-            <a:r>
-              <a:rPr lang="en-US" altLang="zh-CN" dirty="0" smtClean="0"/>
-              <a:t> Connection_. </a:t>
-            </a:r>
-          </a:p>
-          <a:p>
-            <a:endParaRPr lang="en-US" altLang="zh-CN" dirty="0" smtClean="0"/>
-          </a:p>
-          <a:p>
-            <a:r>
-              <a:rPr lang="en-US" altLang="zh-CN" dirty="0" err="1" smtClean="0"/>
-              <a:t>Opcode</a:t>
-            </a:r>
-            <a:r>
-              <a:rPr lang="en-US" altLang="zh-CN" dirty="0" smtClean="0"/>
-              <a:t>: </a:t>
-            </a:r>
-          </a:p>
-          <a:p>
-            <a:r>
-              <a:rPr lang="en-US" altLang="zh-CN" dirty="0" smtClean="0"/>
-              <a:t>4 bits Defines the interpretation of the payload data. If an unknown </a:t>
-            </a:r>
-            <a:r>
-              <a:rPr lang="en-US" altLang="zh-CN" dirty="0" err="1" smtClean="0"/>
-              <a:t>opcode</a:t>
-            </a:r>
-            <a:r>
-              <a:rPr lang="en-US" altLang="zh-CN" dirty="0" smtClean="0"/>
-              <a:t> is received, the receiving endpoint MUST _Fail the </a:t>
-            </a:r>
-            <a:r>
-              <a:rPr lang="en-US" altLang="zh-CN" dirty="0" err="1" smtClean="0"/>
-              <a:t>WebSocket</a:t>
-            </a:r>
-            <a:r>
-              <a:rPr lang="en-US" altLang="zh-CN" dirty="0" smtClean="0"/>
-              <a:t> Connection_. The following values are defined. </a:t>
-            </a:r>
-          </a:p>
-          <a:p>
-            <a:r>
-              <a:rPr lang="en-US" altLang="zh-CN" dirty="0" smtClean="0"/>
-              <a:t>	* %x0 denotes a continuation frame </a:t>
-            </a:r>
-          </a:p>
-          <a:p>
-            <a:r>
-              <a:rPr lang="en-US" altLang="zh-CN" dirty="0" smtClean="0"/>
-              <a:t>	* %x1 denotes a text frame </a:t>
-            </a:r>
-          </a:p>
-          <a:p>
-            <a:r>
-              <a:rPr lang="en-US" altLang="zh-CN" dirty="0" smtClean="0"/>
-              <a:t>	* %x2 denotes a binary frame </a:t>
-            </a:r>
-          </a:p>
-          <a:p>
-            <a:r>
-              <a:rPr lang="en-US" altLang="zh-CN" dirty="0" smtClean="0"/>
-              <a:t>	* %x3-7 are reserved for further non-control frames </a:t>
-            </a:r>
-          </a:p>
-          <a:p>
-            <a:r>
-              <a:rPr lang="en-US" altLang="zh-CN" dirty="0" smtClean="0"/>
-              <a:t>	* %x8 denotes a connection close</a:t>
-            </a:r>
-          </a:p>
-          <a:p>
-            <a:r>
-              <a:rPr lang="en-US" altLang="zh-CN" dirty="0" smtClean="0"/>
-              <a:t>	* %x9 denotes a ping </a:t>
-            </a:r>
-          </a:p>
-          <a:p>
-            <a:r>
-              <a:rPr lang="en-US" altLang="zh-CN" dirty="0" smtClean="0"/>
-              <a:t>	* %</a:t>
-            </a:r>
-            <a:r>
-              <a:rPr lang="en-US" altLang="zh-CN" dirty="0" err="1" smtClean="0"/>
-              <a:t>xA</a:t>
-            </a:r>
-            <a:r>
-              <a:rPr lang="en-US" altLang="zh-CN" dirty="0" smtClean="0"/>
-              <a:t> denotes a pong </a:t>
-            </a:r>
-          </a:p>
-          <a:p>
-            <a:r>
-              <a:rPr lang="en-US" altLang="zh-CN" dirty="0" smtClean="0"/>
-              <a:t>	* %</a:t>
-            </a:r>
-            <a:r>
-              <a:rPr lang="en-US" altLang="zh-CN" dirty="0" err="1" smtClean="0"/>
-              <a:t>xB</a:t>
-            </a:r>
-            <a:r>
-              <a:rPr lang="en-US" altLang="zh-CN" dirty="0" smtClean="0"/>
-              <a:t>-F are reserved for further control frames</a:t>
-            </a:r>
-          </a:p>
-          <a:p>
-            <a:endParaRPr lang="en-US" altLang="zh-CN" dirty="0" smtClean="0"/>
-          </a:p>
-          <a:p>
-            <a:r>
-              <a:rPr lang="en-US" altLang="zh-CN" dirty="0" smtClean="0"/>
-              <a:t>Mask: 1 </a:t>
-            </a:r>
-          </a:p>
-          <a:p>
-            <a:r>
-              <a:rPr lang="en-US" altLang="zh-CN" dirty="0" smtClean="0"/>
-              <a:t>bit Defines whether the payload data is masked. If set to 1, a masking key is present in masking-key, and this is used to unmask the payload data as per </a:t>
-            </a:r>
-            <a:r>
-              <a:rPr lang="en-US" altLang="zh-CN" dirty="0" smtClean="0">
-                <a:hlinkClick r:id="rId3"/>
-              </a:rPr>
-              <a:t>Section 5.3</a:t>
-            </a:r>
-            <a:r>
-              <a:rPr lang="en-US" altLang="zh-CN" dirty="0" smtClean="0"/>
-              <a:t>. All frames sent from client to server have this bit set to 1. </a:t>
-            </a:r>
-            <a:br>
-              <a:rPr lang="en-US" altLang="zh-CN" dirty="0" smtClean="0"/>
-            </a:br>
-            <a:endParaRPr lang="en-US" altLang="zh-CN" dirty="0" smtClean="0"/>
-          </a:p>
-          <a:p>
-            <a:r>
-              <a:rPr lang="en-US" altLang="zh-CN" dirty="0" smtClean="0"/>
-              <a:t>Payload length: 7 bits, 7+16 bits, or 7+64 bits </a:t>
-            </a:r>
-          </a:p>
-          <a:p>
-            <a:r>
-              <a:rPr lang="en-US" altLang="zh-CN" dirty="0" smtClean="0"/>
-              <a:t>The length of the payload data, in bytes: if 0-125, that is the payload length. If 126, the following 2 bytes interpreted as a 16 bit unsigned integer are the payload length. If 127, the following 8 bytes interpreted as a 64-bit unsigned integer (the most significant bit MUST be 0) are the payload length. </a:t>
-            </a:r>
-            <a:r>
-              <a:rPr lang="en-US" altLang="zh-CN" dirty="0" err="1" smtClean="0"/>
-              <a:t>Multibyte</a:t>
-            </a:r>
-            <a:r>
-              <a:rPr lang="en-US" altLang="zh-CN" dirty="0" smtClean="0"/>
-              <a:t> length quantities are expressed in network byte order. Note that in all case the minimal number of bytes MUST be used to encode the length, for example the length of a 124 byte long string can't be encoded as the sequence 126, 0, 124. The payload length is the length of the extension data + the length of the application data. The length of the extension data may be zero, in which case the payload length is the length of the application data.</a:t>
-            </a:r>
-          </a:p>
-          <a:p>
-            <a:endParaRPr lang="en-US" altLang="zh-CN" dirty="0" smtClean="0"/>
-          </a:p>
-          <a:p>
-            <a:r>
-              <a:rPr lang="en-US" altLang="zh-CN" dirty="0" smtClean="0"/>
-              <a:t>Masking-key: 0 or 4 bytes </a:t>
-            </a:r>
-          </a:p>
-          <a:p>
-            <a:r>
-              <a:rPr lang="en-US" altLang="zh-CN" dirty="0" smtClean="0"/>
-              <a:t>All frames sent from the client to the server are masked by a 32- bit value that is contained within the frame. This field is present if the mask bit is set to 1, and is absent if the mask bit is set to 0.</a:t>
-            </a:r>
-          </a:p>
-          <a:p>
-            <a:endParaRPr lang="en-US" altLang="zh-CN" dirty="0" smtClean="0"/>
-          </a:p>
-          <a:p>
             <a:endParaRPr lang="zh-CN" altLang="en-US" dirty="0"/>
           </a:p>
         </p:txBody>
@@ -845,7 +658,7 @@
           <a:p>
             <a:fld id="{C0EF6B24-EF45-4E95-BC48-6FAB4CF87B9E}" type="slidenum">
               <a:rPr lang="zh-CN" altLang="en-US" smtClean="0"/>
-              <a:t>7</a:t>
+              <a:t>4</a:t>
             </a:fld>
             <a:endParaRPr lang="zh-CN" altLang="en-US"/>
           </a:p>
@@ -854,7 +667,7 @@
     </p:spTree>
     <p:extLst>
       <p:ext uri="{BB962C8B-B14F-4D97-AF65-F5344CB8AC3E}">
-        <p14:creationId xmlns:p14="http://schemas.microsoft.com/office/powerpoint/2010/main" val="2538234463"/>
+        <p14:creationId xmlns:p14="http://schemas.microsoft.com/office/powerpoint/2010/main" val="1202658665"/>
       </p:ext>
     </p:extLst>
   </p:cSld>
@@ -929,7 +742,7 @@
           <a:p>
             <a:fld id="{C0EF6B24-EF45-4E95-BC48-6FAB4CF87B9E}" type="slidenum">
               <a:rPr lang="zh-CN" altLang="en-US" smtClean="0"/>
-              <a:t>10</a:t>
+              <a:t>6</a:t>
             </a:fld>
             <a:endParaRPr lang="zh-CN" altLang="en-US"/>
           </a:p>
@@ -938,7 +751,635 @@
     </p:spTree>
     <p:extLst>
       <p:ext uri="{BB962C8B-B14F-4D97-AF65-F5344CB8AC3E}">
-        <p14:creationId xmlns:p14="http://schemas.microsoft.com/office/powerpoint/2010/main" val="1202658665"/>
+        <p14:creationId xmlns:p14="http://schemas.microsoft.com/office/powerpoint/2010/main" val="1211670773"/>
+      </p:ext>
+    </p:extLst>
+  </p:cSld>
+  <p:clrMapOvr>
+    <a:masterClrMapping/>
+  </p:clrMapOvr>
+</p:notes>
+</file>
+
+<file path=ppt/notesSlides/notesSlide4.xml><?xml version="1.0" encoding="utf-8"?>
+<p:notes xmlns:a="http://schemas.openxmlformats.org/drawingml/2006/main" xmlns:r="http://schemas.openxmlformats.org/officeDocument/2006/relationships" xmlns:p="http://schemas.openxmlformats.org/presentationml/2006/main">
+  <p:cSld>
+    <p:spTree>
+      <p:nvGrpSpPr>
+        <p:cNvPr id="1" name=""/>
+        <p:cNvGrpSpPr/>
+        <p:nvPr/>
+      </p:nvGrpSpPr>
+      <p:grpSpPr>
+        <a:xfrm>
+          <a:off x="0" y="0"/>
+          <a:ext cx="0" cy="0"/>
+          <a:chOff x="0" y="0"/>
+          <a:chExt cx="0" cy="0"/>
+        </a:xfrm>
+      </p:grpSpPr>
+      <p:sp>
+        <p:nvSpPr>
+          <p:cNvPr id="2" name="幻灯片图像占位符 1"/>
+          <p:cNvSpPr>
+            <a:spLocks noGrp="1" noRot="1" noChangeAspect="1"/>
+          </p:cNvSpPr>
+          <p:nvPr>
+            <p:ph type="sldImg"/>
+          </p:nvPr>
+        </p:nvSpPr>
+        <p:spPr/>
+      </p:sp>
+      <p:sp>
+        <p:nvSpPr>
+          <p:cNvPr id="3" name="备注占位符 2"/>
+          <p:cNvSpPr>
+            <a:spLocks noGrp="1"/>
+          </p:cNvSpPr>
+          <p:nvPr>
+            <p:ph type="body" idx="1"/>
+          </p:nvPr>
+        </p:nvSpPr>
+        <p:spPr/>
+        <p:txBody>
+          <a:bodyPr/>
+          <a:lstStyle/>
+          <a:p>
+            <a:endParaRPr lang="zh-CN" altLang="en-US" dirty="0"/>
+          </a:p>
+        </p:txBody>
+      </p:sp>
+      <p:sp>
+        <p:nvSpPr>
+          <p:cNvPr id="4" name="灯片编号占位符 3"/>
+          <p:cNvSpPr>
+            <a:spLocks noGrp="1"/>
+          </p:cNvSpPr>
+          <p:nvPr>
+            <p:ph type="sldNum" sz="quarter" idx="10"/>
+          </p:nvPr>
+        </p:nvSpPr>
+        <p:spPr/>
+        <p:txBody>
+          <a:bodyPr/>
+          <a:lstStyle/>
+          <a:p>
+            <a:fld id="{C0EF6B24-EF45-4E95-BC48-6FAB4CF87B9E}" type="slidenum">
+              <a:rPr lang="zh-CN" altLang="en-US" smtClean="0"/>
+              <a:t>7</a:t>
+            </a:fld>
+            <a:endParaRPr lang="zh-CN" altLang="en-US"/>
+          </a:p>
+        </p:txBody>
+      </p:sp>
+    </p:spTree>
+    <p:extLst>
+      <p:ext uri="{BB962C8B-B14F-4D97-AF65-F5344CB8AC3E}">
+        <p14:creationId xmlns:p14="http://schemas.microsoft.com/office/powerpoint/2010/main" val="1211670773"/>
+      </p:ext>
+    </p:extLst>
+  </p:cSld>
+  <p:clrMapOvr>
+    <a:masterClrMapping/>
+  </p:clrMapOvr>
+</p:notes>
+</file>
+
+<file path=ppt/notesSlides/notesSlide5.xml><?xml version="1.0" encoding="utf-8"?>
+<p:notes xmlns:a="http://schemas.openxmlformats.org/drawingml/2006/main" xmlns:r="http://schemas.openxmlformats.org/officeDocument/2006/relationships" xmlns:p="http://schemas.openxmlformats.org/presentationml/2006/main">
+  <p:cSld>
+    <p:spTree>
+      <p:nvGrpSpPr>
+        <p:cNvPr id="1" name=""/>
+        <p:cNvGrpSpPr/>
+        <p:nvPr/>
+      </p:nvGrpSpPr>
+      <p:grpSpPr>
+        <a:xfrm>
+          <a:off x="0" y="0"/>
+          <a:ext cx="0" cy="0"/>
+          <a:chOff x="0" y="0"/>
+          <a:chExt cx="0" cy="0"/>
+        </a:xfrm>
+      </p:grpSpPr>
+      <p:sp>
+        <p:nvSpPr>
+          <p:cNvPr id="2" name="幻灯片图像占位符 1"/>
+          <p:cNvSpPr>
+            <a:spLocks noGrp="1" noRot="1" noChangeAspect="1"/>
+          </p:cNvSpPr>
+          <p:nvPr>
+            <p:ph type="sldImg"/>
+          </p:nvPr>
+        </p:nvSpPr>
+        <p:spPr/>
+      </p:sp>
+      <p:sp>
+        <p:nvSpPr>
+          <p:cNvPr id="3" name="备注占位符 2"/>
+          <p:cNvSpPr>
+            <a:spLocks noGrp="1"/>
+          </p:cNvSpPr>
+          <p:nvPr>
+            <p:ph type="body" idx="1"/>
+          </p:nvPr>
+        </p:nvSpPr>
+        <p:spPr/>
+        <p:txBody>
+          <a:bodyPr/>
+          <a:lstStyle/>
+          <a:p>
+            <a:r>
+              <a:rPr lang="en-US" altLang="zh-CN" dirty="0" smtClean="0"/>
+              <a:t>FIN: 1 bit </a:t>
+            </a:r>
+          </a:p>
+          <a:p>
+            <a:r>
+              <a:rPr lang="en-US" altLang="zh-CN" dirty="0" smtClean="0"/>
+              <a:t>Indicates that this is the final fragment in a message. </a:t>
+            </a:r>
+          </a:p>
+          <a:p>
+            <a:r>
+              <a:rPr lang="en-US" altLang="zh-CN" dirty="0" smtClean="0"/>
+              <a:t>RSV1, RSV2, RSV3: </a:t>
+            </a:r>
+            <a:r>
+              <a:rPr lang="en-US" altLang="zh-CN" dirty="0" smtClean="0"/>
+              <a:t>reserved</a:t>
+            </a:r>
+            <a:r>
+              <a:rPr lang="en-US" altLang="zh-CN" baseline="0" dirty="0" smtClean="0"/>
+              <a:t> for extension</a:t>
+            </a:r>
+            <a:endParaRPr lang="en-US" altLang="zh-CN" dirty="0" smtClean="0"/>
+          </a:p>
+          <a:p>
+            <a:r>
+              <a:rPr lang="en-US" altLang="zh-CN" dirty="0" err="1" smtClean="0"/>
+              <a:t>Opcode</a:t>
+            </a:r>
+            <a:r>
+              <a:rPr lang="en-US" altLang="zh-CN" dirty="0" smtClean="0"/>
+              <a:t>: </a:t>
+            </a:r>
+          </a:p>
+          <a:p>
+            <a:r>
+              <a:rPr lang="en-US" altLang="zh-CN" dirty="0" smtClean="0"/>
+              <a:t>4 bits Defines the interpretation of the payload data. If an unknown </a:t>
+            </a:r>
+            <a:r>
+              <a:rPr lang="en-US" altLang="zh-CN" dirty="0" err="1" smtClean="0"/>
+              <a:t>opcode</a:t>
+            </a:r>
+            <a:r>
+              <a:rPr lang="en-US" altLang="zh-CN" dirty="0" smtClean="0"/>
+              <a:t> is received, the receiving endpoint MUST _Fail the </a:t>
+            </a:r>
+            <a:r>
+              <a:rPr lang="en-US" altLang="zh-CN" dirty="0" err="1" smtClean="0"/>
+              <a:t>WebSocket</a:t>
+            </a:r>
+            <a:r>
+              <a:rPr lang="en-US" altLang="zh-CN" dirty="0" smtClean="0"/>
+              <a:t> Connection_. The following values are defined. </a:t>
+            </a:r>
+          </a:p>
+          <a:p>
+            <a:r>
+              <a:rPr lang="en-US" altLang="zh-CN" dirty="0" smtClean="0"/>
+              <a:t>	* %x0 denotes a continuation frame </a:t>
+            </a:r>
+          </a:p>
+          <a:p>
+            <a:r>
+              <a:rPr lang="en-US" altLang="zh-CN" dirty="0" smtClean="0"/>
+              <a:t>	* %x1 denotes a text frame </a:t>
+            </a:r>
+          </a:p>
+          <a:p>
+            <a:r>
+              <a:rPr lang="en-US" altLang="zh-CN" dirty="0" smtClean="0"/>
+              <a:t>	* %x2 denotes a binary frame </a:t>
+            </a:r>
+          </a:p>
+          <a:p>
+            <a:r>
+              <a:rPr lang="en-US" altLang="zh-CN" dirty="0" smtClean="0"/>
+              <a:t>	* %x3-7 are reserved for further non-control frames </a:t>
+            </a:r>
+          </a:p>
+          <a:p>
+            <a:r>
+              <a:rPr lang="en-US" altLang="zh-CN" dirty="0" smtClean="0"/>
+              <a:t>	* %x8 denotes a connection close</a:t>
+            </a:r>
+          </a:p>
+          <a:p>
+            <a:r>
+              <a:rPr lang="en-US" altLang="zh-CN" dirty="0" smtClean="0"/>
+              <a:t>	* %x9 denotes a ping </a:t>
+            </a:r>
+          </a:p>
+          <a:p>
+            <a:r>
+              <a:rPr lang="en-US" altLang="zh-CN" dirty="0" smtClean="0"/>
+              <a:t>	* %</a:t>
+            </a:r>
+            <a:r>
+              <a:rPr lang="en-US" altLang="zh-CN" dirty="0" err="1" smtClean="0"/>
+              <a:t>xA</a:t>
+            </a:r>
+            <a:r>
+              <a:rPr lang="en-US" altLang="zh-CN" dirty="0" smtClean="0"/>
+              <a:t> denotes a pong </a:t>
+            </a:r>
+          </a:p>
+          <a:p>
+            <a:r>
+              <a:rPr lang="en-US" altLang="zh-CN" dirty="0" smtClean="0"/>
+              <a:t>	* %</a:t>
+            </a:r>
+            <a:r>
+              <a:rPr lang="en-US" altLang="zh-CN" dirty="0" err="1" smtClean="0"/>
+              <a:t>xB</a:t>
+            </a:r>
+            <a:r>
+              <a:rPr lang="en-US" altLang="zh-CN" dirty="0" smtClean="0"/>
+              <a:t>-F are reserved for further control frames</a:t>
+            </a:r>
+          </a:p>
+          <a:p>
+            <a:endParaRPr lang="en-US" altLang="zh-CN" dirty="0" smtClean="0"/>
+          </a:p>
+          <a:p>
+            <a:r>
+              <a:rPr lang="en-US" altLang="zh-CN" dirty="0" smtClean="0"/>
+              <a:t>Mask: 1 </a:t>
+            </a:r>
+          </a:p>
+          <a:p>
+            <a:r>
+              <a:rPr lang="en-US" altLang="zh-CN" dirty="0" smtClean="0"/>
+              <a:t>bit Defines whether the payload data is masked. If set to 1, a masking key is present in masking-key, and this is used to unmask the payload </a:t>
+            </a:r>
+            <a:r>
+              <a:rPr lang="en-US" altLang="zh-CN" dirty="0" smtClean="0"/>
+              <a:t>data. </a:t>
+            </a:r>
+            <a:r>
+              <a:rPr lang="en-US" altLang="zh-CN" dirty="0" smtClean="0"/>
+              <a:t/>
+            </a:r>
+            <a:br>
+              <a:rPr lang="en-US" altLang="zh-CN" dirty="0" smtClean="0"/>
+            </a:br>
+            <a:endParaRPr lang="en-US" altLang="zh-CN" dirty="0" smtClean="0"/>
+          </a:p>
+          <a:p>
+            <a:r>
+              <a:rPr lang="en-US" altLang="zh-CN" dirty="0" smtClean="0"/>
+              <a:t>Payload length: 7 bits, 7+16 bits, or 7+64 bits </a:t>
+            </a:r>
+          </a:p>
+          <a:p>
+            <a:r>
+              <a:rPr lang="en-US" altLang="zh-CN" dirty="0" smtClean="0"/>
+              <a:t>The length of the payload data, in bytes: if 0-125, that is the payload length. If 126, the following 2 bytes interpreted as a 16 bit unsigned integer are the payload length. If 127, the following 8 bytes interpreted as a 64-bit unsigned integer (the most significant bit MUST be 0) are the payload length. </a:t>
+            </a:r>
+            <a:r>
+              <a:rPr lang="en-US" altLang="zh-CN" dirty="0" err="1" smtClean="0"/>
+              <a:t>Multibyte</a:t>
+            </a:r>
+            <a:r>
+              <a:rPr lang="en-US" altLang="zh-CN" dirty="0" smtClean="0"/>
+              <a:t> length quantities are expressed in network byte order. Note that in all case the minimal number of bytes MUST be used to encode the length, for example the length of a 124 byte long string can't be encoded as the sequence 126, 0, 124. The payload length is the length of the extension data + the length of the application data. The length of the extension data may be zero, in which case the payload length is the length of the application data.</a:t>
+            </a:r>
+          </a:p>
+          <a:p>
+            <a:endParaRPr lang="en-US" altLang="zh-CN" dirty="0" smtClean="0"/>
+          </a:p>
+          <a:p>
+            <a:r>
+              <a:rPr lang="en-US" altLang="zh-CN" dirty="0" smtClean="0"/>
+              <a:t>Masking-key: 0 or 4 bytes </a:t>
+            </a:r>
+          </a:p>
+          <a:p>
+            <a:r>
+              <a:rPr lang="en-US" altLang="zh-CN" dirty="0" smtClean="0"/>
+              <a:t>All frames sent from the client to the server are masked by a 32- bit value that is contained within the frame. This field is present if the mask bit is set to 1, and is absent if the mask bit is set to 0.</a:t>
+            </a:r>
+          </a:p>
+          <a:p>
+            <a:endParaRPr lang="en-US" altLang="zh-CN" dirty="0" smtClean="0"/>
+          </a:p>
+          <a:p>
+            <a:endParaRPr lang="zh-CN" altLang="en-US" dirty="0"/>
+          </a:p>
+        </p:txBody>
+      </p:sp>
+      <p:sp>
+        <p:nvSpPr>
+          <p:cNvPr id="4" name="灯片编号占位符 3"/>
+          <p:cNvSpPr>
+            <a:spLocks noGrp="1"/>
+          </p:cNvSpPr>
+          <p:nvPr>
+            <p:ph type="sldNum" sz="quarter" idx="10"/>
+          </p:nvPr>
+        </p:nvSpPr>
+        <p:spPr/>
+        <p:txBody>
+          <a:bodyPr/>
+          <a:lstStyle/>
+          <a:p>
+            <a:fld id="{C0EF6B24-EF45-4E95-BC48-6FAB4CF87B9E}" type="slidenum">
+              <a:rPr lang="zh-CN" altLang="en-US" smtClean="0"/>
+              <a:t>16</a:t>
+            </a:fld>
+            <a:endParaRPr lang="zh-CN" altLang="en-US"/>
+          </a:p>
+        </p:txBody>
+      </p:sp>
+    </p:spTree>
+    <p:extLst>
+      <p:ext uri="{BB962C8B-B14F-4D97-AF65-F5344CB8AC3E}">
+        <p14:creationId xmlns:p14="http://schemas.microsoft.com/office/powerpoint/2010/main" val="2538234463"/>
+      </p:ext>
+    </p:extLst>
+  </p:cSld>
+  <p:clrMapOvr>
+    <a:masterClrMapping/>
+  </p:clrMapOvr>
+</p:notes>
+</file>
+
+<file path=ppt/notesSlides/notesSlide6.xml><?xml version="1.0" encoding="utf-8"?>
+<p:notes xmlns:a="http://schemas.openxmlformats.org/drawingml/2006/main" xmlns:r="http://schemas.openxmlformats.org/officeDocument/2006/relationships" xmlns:p="http://schemas.openxmlformats.org/presentationml/2006/main">
+  <p:cSld>
+    <p:spTree>
+      <p:nvGrpSpPr>
+        <p:cNvPr id="1" name=""/>
+        <p:cNvGrpSpPr/>
+        <p:nvPr/>
+      </p:nvGrpSpPr>
+      <p:grpSpPr>
+        <a:xfrm>
+          <a:off x="0" y="0"/>
+          <a:ext cx="0" cy="0"/>
+          <a:chOff x="0" y="0"/>
+          <a:chExt cx="0" cy="0"/>
+        </a:xfrm>
+      </p:grpSpPr>
+      <p:sp>
+        <p:nvSpPr>
+          <p:cNvPr id="2" name="幻灯片图像占位符 1"/>
+          <p:cNvSpPr>
+            <a:spLocks noGrp="1" noRot="1" noChangeAspect="1"/>
+          </p:cNvSpPr>
+          <p:nvPr>
+            <p:ph type="sldImg"/>
+          </p:nvPr>
+        </p:nvSpPr>
+        <p:spPr/>
+      </p:sp>
+      <p:sp>
+        <p:nvSpPr>
+          <p:cNvPr id="3" name="备注占位符 2"/>
+          <p:cNvSpPr>
+            <a:spLocks noGrp="1"/>
+          </p:cNvSpPr>
+          <p:nvPr>
+            <p:ph type="body" idx="1"/>
+          </p:nvPr>
+        </p:nvSpPr>
+        <p:spPr/>
+        <p:txBody>
+          <a:bodyPr/>
+          <a:lstStyle/>
+          <a:p>
+            <a:r>
+              <a:rPr lang="en-US" altLang="zh-CN" dirty="0" smtClean="0"/>
+              <a:t>FIN: 1 bit </a:t>
+            </a:r>
+          </a:p>
+          <a:p>
+            <a:r>
+              <a:rPr lang="en-US" altLang="zh-CN" dirty="0" smtClean="0"/>
+              <a:t>Indicates that this is the final fragment in a message. </a:t>
+            </a:r>
+          </a:p>
+          <a:p>
+            <a:r>
+              <a:rPr lang="en-US" altLang="zh-CN" dirty="0" smtClean="0"/>
+              <a:t>RSV1, RSV2, RSV3: </a:t>
+            </a:r>
+            <a:r>
+              <a:rPr lang="en-US" altLang="zh-CN" dirty="0" smtClean="0"/>
+              <a:t>reserved</a:t>
+            </a:r>
+            <a:r>
+              <a:rPr lang="en-US" altLang="zh-CN" baseline="0" dirty="0" smtClean="0"/>
+              <a:t> for extension</a:t>
+            </a:r>
+            <a:endParaRPr lang="en-US" altLang="zh-CN" dirty="0" smtClean="0"/>
+          </a:p>
+          <a:p>
+            <a:r>
+              <a:rPr lang="en-US" altLang="zh-CN" dirty="0" err="1" smtClean="0"/>
+              <a:t>Opcode</a:t>
+            </a:r>
+            <a:r>
+              <a:rPr lang="en-US" altLang="zh-CN" dirty="0" smtClean="0"/>
+              <a:t>: </a:t>
+            </a:r>
+          </a:p>
+          <a:p>
+            <a:r>
+              <a:rPr lang="en-US" altLang="zh-CN" dirty="0" smtClean="0"/>
+              <a:t>4 bits Defines the interpretation of the payload data. If an unknown </a:t>
+            </a:r>
+            <a:r>
+              <a:rPr lang="en-US" altLang="zh-CN" dirty="0" err="1" smtClean="0"/>
+              <a:t>opcode</a:t>
+            </a:r>
+            <a:r>
+              <a:rPr lang="en-US" altLang="zh-CN" dirty="0" smtClean="0"/>
+              <a:t> is received, the receiving endpoint MUST _Fail the </a:t>
+            </a:r>
+            <a:r>
+              <a:rPr lang="en-US" altLang="zh-CN" dirty="0" err="1" smtClean="0"/>
+              <a:t>WebSocket</a:t>
+            </a:r>
+            <a:r>
+              <a:rPr lang="en-US" altLang="zh-CN" dirty="0" smtClean="0"/>
+              <a:t> Connection_. The following values are defined. </a:t>
+            </a:r>
+          </a:p>
+          <a:p>
+            <a:r>
+              <a:rPr lang="en-US" altLang="zh-CN" dirty="0" smtClean="0"/>
+              <a:t>	* %x0 denotes a continuation frame </a:t>
+            </a:r>
+          </a:p>
+          <a:p>
+            <a:r>
+              <a:rPr lang="en-US" altLang="zh-CN" dirty="0" smtClean="0"/>
+              <a:t>	* %x1 denotes a text frame </a:t>
+            </a:r>
+          </a:p>
+          <a:p>
+            <a:r>
+              <a:rPr lang="en-US" altLang="zh-CN" dirty="0" smtClean="0"/>
+              <a:t>	* %x2 denotes a binary frame </a:t>
+            </a:r>
+          </a:p>
+          <a:p>
+            <a:r>
+              <a:rPr lang="en-US" altLang="zh-CN" dirty="0" smtClean="0"/>
+              <a:t>	* %x3-7 are reserved for further non-control frames </a:t>
+            </a:r>
+          </a:p>
+          <a:p>
+            <a:r>
+              <a:rPr lang="en-US" altLang="zh-CN" dirty="0" smtClean="0"/>
+              <a:t>	* %x8 denotes a connection close</a:t>
+            </a:r>
+          </a:p>
+          <a:p>
+            <a:r>
+              <a:rPr lang="en-US" altLang="zh-CN" dirty="0" smtClean="0"/>
+              <a:t>	* %x9 denotes a ping </a:t>
+            </a:r>
+          </a:p>
+          <a:p>
+            <a:r>
+              <a:rPr lang="en-US" altLang="zh-CN" dirty="0" smtClean="0"/>
+              <a:t>	* %</a:t>
+            </a:r>
+            <a:r>
+              <a:rPr lang="en-US" altLang="zh-CN" dirty="0" err="1" smtClean="0"/>
+              <a:t>xA</a:t>
+            </a:r>
+            <a:r>
+              <a:rPr lang="en-US" altLang="zh-CN" dirty="0" smtClean="0"/>
+              <a:t> denotes a pong </a:t>
+            </a:r>
+          </a:p>
+          <a:p>
+            <a:r>
+              <a:rPr lang="en-US" altLang="zh-CN" dirty="0" smtClean="0"/>
+              <a:t>	* %</a:t>
+            </a:r>
+            <a:r>
+              <a:rPr lang="en-US" altLang="zh-CN" dirty="0" err="1" smtClean="0"/>
+              <a:t>xB</a:t>
+            </a:r>
+            <a:r>
+              <a:rPr lang="en-US" altLang="zh-CN" dirty="0" smtClean="0"/>
+              <a:t>-F are reserved for further control frames</a:t>
+            </a:r>
+          </a:p>
+          <a:p>
+            <a:endParaRPr lang="en-US" altLang="zh-CN" dirty="0" smtClean="0"/>
+          </a:p>
+          <a:p>
+            <a:r>
+              <a:rPr lang="en-US" altLang="zh-CN" dirty="0" smtClean="0"/>
+              <a:t>Mask: 1 </a:t>
+            </a:r>
+          </a:p>
+          <a:p>
+            <a:r>
+              <a:rPr lang="en-US" altLang="zh-CN" dirty="0" smtClean="0"/>
+              <a:t>bit Defines whether the payload data is masked. If set to 1, a masking key is present in masking-key, and this is used to unmask the payload </a:t>
+            </a:r>
+            <a:r>
+              <a:rPr lang="en-US" altLang="zh-CN" dirty="0" smtClean="0"/>
+              <a:t>data. </a:t>
+            </a:r>
+            <a:r>
+              <a:rPr lang="en-US" altLang="zh-CN" dirty="0" smtClean="0"/>
+              <a:t/>
+            </a:r>
+            <a:br>
+              <a:rPr lang="en-US" altLang="zh-CN" dirty="0" smtClean="0"/>
+            </a:br>
+            <a:endParaRPr lang="en-US" altLang="zh-CN" dirty="0" smtClean="0"/>
+          </a:p>
+          <a:p>
+            <a:r>
+              <a:rPr lang="en-US" altLang="zh-CN" dirty="0" smtClean="0"/>
+              <a:t>Payload length: 7 bits, 7+16 bits, or 7+64 bits </a:t>
+            </a:r>
+          </a:p>
+          <a:p>
+            <a:r>
+              <a:rPr lang="en-US" altLang="zh-CN" dirty="0" smtClean="0"/>
+              <a:t>The length of the payload data, in bytes: if 0-125, that is the payload length. If 126, the following 2 bytes interpreted as a 16 bit unsigned integer are the payload length. If 127, the following 8 bytes interpreted as a 64-bit unsigned integer (the most significant bit MUST be 0) are the payload length. </a:t>
+            </a:r>
+            <a:r>
+              <a:rPr lang="en-US" altLang="zh-CN" dirty="0" err="1" smtClean="0"/>
+              <a:t>Multibyte</a:t>
+            </a:r>
+            <a:r>
+              <a:rPr lang="en-US" altLang="zh-CN" dirty="0" smtClean="0"/>
+              <a:t> length quantities are expressed in network byte order. Note that in all case the minimal number of bytes MUST be used to encode the length, for example the length of a 124 byte long string can't be encoded as the sequence 126, 0, 124. The payload length is the length of the extension data + the length of the application data. The length of the extension data may be zero, in which case the payload length is the length of the application data.</a:t>
+            </a:r>
+          </a:p>
+          <a:p>
+            <a:endParaRPr lang="en-US" altLang="zh-CN" dirty="0" smtClean="0"/>
+          </a:p>
+          <a:p>
+            <a:r>
+              <a:rPr lang="en-US" altLang="zh-CN" dirty="0" smtClean="0"/>
+              <a:t>Masking-key: 0 or 4 bytes </a:t>
+            </a:r>
+          </a:p>
+          <a:p>
+            <a:r>
+              <a:rPr lang="en-US" altLang="zh-CN" dirty="0" smtClean="0"/>
+              <a:t>All frames sent from the client to the server are masked by a 32- bit value that is contained within the frame. This field is present if the mask bit is set to 1, and is absent if the mask bit is set to 0.</a:t>
+            </a:r>
+          </a:p>
+          <a:p>
+            <a:endParaRPr lang="en-US" altLang="zh-CN" dirty="0" smtClean="0"/>
+          </a:p>
+          <a:p>
+            <a:endParaRPr lang="zh-CN" altLang="en-US" dirty="0"/>
+          </a:p>
+        </p:txBody>
+      </p:sp>
+      <p:sp>
+        <p:nvSpPr>
+          <p:cNvPr id="4" name="灯片编号占位符 3"/>
+          <p:cNvSpPr>
+            <a:spLocks noGrp="1"/>
+          </p:cNvSpPr>
+          <p:nvPr>
+            <p:ph type="sldNum" sz="quarter" idx="10"/>
+          </p:nvPr>
+        </p:nvSpPr>
+        <p:spPr/>
+        <p:txBody>
+          <a:bodyPr/>
+          <a:lstStyle/>
+          <a:p>
+            <a:fld id="{C0EF6B24-EF45-4E95-BC48-6FAB4CF87B9E}" type="slidenum">
+              <a:rPr lang="zh-CN" altLang="en-US" smtClean="0"/>
+              <a:t>17</a:t>
+            </a:fld>
+            <a:endParaRPr lang="zh-CN" altLang="en-US"/>
+          </a:p>
+        </p:txBody>
+      </p:sp>
+    </p:spTree>
+    <p:extLst>
+      <p:ext uri="{BB962C8B-B14F-4D97-AF65-F5344CB8AC3E}">
+        <p14:creationId xmlns:p14="http://schemas.microsoft.com/office/powerpoint/2010/main" val="2538234463"/>
       </p:ext>
     </p:extLst>
   </p:cSld>
@@ -1129,7 +1570,7 @@
           <a:p>
             <a:fld id="{530820CF-B880-4189-942D-D702A7CBA730}" type="datetimeFigureOut">
               <a:rPr lang="zh-CN" altLang="en-US" smtClean="0"/>
-              <a:t>2014/12/5</a:t>
+              <a:t>2014/12/10</a:t>
             </a:fld>
             <a:endParaRPr lang="zh-CN" altLang="en-US"/>
           </a:p>
@@ -1294,7 +1735,7 @@
           <a:p>
             <a:fld id="{530820CF-B880-4189-942D-D702A7CBA730}" type="datetimeFigureOut">
               <a:rPr lang="zh-CN" altLang="en-US" smtClean="0"/>
-              <a:t>2014/12/5</a:t>
+              <a:t>2014/12/10</a:t>
             </a:fld>
             <a:endParaRPr lang="zh-CN" altLang="en-US"/>
           </a:p>
@@ -1469,7 +1910,7 @@
           <a:p>
             <a:fld id="{530820CF-B880-4189-942D-D702A7CBA730}" type="datetimeFigureOut">
               <a:rPr lang="zh-CN" altLang="en-US" smtClean="0"/>
-              <a:t>2014/12/5</a:t>
+              <a:t>2014/12/10</a:t>
             </a:fld>
             <a:endParaRPr lang="zh-CN" altLang="en-US"/>
           </a:p>
@@ -1634,7 +2075,7 @@
           <a:p>
             <a:fld id="{530820CF-B880-4189-942D-D702A7CBA730}" type="datetimeFigureOut">
               <a:rPr lang="zh-CN" altLang="en-US" smtClean="0"/>
-              <a:t>2014/12/5</a:t>
+              <a:t>2014/12/10</a:t>
             </a:fld>
             <a:endParaRPr lang="zh-CN" altLang="en-US"/>
           </a:p>
@@ -1875,7 +2316,7 @@
           <a:p>
             <a:fld id="{530820CF-B880-4189-942D-D702A7CBA730}" type="datetimeFigureOut">
               <a:rPr lang="zh-CN" altLang="en-US" smtClean="0"/>
-              <a:t>2014/12/5</a:t>
+              <a:t>2014/12/10</a:t>
             </a:fld>
             <a:endParaRPr lang="zh-CN" altLang="en-US"/>
           </a:p>
@@ -2158,7 +2599,7 @@
           <a:p>
             <a:fld id="{530820CF-B880-4189-942D-D702A7CBA730}" type="datetimeFigureOut">
               <a:rPr lang="zh-CN" altLang="en-US" smtClean="0"/>
-              <a:t>2014/12/5</a:t>
+              <a:t>2014/12/10</a:t>
             </a:fld>
             <a:endParaRPr lang="zh-CN" altLang="en-US"/>
           </a:p>
@@ -2575,7 +3016,7 @@
           <a:p>
             <a:fld id="{530820CF-B880-4189-942D-D702A7CBA730}" type="datetimeFigureOut">
               <a:rPr lang="zh-CN" altLang="en-US" smtClean="0"/>
-              <a:t>2014/12/5</a:t>
+              <a:t>2014/12/10</a:t>
             </a:fld>
             <a:endParaRPr lang="zh-CN" altLang="en-US"/>
           </a:p>
@@ -2688,7 +3129,7 @@
           <a:p>
             <a:fld id="{530820CF-B880-4189-942D-D702A7CBA730}" type="datetimeFigureOut">
               <a:rPr lang="zh-CN" altLang="en-US" smtClean="0"/>
-              <a:t>2014/12/5</a:t>
+              <a:t>2014/12/10</a:t>
             </a:fld>
             <a:endParaRPr lang="zh-CN" altLang="en-US"/>
           </a:p>
@@ -2778,7 +3219,7 @@
           <a:p>
             <a:fld id="{530820CF-B880-4189-942D-D702A7CBA730}" type="datetimeFigureOut">
               <a:rPr lang="zh-CN" altLang="en-US" smtClean="0"/>
-              <a:t>2014/12/5</a:t>
+              <a:t>2014/12/10</a:t>
             </a:fld>
             <a:endParaRPr lang="zh-CN" altLang="en-US"/>
           </a:p>
@@ -3050,7 +3491,7 @@
           <a:p>
             <a:fld id="{530820CF-B880-4189-942D-D702A7CBA730}" type="datetimeFigureOut">
               <a:rPr lang="zh-CN" altLang="en-US" smtClean="0"/>
-              <a:t>2014/12/5</a:t>
+              <a:t>2014/12/10</a:t>
             </a:fld>
             <a:endParaRPr lang="zh-CN" altLang="en-US"/>
           </a:p>
@@ -3298,7 +3739,7 @@
           <a:p>
             <a:fld id="{530820CF-B880-4189-942D-D702A7CBA730}" type="datetimeFigureOut">
               <a:rPr lang="zh-CN" altLang="en-US" smtClean="0"/>
-              <a:t>2014/12/5</a:t>
+              <a:t>2014/12/10</a:t>
             </a:fld>
             <a:endParaRPr lang="zh-CN" altLang="en-US"/>
           </a:p>
@@ -3506,7 +3947,7 @@
           <a:p>
             <a:fld id="{530820CF-B880-4189-942D-D702A7CBA730}" type="datetimeFigureOut">
               <a:rPr lang="zh-CN" altLang="en-US" smtClean="0"/>
-              <a:t>2014/12/5</a:t>
+              <a:t>2014/12/10</a:t>
             </a:fld>
             <a:endParaRPr lang="zh-CN" altLang="en-US"/>
           </a:p>
@@ -3997,6 +4438,3106 @@
         </p:nvSpPr>
         <p:spPr/>
         <p:txBody>
+          <a:bodyPr/>
+          <a:lstStyle/>
+          <a:p>
+            <a:r>
+              <a:rPr lang="en-US" altLang="zh-CN" dirty="0" smtClean="0"/>
+              <a:t>Handshake</a:t>
+            </a:r>
+            <a:endParaRPr lang="zh-CN" altLang="en-US" dirty="0"/>
+          </a:p>
+        </p:txBody>
+      </p:sp>
+      <p:pic>
+        <p:nvPicPr>
+          <p:cNvPr id="1026" name="Picture 2" descr="http://images.cnblogs.com/cnblogs_com/hsxixi/201112/201112242121408903.png"/>
+          <p:cNvPicPr>
+            <a:picLocks noChangeAspect="1" noChangeArrowheads="1"/>
+          </p:cNvPicPr>
+          <p:nvPr/>
+        </p:nvPicPr>
+        <p:blipFill>
+          <a:blip r:embed="rId2">
+            <a:extLst>
+              <a:ext uri="{28A0092B-C50C-407E-A947-70E740481C1C}">
+                <a14:useLocalDpi xmlns:a14="http://schemas.microsoft.com/office/drawing/2010/main" val="0"/>
+              </a:ext>
+            </a:extLst>
+          </a:blip>
+          <a:srcRect/>
+          <a:stretch>
+            <a:fillRect/>
+          </a:stretch>
+        </p:blipFill>
+        <p:spPr bwMode="auto">
+          <a:xfrm>
+            <a:off x="0" y="1844824"/>
+            <a:ext cx="9144000" cy="4438055"/>
+          </a:xfrm>
+          <a:prstGeom prst="rect">
+            <a:avLst/>
+          </a:prstGeom>
+          <a:noFill/>
+          <a:extLst>
+            <a:ext uri="{909E8E84-426E-40DD-AFC4-6F175D3DCCD1}">
+              <a14:hiddenFill xmlns:a14="http://schemas.microsoft.com/office/drawing/2010/main">
+                <a:solidFill>
+                  <a:srgbClr val="FFFFFF"/>
+                </a:solidFill>
+              </a14:hiddenFill>
+            </a:ext>
+          </a:extLst>
+        </p:spPr>
+      </p:pic>
+    </p:spTree>
+    <p:extLst>
+      <p:ext uri="{BB962C8B-B14F-4D97-AF65-F5344CB8AC3E}">
+        <p14:creationId xmlns:p14="http://schemas.microsoft.com/office/powerpoint/2010/main" val="1420472454"/>
+      </p:ext>
+    </p:extLst>
+  </p:cSld>
+  <p:clrMapOvr>
+    <a:masterClrMapping/>
+  </p:clrMapOvr>
+</p:sld>
+</file>
+
+<file path=ppt/slides/slide11.xml><?xml version="1.0" encoding="utf-8"?>
+<p:sld xmlns:a="http://schemas.openxmlformats.org/drawingml/2006/main" xmlns:r="http://schemas.openxmlformats.org/officeDocument/2006/relationships" xmlns:p="http://schemas.openxmlformats.org/presentationml/2006/main">
+  <p:cSld>
+    <p:spTree>
+      <p:nvGrpSpPr>
+        <p:cNvPr id="1" name=""/>
+        <p:cNvGrpSpPr/>
+        <p:nvPr/>
+      </p:nvGrpSpPr>
+      <p:grpSpPr>
+        <a:xfrm>
+          <a:off x="0" y="0"/>
+          <a:ext cx="0" cy="0"/>
+          <a:chOff x="0" y="0"/>
+          <a:chExt cx="0" cy="0"/>
+        </a:xfrm>
+      </p:grpSpPr>
+      <p:sp>
+        <p:nvSpPr>
+          <p:cNvPr id="2" name="标题 1"/>
+          <p:cNvSpPr>
+            <a:spLocks noGrp="1"/>
+          </p:cNvSpPr>
+          <p:nvPr>
+            <p:ph type="title"/>
+          </p:nvPr>
+        </p:nvSpPr>
+        <p:spPr/>
+        <p:txBody>
+          <a:bodyPr/>
+          <a:lstStyle/>
+          <a:p>
+            <a:r>
+              <a:rPr lang="en-US" altLang="zh-CN" dirty="0" smtClean="0"/>
+              <a:t>Handshake</a:t>
+            </a:r>
+            <a:endParaRPr lang="zh-CN" altLang="en-US" dirty="0"/>
+          </a:p>
+        </p:txBody>
+      </p:sp>
+      <p:sp>
+        <p:nvSpPr>
+          <p:cNvPr id="7" name="内容占位符 2"/>
+          <p:cNvSpPr>
+            <a:spLocks noGrp="1"/>
+          </p:cNvSpPr>
+          <p:nvPr>
+            <p:ph idx="1"/>
+          </p:nvPr>
+        </p:nvSpPr>
+        <p:spPr>
+          <a:xfrm>
+            <a:off x="457200" y="1600200"/>
+            <a:ext cx="8229600" cy="4525963"/>
+          </a:xfrm>
+        </p:spPr>
+        <p:txBody>
+          <a:bodyPr/>
+          <a:lstStyle/>
+          <a:p>
+            <a:r>
+              <a:rPr lang="en-US" altLang="zh-CN" dirty="0"/>
+              <a:t>Connection: </a:t>
+            </a:r>
+            <a:r>
+              <a:rPr lang="en-US" altLang="zh-CN" dirty="0" smtClean="0"/>
+              <a:t>Upgrade</a:t>
+            </a:r>
+          </a:p>
+          <a:p>
+            <a:r>
+              <a:rPr lang="en-US" altLang="zh-CN" dirty="0"/>
+              <a:t>Upgrade: </a:t>
+            </a:r>
+            <a:r>
+              <a:rPr lang="en-US" altLang="zh-CN" dirty="0" err="1"/>
+              <a:t>websocket</a:t>
+            </a:r>
+            <a:r>
+              <a:rPr lang="en-US" altLang="zh-CN" dirty="0"/>
+              <a:t> </a:t>
+            </a:r>
+          </a:p>
+          <a:p>
+            <a:pPr lvl="1"/>
+            <a:r>
+              <a:rPr lang="en-US" altLang="zh-CN" dirty="0"/>
+              <a:t>complete the HTTP </a:t>
+            </a:r>
+            <a:r>
+              <a:rPr lang="en-US" altLang="zh-CN" dirty="0" smtClean="0"/>
+              <a:t>Upgrade to </a:t>
+            </a:r>
+            <a:r>
+              <a:rPr lang="en-US" altLang="zh-CN" dirty="0" err="1" smtClean="0"/>
+              <a:t>WebSocket</a:t>
+            </a:r>
+            <a:r>
+              <a:rPr lang="en-US" altLang="zh-CN" dirty="0" smtClean="0"/>
+              <a:t> </a:t>
+            </a:r>
+          </a:p>
+          <a:p>
+            <a:pPr lvl="1"/>
+            <a:endParaRPr lang="en-US" altLang="zh-CN" dirty="0" smtClean="0"/>
+          </a:p>
+          <a:p>
+            <a:pPr lvl="1"/>
+            <a:endParaRPr lang="zh-CN" altLang="en-US" dirty="0"/>
+          </a:p>
+        </p:txBody>
+      </p:sp>
+      <p:sp>
+        <p:nvSpPr>
+          <p:cNvPr id="4" name="TextBox 3"/>
+          <p:cNvSpPr txBox="1"/>
+          <p:nvPr/>
+        </p:nvSpPr>
+        <p:spPr>
+          <a:xfrm>
+            <a:off x="4860032" y="1820555"/>
+            <a:ext cx="1724126" cy="584775"/>
+          </a:xfrm>
+          <a:prstGeom prst="rect">
+            <a:avLst/>
+          </a:prstGeom>
+        </p:spPr>
+        <p:style>
+          <a:lnRef idx="2">
+            <a:schemeClr val="accent2"/>
+          </a:lnRef>
+          <a:fillRef idx="1">
+            <a:schemeClr val="lt1"/>
+          </a:fillRef>
+          <a:effectRef idx="0">
+            <a:schemeClr val="accent2"/>
+          </a:effectRef>
+          <a:fontRef idx="minor">
+            <a:schemeClr val="dk1"/>
+          </a:fontRef>
+        </p:style>
+        <p:txBody>
+          <a:bodyPr wrap="none" rtlCol="0">
+            <a:spAutoFit/>
+          </a:bodyPr>
+          <a:lstStyle/>
+          <a:p>
+            <a:r>
+              <a:rPr lang="en-US" altLang="zh-CN" sz="3200" b="1" dirty="0" smtClean="0">
+                <a:solidFill>
+                  <a:srgbClr val="FF0000"/>
+                </a:solidFill>
+              </a:rPr>
+              <a:t>Required</a:t>
+            </a:r>
+            <a:endParaRPr lang="zh-CN" altLang="en-US" sz="3200" b="1" dirty="0">
+              <a:solidFill>
+                <a:srgbClr val="FF0000"/>
+              </a:solidFill>
+            </a:endParaRPr>
+          </a:p>
+        </p:txBody>
+      </p:sp>
+    </p:spTree>
+    <p:extLst>
+      <p:ext uri="{BB962C8B-B14F-4D97-AF65-F5344CB8AC3E}">
+        <p14:creationId xmlns:p14="http://schemas.microsoft.com/office/powerpoint/2010/main" val="2918616896"/>
+      </p:ext>
+    </p:extLst>
+  </p:cSld>
+  <p:clrMapOvr>
+    <a:masterClrMapping/>
+  </p:clrMapOvr>
+</p:sld>
+</file>
+
+<file path=ppt/slides/slide12.xml><?xml version="1.0" encoding="utf-8"?>
+<p:sld xmlns:a="http://schemas.openxmlformats.org/drawingml/2006/main" xmlns:r="http://schemas.openxmlformats.org/officeDocument/2006/relationships" xmlns:p="http://schemas.openxmlformats.org/presentationml/2006/main">
+  <p:cSld>
+    <p:spTree>
+      <p:nvGrpSpPr>
+        <p:cNvPr id="1" name=""/>
+        <p:cNvGrpSpPr/>
+        <p:nvPr/>
+      </p:nvGrpSpPr>
+      <p:grpSpPr>
+        <a:xfrm>
+          <a:off x="0" y="0"/>
+          <a:ext cx="0" cy="0"/>
+          <a:chOff x="0" y="0"/>
+          <a:chExt cx="0" cy="0"/>
+        </a:xfrm>
+      </p:grpSpPr>
+      <p:sp>
+        <p:nvSpPr>
+          <p:cNvPr id="2" name="标题 1"/>
+          <p:cNvSpPr>
+            <a:spLocks noGrp="1"/>
+          </p:cNvSpPr>
+          <p:nvPr>
+            <p:ph type="title"/>
+          </p:nvPr>
+        </p:nvSpPr>
+        <p:spPr/>
+        <p:txBody>
+          <a:bodyPr/>
+          <a:lstStyle/>
+          <a:p>
+            <a:r>
+              <a:rPr lang="en-US" altLang="zh-CN" dirty="0" smtClean="0"/>
+              <a:t>Handshake</a:t>
+            </a:r>
+            <a:endParaRPr lang="zh-CN" altLang="en-US" dirty="0"/>
+          </a:p>
+        </p:txBody>
+      </p:sp>
+      <p:sp>
+        <p:nvSpPr>
+          <p:cNvPr id="7" name="内容占位符 2"/>
+          <p:cNvSpPr>
+            <a:spLocks noGrp="1"/>
+          </p:cNvSpPr>
+          <p:nvPr>
+            <p:ph idx="1"/>
+          </p:nvPr>
+        </p:nvSpPr>
+        <p:spPr>
+          <a:xfrm>
+            <a:off x="457200" y="1600200"/>
+            <a:ext cx="8229600" cy="4525963"/>
+          </a:xfrm>
+        </p:spPr>
+        <p:txBody>
+          <a:bodyPr/>
+          <a:lstStyle/>
+          <a:p>
+            <a:r>
+              <a:rPr lang="en-US" altLang="zh-CN" dirty="0"/>
+              <a:t>Sec- </a:t>
+            </a:r>
+            <a:r>
+              <a:rPr lang="en-US" altLang="zh-CN" dirty="0" err="1" smtClean="0"/>
+              <a:t>WebSocket</a:t>
+            </a:r>
+            <a:r>
+              <a:rPr lang="en-US" altLang="zh-CN" dirty="0" smtClean="0"/>
+              <a:t>-Version</a:t>
+            </a:r>
+          </a:p>
+          <a:p>
+            <a:pPr lvl="1"/>
+            <a:r>
+              <a:rPr lang="en-US" altLang="zh-CN" dirty="0"/>
+              <a:t>The value of this header field MUST be 13</a:t>
+            </a:r>
+            <a:endParaRPr lang="en-US" altLang="zh-CN" dirty="0" smtClean="0"/>
+          </a:p>
+          <a:p>
+            <a:pPr lvl="1"/>
+            <a:endParaRPr lang="zh-CN" altLang="en-US" dirty="0"/>
+          </a:p>
+        </p:txBody>
+      </p:sp>
+      <p:sp>
+        <p:nvSpPr>
+          <p:cNvPr id="3" name="TextBox 2"/>
+          <p:cNvSpPr txBox="1"/>
+          <p:nvPr/>
+        </p:nvSpPr>
+        <p:spPr>
+          <a:xfrm>
+            <a:off x="5076056" y="1551484"/>
+            <a:ext cx="1724126" cy="584775"/>
+          </a:xfrm>
+          <a:prstGeom prst="rect">
+            <a:avLst/>
+          </a:prstGeom>
+        </p:spPr>
+        <p:style>
+          <a:lnRef idx="2">
+            <a:schemeClr val="accent2"/>
+          </a:lnRef>
+          <a:fillRef idx="1">
+            <a:schemeClr val="lt1"/>
+          </a:fillRef>
+          <a:effectRef idx="0">
+            <a:schemeClr val="accent2"/>
+          </a:effectRef>
+          <a:fontRef idx="minor">
+            <a:schemeClr val="dk1"/>
+          </a:fontRef>
+        </p:style>
+        <p:txBody>
+          <a:bodyPr wrap="none" rtlCol="0">
+            <a:spAutoFit/>
+          </a:bodyPr>
+          <a:lstStyle/>
+          <a:p>
+            <a:r>
+              <a:rPr lang="en-US" altLang="zh-CN" sz="3200" b="1" dirty="0" smtClean="0">
+                <a:solidFill>
+                  <a:srgbClr val="FF0000"/>
+                </a:solidFill>
+              </a:rPr>
+              <a:t>Required</a:t>
+            </a:r>
+            <a:endParaRPr lang="zh-CN" altLang="en-US" sz="3200" b="1" dirty="0">
+              <a:solidFill>
+                <a:srgbClr val="FF0000"/>
+              </a:solidFill>
+            </a:endParaRPr>
+          </a:p>
+        </p:txBody>
+      </p:sp>
+    </p:spTree>
+    <p:extLst>
+      <p:ext uri="{BB962C8B-B14F-4D97-AF65-F5344CB8AC3E}">
+        <p14:creationId xmlns:p14="http://schemas.microsoft.com/office/powerpoint/2010/main" val="1532477056"/>
+      </p:ext>
+    </p:extLst>
+  </p:cSld>
+  <p:clrMapOvr>
+    <a:masterClrMapping/>
+  </p:clrMapOvr>
+</p:sld>
+</file>
+
+<file path=ppt/slides/slide13.xml><?xml version="1.0" encoding="utf-8"?>
+<p:sld xmlns:a="http://schemas.openxmlformats.org/drawingml/2006/main" xmlns:r="http://schemas.openxmlformats.org/officeDocument/2006/relationships" xmlns:p="http://schemas.openxmlformats.org/presentationml/2006/main">
+  <p:cSld>
+    <p:spTree>
+      <p:nvGrpSpPr>
+        <p:cNvPr id="1" name=""/>
+        <p:cNvGrpSpPr/>
+        <p:nvPr/>
+      </p:nvGrpSpPr>
+      <p:grpSpPr>
+        <a:xfrm>
+          <a:off x="0" y="0"/>
+          <a:ext cx="0" cy="0"/>
+          <a:chOff x="0" y="0"/>
+          <a:chExt cx="0" cy="0"/>
+        </a:xfrm>
+      </p:grpSpPr>
+      <p:sp>
+        <p:nvSpPr>
+          <p:cNvPr id="2" name="标题 1"/>
+          <p:cNvSpPr>
+            <a:spLocks noGrp="1"/>
+          </p:cNvSpPr>
+          <p:nvPr>
+            <p:ph type="title"/>
+          </p:nvPr>
+        </p:nvSpPr>
+        <p:spPr/>
+        <p:txBody>
+          <a:bodyPr/>
+          <a:lstStyle/>
+          <a:p>
+            <a:r>
+              <a:rPr lang="en-US" altLang="zh-CN" dirty="0" smtClean="0"/>
+              <a:t>Handshake</a:t>
+            </a:r>
+            <a:endParaRPr lang="zh-CN" altLang="en-US" dirty="0"/>
+          </a:p>
+        </p:txBody>
+      </p:sp>
+      <p:sp>
+        <p:nvSpPr>
+          <p:cNvPr id="7" name="内容占位符 2"/>
+          <p:cNvSpPr>
+            <a:spLocks noGrp="1"/>
+          </p:cNvSpPr>
+          <p:nvPr>
+            <p:ph idx="1"/>
+          </p:nvPr>
+        </p:nvSpPr>
+        <p:spPr>
+          <a:xfrm>
+            <a:off x="457200" y="1600200"/>
+            <a:ext cx="8229600" cy="4525963"/>
+          </a:xfrm>
+        </p:spPr>
+        <p:txBody>
+          <a:bodyPr/>
+          <a:lstStyle/>
+          <a:p>
+            <a:r>
+              <a:rPr lang="en-US" altLang="zh-CN" dirty="0" smtClean="0"/>
+              <a:t>Sec-</a:t>
+            </a:r>
+            <a:r>
+              <a:rPr lang="en-US" altLang="zh-CN" dirty="0" err="1" smtClean="0"/>
+              <a:t>WebSocket</a:t>
+            </a:r>
+            <a:r>
+              <a:rPr lang="en-US" altLang="zh-CN" dirty="0" smtClean="0"/>
+              <a:t>-Key</a:t>
+            </a:r>
+          </a:p>
+          <a:p>
+            <a:pPr lvl="1"/>
+            <a:r>
+              <a:rPr lang="en-US" altLang="zh-CN" dirty="0"/>
+              <a:t>if decoded, is 16 bytes in length</a:t>
+            </a:r>
+            <a:endParaRPr lang="en-US" altLang="zh-CN" dirty="0" smtClean="0"/>
+          </a:p>
+          <a:p>
+            <a:r>
+              <a:rPr lang="en-US" altLang="zh-CN" dirty="0" smtClean="0"/>
+              <a:t>Sec-</a:t>
+            </a:r>
+            <a:r>
+              <a:rPr lang="en-US" altLang="zh-CN" dirty="0" err="1" smtClean="0"/>
+              <a:t>WebSocket</a:t>
+            </a:r>
+            <a:r>
+              <a:rPr lang="en-US" altLang="zh-CN" dirty="0" smtClean="0"/>
+              <a:t>-Accept</a:t>
+            </a:r>
+          </a:p>
+          <a:p>
+            <a:pPr lvl="1"/>
+            <a:r>
+              <a:rPr lang="en-US" altLang="zh-CN" dirty="0" smtClean="0"/>
+              <a:t>base64encode(sha1(</a:t>
+            </a:r>
+            <a:r>
+              <a:rPr lang="en-US" altLang="zh-CN" dirty="0" smtClean="0">
+                <a:solidFill>
+                  <a:srgbClr val="FF0000"/>
+                </a:solidFill>
+              </a:rPr>
+              <a:t>Sec-WebSocket-Key</a:t>
+            </a:r>
+            <a:r>
+              <a:rPr lang="en-US" altLang="zh-CN" dirty="0" smtClean="0"/>
+              <a:t>+</a:t>
+            </a:r>
+            <a:r>
+              <a:rPr lang="en-US" altLang="zh-CN" dirty="0">
+                <a:solidFill>
+                  <a:srgbClr val="FF0000"/>
+                </a:solidFill>
+              </a:rPr>
+              <a:t>258EAFA5-E914-47DA-</a:t>
+            </a:r>
+          </a:p>
+          <a:p>
+            <a:pPr lvl="1"/>
+            <a:r>
+              <a:rPr lang="en-US" altLang="zh-CN" dirty="0">
+                <a:solidFill>
+                  <a:srgbClr val="FF0000"/>
+                </a:solidFill>
+              </a:rPr>
+              <a:t>   95CA-C5AB0DC85B11</a:t>
+            </a:r>
+            <a:r>
+              <a:rPr lang="en-US" altLang="zh-CN" dirty="0" smtClean="0"/>
+              <a:t>))</a:t>
+            </a:r>
+            <a:endParaRPr lang="en-US" altLang="zh-CN" dirty="0"/>
+          </a:p>
+          <a:p>
+            <a:pPr lvl="1"/>
+            <a:endParaRPr lang="zh-CN" altLang="en-US" dirty="0"/>
+          </a:p>
+        </p:txBody>
+      </p:sp>
+      <p:sp>
+        <p:nvSpPr>
+          <p:cNvPr id="10" name="TextBox 9"/>
+          <p:cNvSpPr txBox="1"/>
+          <p:nvPr/>
+        </p:nvSpPr>
+        <p:spPr>
+          <a:xfrm>
+            <a:off x="4932040" y="1628800"/>
+            <a:ext cx="1724126" cy="584775"/>
+          </a:xfrm>
+          <a:prstGeom prst="rect">
+            <a:avLst/>
+          </a:prstGeom>
+        </p:spPr>
+        <p:style>
+          <a:lnRef idx="2">
+            <a:schemeClr val="accent2"/>
+          </a:lnRef>
+          <a:fillRef idx="1">
+            <a:schemeClr val="lt1"/>
+          </a:fillRef>
+          <a:effectRef idx="0">
+            <a:schemeClr val="accent2"/>
+          </a:effectRef>
+          <a:fontRef idx="minor">
+            <a:schemeClr val="dk1"/>
+          </a:fontRef>
+        </p:style>
+        <p:txBody>
+          <a:bodyPr wrap="none" rtlCol="0">
+            <a:spAutoFit/>
+          </a:bodyPr>
+          <a:lstStyle/>
+          <a:p>
+            <a:r>
+              <a:rPr lang="en-US" altLang="zh-CN" sz="3200" b="1" dirty="0" smtClean="0">
+                <a:solidFill>
+                  <a:srgbClr val="FF0000"/>
+                </a:solidFill>
+              </a:rPr>
+              <a:t>Required</a:t>
+            </a:r>
+            <a:endParaRPr lang="zh-CN" altLang="en-US" sz="3200" b="1" dirty="0">
+              <a:solidFill>
+                <a:srgbClr val="FF0000"/>
+              </a:solidFill>
+            </a:endParaRPr>
+          </a:p>
+        </p:txBody>
+      </p:sp>
+    </p:spTree>
+    <p:extLst>
+      <p:ext uri="{BB962C8B-B14F-4D97-AF65-F5344CB8AC3E}">
+        <p14:creationId xmlns:p14="http://schemas.microsoft.com/office/powerpoint/2010/main" val="2565866569"/>
+      </p:ext>
+    </p:extLst>
+  </p:cSld>
+  <p:clrMapOvr>
+    <a:masterClrMapping/>
+  </p:clrMapOvr>
+</p:sld>
+</file>
+
+<file path=ppt/slides/slide14.xml><?xml version="1.0" encoding="utf-8"?>
+<p:sld xmlns:a="http://schemas.openxmlformats.org/drawingml/2006/main" xmlns:r="http://schemas.openxmlformats.org/officeDocument/2006/relationships" xmlns:p="http://schemas.openxmlformats.org/presentationml/2006/main">
+  <p:cSld>
+    <p:spTree>
+      <p:nvGrpSpPr>
+        <p:cNvPr id="1" name=""/>
+        <p:cNvGrpSpPr/>
+        <p:nvPr/>
+      </p:nvGrpSpPr>
+      <p:grpSpPr>
+        <a:xfrm>
+          <a:off x="0" y="0"/>
+          <a:ext cx="0" cy="0"/>
+          <a:chOff x="0" y="0"/>
+          <a:chExt cx="0" cy="0"/>
+        </a:xfrm>
+      </p:grpSpPr>
+      <p:sp>
+        <p:nvSpPr>
+          <p:cNvPr id="2" name="标题 1"/>
+          <p:cNvSpPr>
+            <a:spLocks noGrp="1"/>
+          </p:cNvSpPr>
+          <p:nvPr>
+            <p:ph type="title"/>
+          </p:nvPr>
+        </p:nvSpPr>
+        <p:spPr/>
+        <p:txBody>
+          <a:bodyPr/>
+          <a:lstStyle/>
+          <a:p>
+            <a:r>
+              <a:rPr lang="en-US" altLang="zh-CN" dirty="0" smtClean="0"/>
+              <a:t>Handshake</a:t>
+            </a:r>
+            <a:endParaRPr lang="zh-CN" altLang="en-US" dirty="0"/>
+          </a:p>
+        </p:txBody>
+      </p:sp>
+      <p:sp>
+        <p:nvSpPr>
+          <p:cNvPr id="7" name="内容占位符 2"/>
+          <p:cNvSpPr>
+            <a:spLocks noGrp="1"/>
+          </p:cNvSpPr>
+          <p:nvPr>
+            <p:ph idx="1"/>
+          </p:nvPr>
+        </p:nvSpPr>
+        <p:spPr>
+          <a:xfrm>
+            <a:off x="457200" y="1600200"/>
+            <a:ext cx="8229600" cy="4525963"/>
+          </a:xfrm>
+        </p:spPr>
+        <p:txBody>
+          <a:bodyPr/>
+          <a:lstStyle/>
+          <a:p>
+            <a:r>
+              <a:rPr lang="en-US" altLang="zh-CN" dirty="0" smtClean="0"/>
+              <a:t>Sec-</a:t>
+            </a:r>
+            <a:r>
+              <a:rPr lang="en-US" altLang="zh-CN" dirty="0" err="1" smtClean="0"/>
+              <a:t>WebSocket</a:t>
+            </a:r>
+            <a:r>
+              <a:rPr lang="en-US" altLang="zh-CN" dirty="0" smtClean="0"/>
+              <a:t>-Protocol</a:t>
+            </a:r>
+          </a:p>
+          <a:p>
+            <a:pPr lvl="1"/>
+            <a:r>
+              <a:rPr lang="en-US" altLang="zh-CN" dirty="0" smtClean="0"/>
+              <a:t>Custom application-level </a:t>
+            </a:r>
+            <a:r>
+              <a:rPr lang="en-US" altLang="zh-CN" dirty="0"/>
+              <a:t>protocols layered over the </a:t>
+            </a:r>
+            <a:r>
+              <a:rPr lang="en-US" altLang="zh-CN" dirty="0" err="1"/>
+              <a:t>WebSocket</a:t>
+            </a:r>
+            <a:r>
+              <a:rPr lang="en-US" altLang="zh-CN" dirty="0"/>
+              <a:t> protocol</a:t>
+            </a:r>
+            <a:endParaRPr lang="zh-CN" altLang="en-US" dirty="0"/>
+          </a:p>
+        </p:txBody>
+      </p:sp>
+      <p:sp>
+        <p:nvSpPr>
+          <p:cNvPr id="4" name="TextBox 3"/>
+          <p:cNvSpPr txBox="1"/>
+          <p:nvPr/>
+        </p:nvSpPr>
+        <p:spPr>
+          <a:xfrm>
+            <a:off x="5220072" y="1628799"/>
+            <a:ext cx="1667444" cy="584775"/>
+          </a:xfrm>
+          <a:prstGeom prst="rect">
+            <a:avLst/>
+          </a:prstGeom>
+        </p:spPr>
+        <p:style>
+          <a:lnRef idx="2">
+            <a:schemeClr val="accent2"/>
+          </a:lnRef>
+          <a:fillRef idx="1">
+            <a:schemeClr val="lt1"/>
+          </a:fillRef>
+          <a:effectRef idx="0">
+            <a:schemeClr val="accent2"/>
+          </a:effectRef>
+          <a:fontRef idx="minor">
+            <a:schemeClr val="dk1"/>
+          </a:fontRef>
+        </p:style>
+        <p:txBody>
+          <a:bodyPr wrap="none" rtlCol="0">
+            <a:spAutoFit/>
+          </a:bodyPr>
+          <a:lstStyle/>
+          <a:p>
+            <a:r>
+              <a:rPr lang="en-US" altLang="zh-CN" sz="3200" b="1" dirty="0" smtClean="0">
+                <a:solidFill>
+                  <a:srgbClr val="FF0000"/>
+                </a:solidFill>
+              </a:rPr>
+              <a:t>Optional</a:t>
+            </a:r>
+            <a:endParaRPr lang="zh-CN" altLang="en-US" sz="3200" b="1" dirty="0">
+              <a:solidFill>
+                <a:srgbClr val="FF0000"/>
+              </a:solidFill>
+            </a:endParaRPr>
+          </a:p>
+        </p:txBody>
+      </p:sp>
+    </p:spTree>
+    <p:extLst>
+      <p:ext uri="{BB962C8B-B14F-4D97-AF65-F5344CB8AC3E}">
+        <p14:creationId xmlns:p14="http://schemas.microsoft.com/office/powerpoint/2010/main" val="2918616896"/>
+      </p:ext>
+    </p:extLst>
+  </p:cSld>
+  <p:clrMapOvr>
+    <a:masterClrMapping/>
+  </p:clrMapOvr>
+</p:sld>
+</file>
+
+<file path=ppt/slides/slide15.xml><?xml version="1.0" encoding="utf-8"?>
+<p:sld xmlns:a="http://schemas.openxmlformats.org/drawingml/2006/main" xmlns:r="http://schemas.openxmlformats.org/officeDocument/2006/relationships" xmlns:p="http://schemas.openxmlformats.org/presentationml/2006/main">
+  <p:cSld>
+    <p:spTree>
+      <p:nvGrpSpPr>
+        <p:cNvPr id="1" name=""/>
+        <p:cNvGrpSpPr/>
+        <p:nvPr/>
+      </p:nvGrpSpPr>
+      <p:grpSpPr>
+        <a:xfrm>
+          <a:off x="0" y="0"/>
+          <a:ext cx="0" cy="0"/>
+          <a:chOff x="0" y="0"/>
+          <a:chExt cx="0" cy="0"/>
+        </a:xfrm>
+      </p:grpSpPr>
+      <p:sp>
+        <p:nvSpPr>
+          <p:cNvPr id="2" name="标题 1"/>
+          <p:cNvSpPr>
+            <a:spLocks noGrp="1"/>
+          </p:cNvSpPr>
+          <p:nvPr>
+            <p:ph type="title"/>
+          </p:nvPr>
+        </p:nvSpPr>
+        <p:spPr/>
+        <p:txBody>
+          <a:bodyPr/>
+          <a:lstStyle/>
+          <a:p>
+            <a:r>
+              <a:rPr lang="en-US" altLang="zh-CN" dirty="0" err="1" smtClean="0"/>
+              <a:t>WebSocket</a:t>
+            </a:r>
+            <a:r>
+              <a:rPr lang="en-US" altLang="zh-CN" dirty="0" smtClean="0"/>
+              <a:t> Interface</a:t>
+            </a:r>
+            <a:endParaRPr lang="zh-CN" altLang="en-US" dirty="0"/>
+          </a:p>
+        </p:txBody>
+      </p:sp>
+      <p:pic>
+        <p:nvPicPr>
+          <p:cNvPr id="4098" name="Picture 2"/>
+          <p:cNvPicPr>
+            <a:picLocks noChangeAspect="1" noChangeArrowheads="1"/>
+          </p:cNvPicPr>
+          <p:nvPr/>
+        </p:nvPicPr>
+        <p:blipFill>
+          <a:blip r:embed="rId2">
+            <a:extLst>
+              <a:ext uri="{28A0092B-C50C-407E-A947-70E740481C1C}">
+                <a14:useLocalDpi xmlns:a14="http://schemas.microsoft.com/office/drawing/2010/main" val="0"/>
+              </a:ext>
+            </a:extLst>
+          </a:blip>
+          <a:srcRect/>
+          <a:stretch>
+            <a:fillRect/>
+          </a:stretch>
+        </p:blipFill>
+        <p:spPr bwMode="auto">
+          <a:xfrm>
+            <a:off x="0" y="1124744"/>
+            <a:ext cx="9144000" cy="5749532"/>
+          </a:xfrm>
+          <a:prstGeom prst="rect">
+            <a:avLst/>
+          </a:prstGeom>
+          <a:noFill/>
+          <a:ln>
+            <a:noFill/>
+          </a:ln>
+          <a:extLst>
+            <a:ext uri="{909E8E84-426E-40DD-AFC4-6F175D3DCCD1}">
+              <a14:hiddenFill xmlns:a14="http://schemas.microsoft.com/office/drawing/2010/main">
+                <a:solidFill>
+                  <a:schemeClr val="accent1"/>
+                </a:solidFill>
+              </a14:hiddenFill>
+            </a:ext>
+            <a:ext uri="{91240B29-F687-4F45-9708-019B960494DF}">
+              <a14:hiddenLine xmlns:a14="http://schemas.microsoft.com/office/drawing/2010/main" w="9525">
+                <a:solidFill>
+                  <a:schemeClr val="tx1"/>
+                </a:solidFill>
+                <a:miter lim="800000"/>
+                <a:headEnd/>
+                <a:tailEnd/>
+              </a14:hiddenLine>
+            </a:ext>
+          </a:extLst>
+        </p:spPr>
+      </p:pic>
+    </p:spTree>
+    <p:extLst>
+      <p:ext uri="{BB962C8B-B14F-4D97-AF65-F5344CB8AC3E}">
+        <p14:creationId xmlns:p14="http://schemas.microsoft.com/office/powerpoint/2010/main" val="3160756358"/>
+      </p:ext>
+    </p:extLst>
+  </p:cSld>
+  <p:clrMapOvr>
+    <a:masterClrMapping/>
+  </p:clrMapOvr>
+</p:sld>
+</file>
+
+<file path=ppt/slides/slide16.xml><?xml version="1.0" encoding="utf-8"?>
+<p:sld xmlns:a="http://schemas.openxmlformats.org/drawingml/2006/main" xmlns:r="http://schemas.openxmlformats.org/officeDocument/2006/relationships" xmlns:p="http://schemas.openxmlformats.org/presentationml/2006/main">
+  <p:cSld>
+    <p:spTree>
+      <p:nvGrpSpPr>
+        <p:cNvPr id="1" name=""/>
+        <p:cNvGrpSpPr/>
+        <p:nvPr/>
+      </p:nvGrpSpPr>
+      <p:grpSpPr>
+        <a:xfrm>
+          <a:off x="0" y="0"/>
+          <a:ext cx="0" cy="0"/>
+          <a:chOff x="0" y="0"/>
+          <a:chExt cx="0" cy="0"/>
+        </a:xfrm>
+      </p:grpSpPr>
+      <p:sp>
+        <p:nvSpPr>
+          <p:cNvPr id="2" name="标题 1"/>
+          <p:cNvSpPr>
+            <a:spLocks noGrp="1"/>
+          </p:cNvSpPr>
+          <p:nvPr>
+            <p:ph type="title"/>
+          </p:nvPr>
+        </p:nvSpPr>
+        <p:spPr/>
+        <p:txBody>
+          <a:bodyPr/>
+          <a:lstStyle/>
+          <a:p>
+            <a:r>
+              <a:rPr lang="en-US" altLang="zh-CN" dirty="0" smtClean="0"/>
+              <a:t>Data Frame</a:t>
+            </a:r>
+            <a:endParaRPr lang="zh-CN" altLang="en-US" dirty="0"/>
+          </a:p>
+        </p:txBody>
+      </p:sp>
+      <p:pic>
+        <p:nvPicPr>
+          <p:cNvPr id="3074" name="Picture 2"/>
+          <p:cNvPicPr>
+            <a:picLocks noChangeAspect="1" noChangeArrowheads="1"/>
+          </p:cNvPicPr>
+          <p:nvPr/>
+        </p:nvPicPr>
+        <p:blipFill>
+          <a:blip r:embed="rId3">
+            <a:extLst>
+              <a:ext uri="{28A0092B-C50C-407E-A947-70E740481C1C}">
+                <a14:useLocalDpi xmlns:a14="http://schemas.microsoft.com/office/drawing/2010/main" val="0"/>
+              </a:ext>
+            </a:extLst>
+          </a:blip>
+          <a:srcRect/>
+          <a:stretch>
+            <a:fillRect/>
+          </a:stretch>
+        </p:blipFill>
+        <p:spPr bwMode="auto">
+          <a:xfrm>
+            <a:off x="469896" y="1268760"/>
+            <a:ext cx="8247063" cy="5448300"/>
+          </a:xfrm>
+          <a:prstGeom prst="rect">
+            <a:avLst/>
+          </a:prstGeom>
+          <a:noFill/>
+          <a:ln>
+            <a:noFill/>
+          </a:ln>
+          <a:extLst>
+            <a:ext uri="{909E8E84-426E-40DD-AFC4-6F175D3DCCD1}">
+              <a14:hiddenFill xmlns:a14="http://schemas.microsoft.com/office/drawing/2010/main">
+                <a:solidFill>
+                  <a:schemeClr val="accent1"/>
+                </a:solidFill>
+              </a14:hiddenFill>
+            </a:ext>
+            <a:ext uri="{91240B29-F687-4F45-9708-019B960494DF}">
+              <a14:hiddenLine xmlns:a14="http://schemas.microsoft.com/office/drawing/2010/main" w="9525">
+                <a:solidFill>
+                  <a:schemeClr val="tx1"/>
+                </a:solidFill>
+                <a:miter lim="800000"/>
+                <a:headEnd/>
+                <a:tailEnd/>
+              </a14:hiddenLine>
+            </a:ext>
+          </a:extLst>
+        </p:spPr>
+      </p:pic>
+    </p:spTree>
+    <p:extLst>
+      <p:ext uri="{BB962C8B-B14F-4D97-AF65-F5344CB8AC3E}">
+        <p14:creationId xmlns:p14="http://schemas.microsoft.com/office/powerpoint/2010/main" val="1994917180"/>
+      </p:ext>
+    </p:extLst>
+  </p:cSld>
+  <p:clrMapOvr>
+    <a:masterClrMapping/>
+  </p:clrMapOvr>
+</p:sld>
+</file>
+
+<file path=ppt/slides/slide17.xml><?xml version="1.0" encoding="utf-8"?>
+<p:sld xmlns:a="http://schemas.openxmlformats.org/drawingml/2006/main" xmlns:r="http://schemas.openxmlformats.org/officeDocument/2006/relationships" xmlns:p="http://schemas.openxmlformats.org/presentationml/2006/main">
+  <p:cSld>
+    <p:spTree>
+      <p:nvGrpSpPr>
+        <p:cNvPr id="1" name=""/>
+        <p:cNvGrpSpPr/>
+        <p:nvPr/>
+      </p:nvGrpSpPr>
+      <p:grpSpPr>
+        <a:xfrm>
+          <a:off x="0" y="0"/>
+          <a:ext cx="0" cy="0"/>
+          <a:chOff x="0" y="0"/>
+          <a:chExt cx="0" cy="0"/>
+        </a:xfrm>
+      </p:grpSpPr>
+      <p:sp>
+        <p:nvSpPr>
+          <p:cNvPr id="2" name="标题 1"/>
+          <p:cNvSpPr>
+            <a:spLocks noGrp="1"/>
+          </p:cNvSpPr>
+          <p:nvPr>
+            <p:ph type="title"/>
+          </p:nvPr>
+        </p:nvSpPr>
+        <p:spPr/>
+        <p:txBody>
+          <a:bodyPr/>
+          <a:lstStyle/>
+          <a:p>
+            <a:r>
+              <a:rPr lang="en-US" altLang="zh-CN" dirty="0" smtClean="0"/>
+              <a:t>Data Frame</a:t>
+            </a:r>
+            <a:endParaRPr lang="zh-CN" altLang="en-US" dirty="0"/>
+          </a:p>
+        </p:txBody>
+      </p:sp>
+      <p:sp>
+        <p:nvSpPr>
+          <p:cNvPr id="3" name="矩形 2"/>
+          <p:cNvSpPr/>
+          <p:nvPr/>
+        </p:nvSpPr>
+        <p:spPr>
+          <a:xfrm>
+            <a:off x="913160" y="1628800"/>
+            <a:ext cx="936104" cy="360040"/>
+          </a:xfrm>
+          <a:prstGeom prst="rect">
+            <a:avLst/>
+          </a:prstGeom>
+        </p:spPr>
+        <p:style>
+          <a:lnRef idx="2">
+            <a:schemeClr val="accent1">
+              <a:shade val="50000"/>
+            </a:schemeClr>
+          </a:lnRef>
+          <a:fillRef idx="1">
+            <a:schemeClr val="accent1"/>
+          </a:fillRef>
+          <a:effectRef idx="0">
+            <a:schemeClr val="accent1"/>
+          </a:effectRef>
+          <a:fontRef idx="minor">
+            <a:schemeClr val="lt1"/>
+          </a:fontRef>
+        </p:style>
+        <p:txBody>
+          <a:bodyPr rtlCol="0" anchor="ctr"/>
+          <a:lstStyle/>
+          <a:p>
+            <a:pPr algn="ctr"/>
+            <a:r>
+              <a:rPr lang="en-US" altLang="zh-CN" dirty="0" smtClean="0"/>
+              <a:t>MSK0</a:t>
+            </a:r>
+            <a:endParaRPr lang="zh-CN" altLang="en-US" dirty="0"/>
+          </a:p>
+        </p:txBody>
+      </p:sp>
+      <p:sp>
+        <p:nvSpPr>
+          <p:cNvPr id="5" name="矩形 4"/>
+          <p:cNvSpPr/>
+          <p:nvPr/>
+        </p:nvSpPr>
+        <p:spPr>
+          <a:xfrm>
+            <a:off x="1849264" y="1628428"/>
+            <a:ext cx="936104" cy="360040"/>
+          </a:xfrm>
+          <a:prstGeom prst="rect">
+            <a:avLst/>
+          </a:prstGeom>
+        </p:spPr>
+        <p:style>
+          <a:lnRef idx="2">
+            <a:schemeClr val="accent1">
+              <a:shade val="50000"/>
+            </a:schemeClr>
+          </a:lnRef>
+          <a:fillRef idx="1">
+            <a:schemeClr val="accent1"/>
+          </a:fillRef>
+          <a:effectRef idx="0">
+            <a:schemeClr val="accent1"/>
+          </a:effectRef>
+          <a:fontRef idx="minor">
+            <a:schemeClr val="lt1"/>
+          </a:fontRef>
+        </p:style>
+        <p:txBody>
+          <a:bodyPr rtlCol="0" anchor="ctr"/>
+          <a:lstStyle/>
+          <a:p>
+            <a:pPr algn="ctr"/>
+            <a:r>
+              <a:rPr lang="en-US" altLang="zh-CN" dirty="0" smtClean="0"/>
+              <a:t>MSK1</a:t>
+            </a:r>
+            <a:endParaRPr lang="zh-CN" altLang="en-US" dirty="0"/>
+          </a:p>
+        </p:txBody>
+      </p:sp>
+      <p:sp>
+        <p:nvSpPr>
+          <p:cNvPr id="6" name="矩形 5"/>
+          <p:cNvSpPr/>
+          <p:nvPr/>
+        </p:nvSpPr>
+        <p:spPr>
+          <a:xfrm>
+            <a:off x="2785368" y="1628800"/>
+            <a:ext cx="936104" cy="360040"/>
+          </a:xfrm>
+          <a:prstGeom prst="rect">
+            <a:avLst/>
+          </a:prstGeom>
+        </p:spPr>
+        <p:style>
+          <a:lnRef idx="2">
+            <a:schemeClr val="accent1">
+              <a:shade val="50000"/>
+            </a:schemeClr>
+          </a:lnRef>
+          <a:fillRef idx="1">
+            <a:schemeClr val="accent1"/>
+          </a:fillRef>
+          <a:effectRef idx="0">
+            <a:schemeClr val="accent1"/>
+          </a:effectRef>
+          <a:fontRef idx="minor">
+            <a:schemeClr val="lt1"/>
+          </a:fontRef>
+        </p:style>
+        <p:txBody>
+          <a:bodyPr rtlCol="0" anchor="ctr"/>
+          <a:lstStyle/>
+          <a:p>
+            <a:pPr algn="ctr"/>
+            <a:r>
+              <a:rPr lang="en-US" altLang="zh-CN" dirty="0" smtClean="0"/>
+              <a:t>MSK2</a:t>
+            </a:r>
+            <a:endParaRPr lang="zh-CN" altLang="en-US" dirty="0"/>
+          </a:p>
+        </p:txBody>
+      </p:sp>
+      <p:sp>
+        <p:nvSpPr>
+          <p:cNvPr id="7" name="矩形 6"/>
+          <p:cNvSpPr/>
+          <p:nvPr/>
+        </p:nvSpPr>
+        <p:spPr>
+          <a:xfrm>
+            <a:off x="3707904" y="1628800"/>
+            <a:ext cx="936104" cy="360040"/>
+          </a:xfrm>
+          <a:prstGeom prst="rect">
+            <a:avLst/>
+          </a:prstGeom>
+        </p:spPr>
+        <p:style>
+          <a:lnRef idx="2">
+            <a:schemeClr val="accent1">
+              <a:shade val="50000"/>
+            </a:schemeClr>
+          </a:lnRef>
+          <a:fillRef idx="1">
+            <a:schemeClr val="accent1"/>
+          </a:fillRef>
+          <a:effectRef idx="0">
+            <a:schemeClr val="accent1"/>
+          </a:effectRef>
+          <a:fontRef idx="minor">
+            <a:schemeClr val="lt1"/>
+          </a:fontRef>
+        </p:style>
+        <p:txBody>
+          <a:bodyPr rtlCol="0" anchor="ctr"/>
+          <a:lstStyle/>
+          <a:p>
+            <a:pPr algn="ctr"/>
+            <a:r>
+              <a:rPr lang="en-US" altLang="zh-CN" dirty="0" smtClean="0"/>
+              <a:t>MSK3</a:t>
+            </a:r>
+            <a:endParaRPr lang="zh-CN" altLang="en-US" dirty="0"/>
+          </a:p>
+        </p:txBody>
+      </p:sp>
+      <p:sp>
+        <p:nvSpPr>
+          <p:cNvPr id="8" name="矩形 7"/>
+          <p:cNvSpPr/>
+          <p:nvPr/>
+        </p:nvSpPr>
+        <p:spPr>
+          <a:xfrm>
+            <a:off x="913160" y="2718212"/>
+            <a:ext cx="936104" cy="360040"/>
+          </a:xfrm>
+          <a:prstGeom prst="rect">
+            <a:avLst/>
+          </a:prstGeom>
+        </p:spPr>
+        <p:style>
+          <a:lnRef idx="2">
+            <a:schemeClr val="accent2">
+              <a:shade val="50000"/>
+            </a:schemeClr>
+          </a:lnRef>
+          <a:fillRef idx="1">
+            <a:schemeClr val="accent2"/>
+          </a:fillRef>
+          <a:effectRef idx="0">
+            <a:schemeClr val="accent2"/>
+          </a:effectRef>
+          <a:fontRef idx="minor">
+            <a:schemeClr val="lt1"/>
+          </a:fontRef>
+        </p:style>
+        <p:txBody>
+          <a:bodyPr rtlCol="0" anchor="ctr"/>
+          <a:lstStyle/>
+          <a:p>
+            <a:pPr algn="ctr"/>
+            <a:r>
+              <a:rPr lang="en-US" altLang="zh-CN" dirty="0" smtClean="0"/>
+              <a:t>PLB0</a:t>
+            </a:r>
+            <a:endParaRPr lang="zh-CN" altLang="en-US" dirty="0"/>
+          </a:p>
+        </p:txBody>
+      </p:sp>
+      <p:sp>
+        <p:nvSpPr>
+          <p:cNvPr id="9" name="矩形 8"/>
+          <p:cNvSpPr/>
+          <p:nvPr/>
+        </p:nvSpPr>
+        <p:spPr>
+          <a:xfrm>
+            <a:off x="1849264" y="2718212"/>
+            <a:ext cx="936104" cy="360040"/>
+          </a:xfrm>
+          <a:prstGeom prst="rect">
+            <a:avLst/>
+          </a:prstGeom>
+        </p:spPr>
+        <p:style>
+          <a:lnRef idx="2">
+            <a:schemeClr val="accent2">
+              <a:shade val="50000"/>
+            </a:schemeClr>
+          </a:lnRef>
+          <a:fillRef idx="1">
+            <a:schemeClr val="accent2"/>
+          </a:fillRef>
+          <a:effectRef idx="0">
+            <a:schemeClr val="accent2"/>
+          </a:effectRef>
+          <a:fontRef idx="minor">
+            <a:schemeClr val="lt1"/>
+          </a:fontRef>
+        </p:style>
+        <p:txBody>
+          <a:bodyPr rtlCol="0" anchor="ctr"/>
+          <a:lstStyle/>
+          <a:p>
+            <a:pPr algn="ctr"/>
+            <a:r>
+              <a:rPr lang="en-US" altLang="zh-CN" dirty="0" smtClean="0"/>
+              <a:t>PLB1</a:t>
+            </a:r>
+            <a:endParaRPr lang="zh-CN" altLang="en-US" dirty="0"/>
+          </a:p>
+        </p:txBody>
+      </p:sp>
+      <p:sp>
+        <p:nvSpPr>
+          <p:cNvPr id="10" name="矩形 9"/>
+          <p:cNvSpPr/>
+          <p:nvPr/>
+        </p:nvSpPr>
+        <p:spPr>
+          <a:xfrm>
+            <a:off x="2793008" y="2718212"/>
+            <a:ext cx="936104" cy="360040"/>
+          </a:xfrm>
+          <a:prstGeom prst="rect">
+            <a:avLst/>
+          </a:prstGeom>
+        </p:spPr>
+        <p:style>
+          <a:lnRef idx="2">
+            <a:schemeClr val="accent2">
+              <a:shade val="50000"/>
+            </a:schemeClr>
+          </a:lnRef>
+          <a:fillRef idx="1">
+            <a:schemeClr val="accent2"/>
+          </a:fillRef>
+          <a:effectRef idx="0">
+            <a:schemeClr val="accent2"/>
+          </a:effectRef>
+          <a:fontRef idx="minor">
+            <a:schemeClr val="lt1"/>
+          </a:fontRef>
+        </p:style>
+        <p:txBody>
+          <a:bodyPr rtlCol="0" anchor="ctr"/>
+          <a:lstStyle/>
+          <a:p>
+            <a:pPr algn="ctr"/>
+            <a:r>
+              <a:rPr lang="en-US" altLang="zh-CN" dirty="0" smtClean="0"/>
+              <a:t>PLB2</a:t>
+            </a:r>
+            <a:endParaRPr lang="zh-CN" altLang="en-US" dirty="0"/>
+          </a:p>
+        </p:txBody>
+      </p:sp>
+      <p:sp>
+        <p:nvSpPr>
+          <p:cNvPr id="11" name="矩形 10"/>
+          <p:cNvSpPr/>
+          <p:nvPr/>
+        </p:nvSpPr>
+        <p:spPr>
+          <a:xfrm>
+            <a:off x="3729112" y="2718212"/>
+            <a:ext cx="936104" cy="360040"/>
+          </a:xfrm>
+          <a:prstGeom prst="rect">
+            <a:avLst/>
+          </a:prstGeom>
+        </p:spPr>
+        <p:style>
+          <a:lnRef idx="2">
+            <a:schemeClr val="accent2">
+              <a:shade val="50000"/>
+            </a:schemeClr>
+          </a:lnRef>
+          <a:fillRef idx="1">
+            <a:schemeClr val="accent2"/>
+          </a:fillRef>
+          <a:effectRef idx="0">
+            <a:schemeClr val="accent2"/>
+          </a:effectRef>
+          <a:fontRef idx="minor">
+            <a:schemeClr val="lt1"/>
+          </a:fontRef>
+        </p:style>
+        <p:txBody>
+          <a:bodyPr rtlCol="0" anchor="ctr"/>
+          <a:lstStyle/>
+          <a:p>
+            <a:pPr algn="ctr"/>
+            <a:r>
+              <a:rPr lang="en-US" altLang="zh-CN" dirty="0" smtClean="0"/>
+              <a:t>PLB3</a:t>
+            </a:r>
+            <a:endParaRPr lang="zh-CN" altLang="en-US" dirty="0"/>
+          </a:p>
+        </p:txBody>
+      </p:sp>
+      <p:sp>
+        <p:nvSpPr>
+          <p:cNvPr id="12" name="矩形 11"/>
+          <p:cNvSpPr/>
+          <p:nvPr/>
+        </p:nvSpPr>
+        <p:spPr>
+          <a:xfrm>
+            <a:off x="4665216" y="2718212"/>
+            <a:ext cx="936104" cy="360040"/>
+          </a:xfrm>
+          <a:prstGeom prst="rect">
+            <a:avLst/>
+          </a:prstGeom>
+        </p:spPr>
+        <p:style>
+          <a:lnRef idx="2">
+            <a:schemeClr val="accent2">
+              <a:shade val="50000"/>
+            </a:schemeClr>
+          </a:lnRef>
+          <a:fillRef idx="1">
+            <a:schemeClr val="accent2"/>
+          </a:fillRef>
+          <a:effectRef idx="0">
+            <a:schemeClr val="accent2"/>
+          </a:effectRef>
+          <a:fontRef idx="minor">
+            <a:schemeClr val="lt1"/>
+          </a:fontRef>
+        </p:style>
+        <p:txBody>
+          <a:bodyPr rtlCol="0" anchor="ctr"/>
+          <a:lstStyle/>
+          <a:p>
+            <a:pPr algn="ctr"/>
+            <a:r>
+              <a:rPr lang="en-US" altLang="zh-CN" dirty="0" smtClean="0"/>
+              <a:t>PLB4</a:t>
+            </a:r>
+            <a:endParaRPr lang="zh-CN" altLang="en-US" dirty="0"/>
+          </a:p>
+        </p:txBody>
+      </p:sp>
+      <p:sp>
+        <p:nvSpPr>
+          <p:cNvPr id="13" name="矩形 12"/>
+          <p:cNvSpPr/>
+          <p:nvPr/>
+        </p:nvSpPr>
+        <p:spPr>
+          <a:xfrm>
+            <a:off x="5610324" y="2718212"/>
+            <a:ext cx="936104" cy="360040"/>
+          </a:xfrm>
+          <a:prstGeom prst="rect">
+            <a:avLst/>
+          </a:prstGeom>
+        </p:spPr>
+        <p:style>
+          <a:lnRef idx="2">
+            <a:schemeClr val="accent2">
+              <a:shade val="50000"/>
+            </a:schemeClr>
+          </a:lnRef>
+          <a:fillRef idx="1">
+            <a:schemeClr val="accent2"/>
+          </a:fillRef>
+          <a:effectRef idx="0">
+            <a:schemeClr val="accent2"/>
+          </a:effectRef>
+          <a:fontRef idx="minor">
+            <a:schemeClr val="lt1"/>
+          </a:fontRef>
+        </p:style>
+        <p:txBody>
+          <a:bodyPr rtlCol="0" anchor="ctr"/>
+          <a:lstStyle/>
+          <a:p>
+            <a:pPr algn="ctr"/>
+            <a:r>
+              <a:rPr lang="en-US" altLang="zh-CN" dirty="0" smtClean="0"/>
+              <a:t>PLB5</a:t>
+            </a:r>
+            <a:endParaRPr lang="zh-CN" altLang="en-US" dirty="0"/>
+          </a:p>
+        </p:txBody>
+      </p:sp>
+      <p:sp>
+        <p:nvSpPr>
+          <p:cNvPr id="14" name="矩形 13"/>
+          <p:cNvSpPr/>
+          <p:nvPr/>
+        </p:nvSpPr>
+        <p:spPr>
+          <a:xfrm>
+            <a:off x="6546428" y="2718212"/>
+            <a:ext cx="936104" cy="360040"/>
+          </a:xfrm>
+          <a:prstGeom prst="rect">
+            <a:avLst/>
+          </a:prstGeom>
+        </p:spPr>
+        <p:style>
+          <a:lnRef idx="2">
+            <a:schemeClr val="accent2">
+              <a:shade val="50000"/>
+            </a:schemeClr>
+          </a:lnRef>
+          <a:fillRef idx="1">
+            <a:schemeClr val="accent2"/>
+          </a:fillRef>
+          <a:effectRef idx="0">
+            <a:schemeClr val="accent2"/>
+          </a:effectRef>
+          <a:fontRef idx="minor">
+            <a:schemeClr val="lt1"/>
+          </a:fontRef>
+        </p:style>
+        <p:txBody>
+          <a:bodyPr rtlCol="0" anchor="ctr"/>
+          <a:lstStyle/>
+          <a:p>
+            <a:pPr algn="ctr"/>
+            <a:r>
+              <a:rPr lang="en-US" altLang="zh-CN" dirty="0" smtClean="0"/>
+              <a:t>PLB5</a:t>
+            </a:r>
+            <a:endParaRPr lang="zh-CN" altLang="en-US" dirty="0"/>
+          </a:p>
+        </p:txBody>
+      </p:sp>
+      <p:sp>
+        <p:nvSpPr>
+          <p:cNvPr id="17" name="TextBox 16"/>
+          <p:cNvSpPr txBox="1"/>
+          <p:nvPr/>
+        </p:nvSpPr>
+        <p:spPr>
+          <a:xfrm>
+            <a:off x="291972" y="2233092"/>
+            <a:ext cx="588751" cy="369332"/>
+          </a:xfrm>
+          <a:prstGeom prst="rect">
+            <a:avLst/>
+          </a:prstGeom>
+          <a:noFill/>
+        </p:spPr>
+        <p:txBody>
+          <a:bodyPr wrap="none" rtlCol="0">
+            <a:spAutoFit/>
+          </a:bodyPr>
+          <a:lstStyle/>
+          <a:p>
+            <a:r>
+              <a:rPr lang="en-US" altLang="zh-CN" b="1" dirty="0" smtClean="0"/>
+              <a:t>XOR</a:t>
+            </a:r>
+            <a:endParaRPr lang="zh-CN" altLang="en-US" b="1" dirty="0"/>
+          </a:p>
+        </p:txBody>
+      </p:sp>
+      <p:cxnSp>
+        <p:nvCxnSpPr>
+          <p:cNvPr id="18" name="直接箭头连接符 17"/>
+          <p:cNvCxnSpPr>
+            <a:stCxn id="3" idx="2"/>
+            <a:endCxn id="8" idx="0"/>
+          </p:cNvCxnSpPr>
+          <p:nvPr/>
+        </p:nvCxnSpPr>
+        <p:spPr>
+          <a:xfrm>
+            <a:off x="1381212" y="1988840"/>
+            <a:ext cx="0" cy="729372"/>
+          </a:xfrm>
+          <a:prstGeom prst="straightConnector1">
+            <a:avLst/>
+          </a:prstGeom>
+          <a:ln>
+            <a:tailEnd type="arrow"/>
+          </a:ln>
+        </p:spPr>
+        <p:style>
+          <a:lnRef idx="2">
+            <a:schemeClr val="dk1"/>
+          </a:lnRef>
+          <a:fillRef idx="0">
+            <a:schemeClr val="dk1"/>
+          </a:fillRef>
+          <a:effectRef idx="1">
+            <a:schemeClr val="dk1"/>
+          </a:effectRef>
+          <a:fontRef idx="minor">
+            <a:schemeClr val="tx1"/>
+          </a:fontRef>
+        </p:style>
+      </p:cxnSp>
+      <p:cxnSp>
+        <p:nvCxnSpPr>
+          <p:cNvPr id="20" name="直接箭头连接符 19"/>
+          <p:cNvCxnSpPr>
+            <a:stCxn id="3" idx="2"/>
+            <a:endCxn id="12" idx="0"/>
+          </p:cNvCxnSpPr>
+          <p:nvPr/>
+        </p:nvCxnSpPr>
+        <p:spPr>
+          <a:xfrm>
+            <a:off x="1381212" y="1988840"/>
+            <a:ext cx="3752056" cy="729372"/>
+          </a:xfrm>
+          <a:prstGeom prst="straightConnector1">
+            <a:avLst/>
+          </a:prstGeom>
+          <a:ln>
+            <a:tailEnd type="arrow"/>
+          </a:ln>
+        </p:spPr>
+        <p:style>
+          <a:lnRef idx="2">
+            <a:schemeClr val="dk1"/>
+          </a:lnRef>
+          <a:fillRef idx="0">
+            <a:schemeClr val="dk1"/>
+          </a:fillRef>
+          <a:effectRef idx="1">
+            <a:schemeClr val="dk1"/>
+          </a:effectRef>
+          <a:fontRef idx="minor">
+            <a:schemeClr val="tx1"/>
+          </a:fontRef>
+        </p:style>
+      </p:cxnSp>
+      <p:cxnSp>
+        <p:nvCxnSpPr>
+          <p:cNvPr id="22" name="直接箭头连接符 21"/>
+          <p:cNvCxnSpPr>
+            <a:stCxn id="5" idx="2"/>
+            <a:endCxn id="9" idx="0"/>
+          </p:cNvCxnSpPr>
+          <p:nvPr/>
+        </p:nvCxnSpPr>
+        <p:spPr>
+          <a:xfrm>
+            <a:off x="2317316" y="1988468"/>
+            <a:ext cx="0" cy="729744"/>
+          </a:xfrm>
+          <a:prstGeom prst="straightConnector1">
+            <a:avLst/>
+          </a:prstGeom>
+          <a:ln>
+            <a:tailEnd type="arrow"/>
+          </a:ln>
+        </p:spPr>
+        <p:style>
+          <a:lnRef idx="2">
+            <a:schemeClr val="accent1"/>
+          </a:lnRef>
+          <a:fillRef idx="0">
+            <a:schemeClr val="accent1"/>
+          </a:fillRef>
+          <a:effectRef idx="1">
+            <a:schemeClr val="accent1"/>
+          </a:effectRef>
+          <a:fontRef idx="minor">
+            <a:schemeClr val="tx1"/>
+          </a:fontRef>
+        </p:style>
+      </p:cxnSp>
+      <p:cxnSp>
+        <p:nvCxnSpPr>
+          <p:cNvPr id="24" name="直接箭头连接符 23"/>
+          <p:cNvCxnSpPr>
+            <a:stCxn id="6" idx="2"/>
+            <a:endCxn id="10" idx="0"/>
+          </p:cNvCxnSpPr>
+          <p:nvPr/>
+        </p:nvCxnSpPr>
+        <p:spPr>
+          <a:xfrm>
+            <a:off x="3253420" y="1988840"/>
+            <a:ext cx="7640" cy="729372"/>
+          </a:xfrm>
+          <a:prstGeom prst="straightConnector1">
+            <a:avLst/>
+          </a:prstGeom>
+          <a:ln>
+            <a:tailEnd type="arrow"/>
+          </a:ln>
+        </p:spPr>
+        <p:style>
+          <a:lnRef idx="2">
+            <a:schemeClr val="accent2"/>
+          </a:lnRef>
+          <a:fillRef idx="0">
+            <a:schemeClr val="accent2"/>
+          </a:fillRef>
+          <a:effectRef idx="1">
+            <a:schemeClr val="accent2"/>
+          </a:effectRef>
+          <a:fontRef idx="minor">
+            <a:schemeClr val="tx1"/>
+          </a:fontRef>
+        </p:style>
+      </p:cxnSp>
+      <p:cxnSp>
+        <p:nvCxnSpPr>
+          <p:cNvPr id="26" name="直接箭头连接符 25"/>
+          <p:cNvCxnSpPr>
+            <a:stCxn id="7" idx="2"/>
+            <a:endCxn id="11" idx="0"/>
+          </p:cNvCxnSpPr>
+          <p:nvPr/>
+        </p:nvCxnSpPr>
+        <p:spPr>
+          <a:xfrm>
+            <a:off x="4175956" y="1988840"/>
+            <a:ext cx="21208" cy="729372"/>
+          </a:xfrm>
+          <a:prstGeom prst="straightConnector1">
+            <a:avLst/>
+          </a:prstGeom>
+          <a:ln>
+            <a:tailEnd type="arrow"/>
+          </a:ln>
+        </p:spPr>
+        <p:style>
+          <a:lnRef idx="2">
+            <a:schemeClr val="accent3"/>
+          </a:lnRef>
+          <a:fillRef idx="0">
+            <a:schemeClr val="accent3"/>
+          </a:fillRef>
+          <a:effectRef idx="1">
+            <a:schemeClr val="accent3"/>
+          </a:effectRef>
+          <a:fontRef idx="minor">
+            <a:schemeClr val="tx1"/>
+          </a:fontRef>
+        </p:style>
+      </p:cxnSp>
+      <p:cxnSp>
+        <p:nvCxnSpPr>
+          <p:cNvPr id="29" name="直接箭头连接符 28"/>
+          <p:cNvCxnSpPr>
+            <a:stCxn id="5" idx="2"/>
+            <a:endCxn id="13" idx="0"/>
+          </p:cNvCxnSpPr>
+          <p:nvPr/>
+        </p:nvCxnSpPr>
+        <p:spPr>
+          <a:xfrm>
+            <a:off x="2317316" y="1988468"/>
+            <a:ext cx="3761060" cy="729744"/>
+          </a:xfrm>
+          <a:prstGeom prst="straightConnector1">
+            <a:avLst/>
+          </a:prstGeom>
+          <a:ln>
+            <a:tailEnd type="arrow"/>
+          </a:ln>
+        </p:spPr>
+        <p:style>
+          <a:lnRef idx="2">
+            <a:schemeClr val="accent1"/>
+          </a:lnRef>
+          <a:fillRef idx="0">
+            <a:schemeClr val="accent1"/>
+          </a:fillRef>
+          <a:effectRef idx="1">
+            <a:schemeClr val="accent1"/>
+          </a:effectRef>
+          <a:fontRef idx="minor">
+            <a:schemeClr val="tx1"/>
+          </a:fontRef>
+        </p:style>
+      </p:cxnSp>
+      <p:cxnSp>
+        <p:nvCxnSpPr>
+          <p:cNvPr id="31" name="直接箭头连接符 30"/>
+          <p:cNvCxnSpPr>
+            <a:stCxn id="6" idx="2"/>
+            <a:endCxn id="14" idx="0"/>
+          </p:cNvCxnSpPr>
+          <p:nvPr/>
+        </p:nvCxnSpPr>
+        <p:spPr>
+          <a:xfrm>
+            <a:off x="3253420" y="1988840"/>
+            <a:ext cx="3761060" cy="729372"/>
+          </a:xfrm>
+          <a:prstGeom prst="straightConnector1">
+            <a:avLst/>
+          </a:prstGeom>
+          <a:ln>
+            <a:tailEnd type="arrow"/>
+          </a:ln>
+        </p:spPr>
+        <p:style>
+          <a:lnRef idx="2">
+            <a:schemeClr val="accent2"/>
+          </a:lnRef>
+          <a:fillRef idx="0">
+            <a:schemeClr val="accent2"/>
+          </a:fillRef>
+          <a:effectRef idx="1">
+            <a:schemeClr val="accent2"/>
+          </a:effectRef>
+          <a:fontRef idx="minor">
+            <a:schemeClr val="tx1"/>
+          </a:fontRef>
+        </p:style>
+      </p:cxnSp>
+      <p:sp>
+        <p:nvSpPr>
+          <p:cNvPr id="33" name="矩形 32"/>
+          <p:cNvSpPr/>
+          <p:nvPr/>
+        </p:nvSpPr>
+        <p:spPr>
+          <a:xfrm>
+            <a:off x="7484764" y="2718212"/>
+            <a:ext cx="936104" cy="360040"/>
+          </a:xfrm>
+          <a:prstGeom prst="rect">
+            <a:avLst/>
+          </a:prstGeom>
+        </p:spPr>
+        <p:style>
+          <a:lnRef idx="2">
+            <a:schemeClr val="accent2">
+              <a:shade val="50000"/>
+            </a:schemeClr>
+          </a:lnRef>
+          <a:fillRef idx="1">
+            <a:schemeClr val="accent2"/>
+          </a:fillRef>
+          <a:effectRef idx="0">
+            <a:schemeClr val="accent2"/>
+          </a:effectRef>
+          <a:fontRef idx="minor">
+            <a:schemeClr val="lt1"/>
+          </a:fontRef>
+        </p:style>
+        <p:txBody>
+          <a:bodyPr rtlCol="0" anchor="ctr"/>
+          <a:lstStyle/>
+          <a:p>
+            <a:pPr algn="ctr"/>
+            <a:r>
+              <a:rPr lang="en-US" altLang="zh-CN" dirty="0" smtClean="0"/>
+              <a:t>PLB6</a:t>
+            </a:r>
+            <a:endParaRPr lang="zh-CN" altLang="en-US" dirty="0"/>
+          </a:p>
+        </p:txBody>
+      </p:sp>
+      <p:cxnSp>
+        <p:nvCxnSpPr>
+          <p:cNvPr id="34" name="直接箭头连接符 33"/>
+          <p:cNvCxnSpPr>
+            <a:stCxn id="7" idx="2"/>
+            <a:endCxn id="33" idx="0"/>
+          </p:cNvCxnSpPr>
+          <p:nvPr/>
+        </p:nvCxnSpPr>
+        <p:spPr>
+          <a:xfrm>
+            <a:off x="4175956" y="1988840"/>
+            <a:ext cx="3776860" cy="729372"/>
+          </a:xfrm>
+          <a:prstGeom prst="straightConnector1">
+            <a:avLst/>
+          </a:prstGeom>
+          <a:ln>
+            <a:tailEnd type="arrow"/>
+          </a:ln>
+        </p:spPr>
+        <p:style>
+          <a:lnRef idx="2">
+            <a:schemeClr val="accent3"/>
+          </a:lnRef>
+          <a:fillRef idx="0">
+            <a:schemeClr val="accent3"/>
+          </a:fillRef>
+          <a:effectRef idx="1">
+            <a:schemeClr val="accent3"/>
+          </a:effectRef>
+          <a:fontRef idx="minor">
+            <a:schemeClr val="tx1"/>
+          </a:fontRef>
+        </p:style>
+      </p:cxnSp>
+      <p:sp>
+        <p:nvSpPr>
+          <p:cNvPr id="36" name="矩形 35"/>
+          <p:cNvSpPr/>
+          <p:nvPr/>
+        </p:nvSpPr>
+        <p:spPr>
+          <a:xfrm>
+            <a:off x="909939" y="3825044"/>
+            <a:ext cx="936104" cy="360040"/>
+          </a:xfrm>
+          <a:prstGeom prst="rect">
+            <a:avLst/>
+          </a:prstGeom>
+        </p:spPr>
+        <p:style>
+          <a:lnRef idx="2">
+            <a:schemeClr val="accent3">
+              <a:shade val="50000"/>
+            </a:schemeClr>
+          </a:lnRef>
+          <a:fillRef idx="1">
+            <a:schemeClr val="accent3"/>
+          </a:fillRef>
+          <a:effectRef idx="0">
+            <a:schemeClr val="accent3"/>
+          </a:effectRef>
+          <a:fontRef idx="minor">
+            <a:schemeClr val="lt1"/>
+          </a:fontRef>
+        </p:style>
+        <p:txBody>
+          <a:bodyPr rtlCol="0" anchor="ctr"/>
+          <a:lstStyle/>
+          <a:p>
+            <a:pPr algn="ctr"/>
+            <a:r>
+              <a:rPr lang="en-US" altLang="zh-CN" dirty="0" smtClean="0"/>
+              <a:t>MPLB0</a:t>
+            </a:r>
+            <a:endParaRPr lang="zh-CN" altLang="en-US" dirty="0"/>
+          </a:p>
+        </p:txBody>
+      </p:sp>
+      <p:sp>
+        <p:nvSpPr>
+          <p:cNvPr id="37" name="矩形 36"/>
+          <p:cNvSpPr/>
+          <p:nvPr/>
+        </p:nvSpPr>
+        <p:spPr>
+          <a:xfrm>
+            <a:off x="1846043" y="3825044"/>
+            <a:ext cx="936104" cy="360040"/>
+          </a:xfrm>
+          <a:prstGeom prst="rect">
+            <a:avLst/>
+          </a:prstGeom>
+        </p:spPr>
+        <p:style>
+          <a:lnRef idx="2">
+            <a:schemeClr val="accent3">
+              <a:shade val="50000"/>
+            </a:schemeClr>
+          </a:lnRef>
+          <a:fillRef idx="1">
+            <a:schemeClr val="accent3"/>
+          </a:fillRef>
+          <a:effectRef idx="0">
+            <a:schemeClr val="accent3"/>
+          </a:effectRef>
+          <a:fontRef idx="minor">
+            <a:schemeClr val="lt1"/>
+          </a:fontRef>
+        </p:style>
+        <p:txBody>
+          <a:bodyPr rtlCol="0" anchor="ctr"/>
+          <a:lstStyle/>
+          <a:p>
+            <a:pPr algn="ctr"/>
+            <a:r>
+              <a:rPr lang="en-US" altLang="zh-CN" dirty="0" smtClean="0"/>
+              <a:t>MPLB1</a:t>
+            </a:r>
+            <a:endParaRPr lang="zh-CN" altLang="en-US" dirty="0"/>
+          </a:p>
+        </p:txBody>
+      </p:sp>
+      <p:sp>
+        <p:nvSpPr>
+          <p:cNvPr id="38" name="矩形 37"/>
+          <p:cNvSpPr/>
+          <p:nvPr/>
+        </p:nvSpPr>
+        <p:spPr>
+          <a:xfrm>
+            <a:off x="2789787" y="3825044"/>
+            <a:ext cx="936104" cy="360040"/>
+          </a:xfrm>
+          <a:prstGeom prst="rect">
+            <a:avLst/>
+          </a:prstGeom>
+        </p:spPr>
+        <p:style>
+          <a:lnRef idx="2">
+            <a:schemeClr val="accent3">
+              <a:shade val="50000"/>
+            </a:schemeClr>
+          </a:lnRef>
+          <a:fillRef idx="1">
+            <a:schemeClr val="accent3"/>
+          </a:fillRef>
+          <a:effectRef idx="0">
+            <a:schemeClr val="accent3"/>
+          </a:effectRef>
+          <a:fontRef idx="minor">
+            <a:schemeClr val="lt1"/>
+          </a:fontRef>
+        </p:style>
+        <p:txBody>
+          <a:bodyPr rtlCol="0" anchor="ctr"/>
+          <a:lstStyle/>
+          <a:p>
+            <a:pPr algn="ctr"/>
+            <a:r>
+              <a:rPr lang="en-US" altLang="zh-CN" dirty="0" smtClean="0"/>
+              <a:t>MPLB2</a:t>
+            </a:r>
+            <a:endParaRPr lang="zh-CN" altLang="en-US" dirty="0"/>
+          </a:p>
+        </p:txBody>
+      </p:sp>
+      <p:sp>
+        <p:nvSpPr>
+          <p:cNvPr id="39" name="矩形 38"/>
+          <p:cNvSpPr/>
+          <p:nvPr/>
+        </p:nvSpPr>
+        <p:spPr>
+          <a:xfrm>
+            <a:off x="3725891" y="3825044"/>
+            <a:ext cx="936104" cy="360040"/>
+          </a:xfrm>
+          <a:prstGeom prst="rect">
+            <a:avLst/>
+          </a:prstGeom>
+        </p:spPr>
+        <p:style>
+          <a:lnRef idx="2">
+            <a:schemeClr val="accent3">
+              <a:shade val="50000"/>
+            </a:schemeClr>
+          </a:lnRef>
+          <a:fillRef idx="1">
+            <a:schemeClr val="accent3"/>
+          </a:fillRef>
+          <a:effectRef idx="0">
+            <a:schemeClr val="accent3"/>
+          </a:effectRef>
+          <a:fontRef idx="minor">
+            <a:schemeClr val="lt1"/>
+          </a:fontRef>
+        </p:style>
+        <p:txBody>
+          <a:bodyPr rtlCol="0" anchor="ctr"/>
+          <a:lstStyle/>
+          <a:p>
+            <a:pPr algn="ctr"/>
+            <a:r>
+              <a:rPr lang="en-US" altLang="zh-CN" dirty="0" smtClean="0"/>
+              <a:t>MPLB3</a:t>
+            </a:r>
+            <a:endParaRPr lang="zh-CN" altLang="en-US" dirty="0"/>
+          </a:p>
+        </p:txBody>
+      </p:sp>
+      <p:sp>
+        <p:nvSpPr>
+          <p:cNvPr id="40" name="矩形 39"/>
+          <p:cNvSpPr/>
+          <p:nvPr/>
+        </p:nvSpPr>
+        <p:spPr>
+          <a:xfrm>
+            <a:off x="4661995" y="3825044"/>
+            <a:ext cx="936104" cy="360040"/>
+          </a:xfrm>
+          <a:prstGeom prst="rect">
+            <a:avLst/>
+          </a:prstGeom>
+        </p:spPr>
+        <p:style>
+          <a:lnRef idx="2">
+            <a:schemeClr val="accent3">
+              <a:shade val="50000"/>
+            </a:schemeClr>
+          </a:lnRef>
+          <a:fillRef idx="1">
+            <a:schemeClr val="accent3"/>
+          </a:fillRef>
+          <a:effectRef idx="0">
+            <a:schemeClr val="accent3"/>
+          </a:effectRef>
+          <a:fontRef idx="minor">
+            <a:schemeClr val="lt1"/>
+          </a:fontRef>
+        </p:style>
+        <p:txBody>
+          <a:bodyPr rtlCol="0" anchor="ctr"/>
+          <a:lstStyle/>
+          <a:p>
+            <a:pPr algn="ctr"/>
+            <a:r>
+              <a:rPr lang="en-US" altLang="zh-CN" dirty="0" smtClean="0"/>
+              <a:t>MPLB4</a:t>
+            </a:r>
+            <a:endParaRPr lang="zh-CN" altLang="en-US" dirty="0"/>
+          </a:p>
+        </p:txBody>
+      </p:sp>
+      <p:sp>
+        <p:nvSpPr>
+          <p:cNvPr id="41" name="矩形 40"/>
+          <p:cNvSpPr/>
+          <p:nvPr/>
+        </p:nvSpPr>
+        <p:spPr>
+          <a:xfrm>
+            <a:off x="5607103" y="3825044"/>
+            <a:ext cx="936104" cy="360040"/>
+          </a:xfrm>
+          <a:prstGeom prst="rect">
+            <a:avLst/>
+          </a:prstGeom>
+        </p:spPr>
+        <p:style>
+          <a:lnRef idx="2">
+            <a:schemeClr val="accent3">
+              <a:shade val="50000"/>
+            </a:schemeClr>
+          </a:lnRef>
+          <a:fillRef idx="1">
+            <a:schemeClr val="accent3"/>
+          </a:fillRef>
+          <a:effectRef idx="0">
+            <a:schemeClr val="accent3"/>
+          </a:effectRef>
+          <a:fontRef idx="minor">
+            <a:schemeClr val="lt1"/>
+          </a:fontRef>
+        </p:style>
+        <p:txBody>
+          <a:bodyPr rtlCol="0" anchor="ctr"/>
+          <a:lstStyle/>
+          <a:p>
+            <a:pPr algn="ctr"/>
+            <a:r>
+              <a:rPr lang="en-US" altLang="zh-CN" dirty="0" smtClean="0"/>
+              <a:t>MPLB5</a:t>
+            </a:r>
+            <a:endParaRPr lang="zh-CN" altLang="en-US" dirty="0"/>
+          </a:p>
+        </p:txBody>
+      </p:sp>
+      <p:sp>
+        <p:nvSpPr>
+          <p:cNvPr id="42" name="矩形 41"/>
+          <p:cNvSpPr/>
+          <p:nvPr/>
+        </p:nvSpPr>
+        <p:spPr>
+          <a:xfrm>
+            <a:off x="6543207" y="3825044"/>
+            <a:ext cx="936104" cy="360040"/>
+          </a:xfrm>
+          <a:prstGeom prst="rect">
+            <a:avLst/>
+          </a:prstGeom>
+        </p:spPr>
+        <p:style>
+          <a:lnRef idx="2">
+            <a:schemeClr val="accent3">
+              <a:shade val="50000"/>
+            </a:schemeClr>
+          </a:lnRef>
+          <a:fillRef idx="1">
+            <a:schemeClr val="accent3"/>
+          </a:fillRef>
+          <a:effectRef idx="0">
+            <a:schemeClr val="accent3"/>
+          </a:effectRef>
+          <a:fontRef idx="minor">
+            <a:schemeClr val="lt1"/>
+          </a:fontRef>
+        </p:style>
+        <p:txBody>
+          <a:bodyPr rtlCol="0" anchor="ctr"/>
+          <a:lstStyle/>
+          <a:p>
+            <a:pPr algn="ctr"/>
+            <a:r>
+              <a:rPr lang="en-US" altLang="zh-CN" dirty="0" smtClean="0"/>
+              <a:t>MPLB5</a:t>
+            </a:r>
+            <a:endParaRPr lang="zh-CN" altLang="en-US" dirty="0"/>
+          </a:p>
+        </p:txBody>
+      </p:sp>
+      <p:sp>
+        <p:nvSpPr>
+          <p:cNvPr id="43" name="矩形 42"/>
+          <p:cNvSpPr/>
+          <p:nvPr/>
+        </p:nvSpPr>
+        <p:spPr>
+          <a:xfrm>
+            <a:off x="7481543" y="3825044"/>
+            <a:ext cx="936104" cy="360040"/>
+          </a:xfrm>
+          <a:prstGeom prst="rect">
+            <a:avLst/>
+          </a:prstGeom>
+        </p:spPr>
+        <p:style>
+          <a:lnRef idx="2">
+            <a:schemeClr val="accent3">
+              <a:shade val="50000"/>
+            </a:schemeClr>
+          </a:lnRef>
+          <a:fillRef idx="1">
+            <a:schemeClr val="accent3"/>
+          </a:fillRef>
+          <a:effectRef idx="0">
+            <a:schemeClr val="accent3"/>
+          </a:effectRef>
+          <a:fontRef idx="minor">
+            <a:schemeClr val="lt1"/>
+          </a:fontRef>
+        </p:style>
+        <p:txBody>
+          <a:bodyPr rtlCol="0" anchor="ctr"/>
+          <a:lstStyle/>
+          <a:p>
+            <a:pPr algn="ctr"/>
+            <a:r>
+              <a:rPr lang="en-US" altLang="zh-CN" dirty="0" smtClean="0"/>
+              <a:t>MPLB6</a:t>
+            </a:r>
+            <a:endParaRPr lang="zh-CN" altLang="en-US" dirty="0"/>
+          </a:p>
+        </p:txBody>
+      </p:sp>
+      <p:cxnSp>
+        <p:nvCxnSpPr>
+          <p:cNvPr id="44" name="直接箭头连接符 43"/>
+          <p:cNvCxnSpPr>
+            <a:stCxn id="8" idx="2"/>
+            <a:endCxn id="36" idx="0"/>
+          </p:cNvCxnSpPr>
+          <p:nvPr/>
+        </p:nvCxnSpPr>
+        <p:spPr>
+          <a:xfrm flipH="1">
+            <a:off x="1377991" y="3078252"/>
+            <a:ext cx="3221" cy="746792"/>
+          </a:xfrm>
+          <a:prstGeom prst="straightConnector1">
+            <a:avLst/>
+          </a:prstGeom>
+          <a:ln>
+            <a:tailEnd type="arrow"/>
+          </a:ln>
+        </p:spPr>
+        <p:style>
+          <a:lnRef idx="2">
+            <a:schemeClr val="dk1"/>
+          </a:lnRef>
+          <a:fillRef idx="0">
+            <a:schemeClr val="dk1"/>
+          </a:fillRef>
+          <a:effectRef idx="1">
+            <a:schemeClr val="dk1"/>
+          </a:effectRef>
+          <a:fontRef idx="minor">
+            <a:schemeClr val="tx1"/>
+          </a:fontRef>
+        </p:style>
+      </p:cxnSp>
+      <p:cxnSp>
+        <p:nvCxnSpPr>
+          <p:cNvPr id="47" name="直接箭头连接符 46"/>
+          <p:cNvCxnSpPr>
+            <a:stCxn id="9" idx="2"/>
+            <a:endCxn id="37" idx="0"/>
+          </p:cNvCxnSpPr>
+          <p:nvPr/>
+        </p:nvCxnSpPr>
+        <p:spPr>
+          <a:xfrm flipH="1">
+            <a:off x="2314095" y="3078252"/>
+            <a:ext cx="3221" cy="746792"/>
+          </a:xfrm>
+          <a:prstGeom prst="straightConnector1">
+            <a:avLst/>
+          </a:prstGeom>
+          <a:ln>
+            <a:tailEnd type="arrow"/>
+          </a:ln>
+        </p:spPr>
+        <p:style>
+          <a:lnRef idx="2">
+            <a:schemeClr val="accent1"/>
+          </a:lnRef>
+          <a:fillRef idx="0">
+            <a:schemeClr val="accent1"/>
+          </a:fillRef>
+          <a:effectRef idx="1">
+            <a:schemeClr val="accent1"/>
+          </a:effectRef>
+          <a:fontRef idx="minor">
+            <a:schemeClr val="tx1"/>
+          </a:fontRef>
+        </p:style>
+      </p:cxnSp>
+      <p:cxnSp>
+        <p:nvCxnSpPr>
+          <p:cNvPr id="50" name="直接箭头连接符 49"/>
+          <p:cNvCxnSpPr/>
+          <p:nvPr/>
+        </p:nvCxnSpPr>
+        <p:spPr>
+          <a:xfrm>
+            <a:off x="3261060" y="3078252"/>
+            <a:ext cx="0" cy="729372"/>
+          </a:xfrm>
+          <a:prstGeom prst="straightConnector1">
+            <a:avLst/>
+          </a:prstGeom>
+          <a:ln>
+            <a:tailEnd type="arrow"/>
+          </a:ln>
+        </p:spPr>
+        <p:style>
+          <a:lnRef idx="2">
+            <a:schemeClr val="accent2"/>
+          </a:lnRef>
+          <a:fillRef idx="0">
+            <a:schemeClr val="accent2"/>
+          </a:fillRef>
+          <a:effectRef idx="1">
+            <a:schemeClr val="accent2"/>
+          </a:effectRef>
+          <a:fontRef idx="minor">
+            <a:schemeClr val="tx1"/>
+          </a:fontRef>
+        </p:style>
+      </p:cxnSp>
+      <p:cxnSp>
+        <p:nvCxnSpPr>
+          <p:cNvPr id="51" name="直接箭头连接符 50"/>
+          <p:cNvCxnSpPr/>
+          <p:nvPr/>
+        </p:nvCxnSpPr>
+        <p:spPr>
+          <a:xfrm>
+            <a:off x="4197846" y="3078252"/>
+            <a:ext cx="0" cy="729372"/>
+          </a:xfrm>
+          <a:prstGeom prst="straightConnector1">
+            <a:avLst/>
+          </a:prstGeom>
+          <a:ln>
+            <a:tailEnd type="arrow"/>
+          </a:ln>
+        </p:spPr>
+        <p:style>
+          <a:lnRef idx="2">
+            <a:schemeClr val="accent3"/>
+          </a:lnRef>
+          <a:fillRef idx="0">
+            <a:schemeClr val="accent3"/>
+          </a:fillRef>
+          <a:effectRef idx="1">
+            <a:schemeClr val="accent3"/>
+          </a:effectRef>
+          <a:fontRef idx="minor">
+            <a:schemeClr val="tx1"/>
+          </a:fontRef>
+        </p:style>
+      </p:cxnSp>
+      <p:cxnSp>
+        <p:nvCxnSpPr>
+          <p:cNvPr id="52" name="直接箭头连接符 51"/>
+          <p:cNvCxnSpPr/>
+          <p:nvPr/>
+        </p:nvCxnSpPr>
+        <p:spPr>
+          <a:xfrm>
+            <a:off x="5133950" y="3095672"/>
+            <a:ext cx="0" cy="729372"/>
+          </a:xfrm>
+          <a:prstGeom prst="straightConnector1">
+            <a:avLst/>
+          </a:prstGeom>
+          <a:ln>
+            <a:tailEnd type="arrow"/>
+          </a:ln>
+        </p:spPr>
+        <p:style>
+          <a:lnRef idx="2">
+            <a:schemeClr val="dk1"/>
+          </a:lnRef>
+          <a:fillRef idx="0">
+            <a:schemeClr val="dk1"/>
+          </a:fillRef>
+          <a:effectRef idx="1">
+            <a:schemeClr val="dk1"/>
+          </a:effectRef>
+          <a:fontRef idx="minor">
+            <a:schemeClr val="tx1"/>
+          </a:fontRef>
+        </p:style>
+      </p:cxnSp>
+      <p:cxnSp>
+        <p:nvCxnSpPr>
+          <p:cNvPr id="53" name="直接箭头连接符 52"/>
+          <p:cNvCxnSpPr/>
+          <p:nvPr/>
+        </p:nvCxnSpPr>
+        <p:spPr>
+          <a:xfrm>
+            <a:off x="6064386" y="3086962"/>
+            <a:ext cx="0" cy="729372"/>
+          </a:xfrm>
+          <a:prstGeom prst="straightConnector1">
+            <a:avLst/>
+          </a:prstGeom>
+          <a:ln>
+            <a:tailEnd type="arrow"/>
+          </a:ln>
+        </p:spPr>
+        <p:style>
+          <a:lnRef idx="2">
+            <a:schemeClr val="accent1"/>
+          </a:lnRef>
+          <a:fillRef idx="0">
+            <a:schemeClr val="accent1"/>
+          </a:fillRef>
+          <a:effectRef idx="1">
+            <a:schemeClr val="accent1"/>
+          </a:effectRef>
+          <a:fontRef idx="minor">
+            <a:schemeClr val="tx1"/>
+          </a:fontRef>
+        </p:style>
+      </p:cxnSp>
+      <p:cxnSp>
+        <p:nvCxnSpPr>
+          <p:cNvPr id="54" name="直接箭头连接符 53"/>
+          <p:cNvCxnSpPr/>
+          <p:nvPr/>
+        </p:nvCxnSpPr>
+        <p:spPr>
+          <a:xfrm>
+            <a:off x="7011259" y="3078252"/>
+            <a:ext cx="0" cy="729372"/>
+          </a:xfrm>
+          <a:prstGeom prst="straightConnector1">
+            <a:avLst/>
+          </a:prstGeom>
+          <a:ln>
+            <a:tailEnd type="arrow"/>
+          </a:ln>
+        </p:spPr>
+        <p:style>
+          <a:lnRef idx="2">
+            <a:schemeClr val="accent2"/>
+          </a:lnRef>
+          <a:fillRef idx="0">
+            <a:schemeClr val="accent2"/>
+          </a:fillRef>
+          <a:effectRef idx="1">
+            <a:schemeClr val="accent2"/>
+          </a:effectRef>
+          <a:fontRef idx="minor">
+            <a:schemeClr val="tx1"/>
+          </a:fontRef>
+        </p:style>
+      </p:cxnSp>
+      <p:cxnSp>
+        <p:nvCxnSpPr>
+          <p:cNvPr id="55" name="直接箭头连接符 54"/>
+          <p:cNvCxnSpPr/>
+          <p:nvPr/>
+        </p:nvCxnSpPr>
+        <p:spPr>
+          <a:xfrm>
+            <a:off x="7949595" y="3078252"/>
+            <a:ext cx="0" cy="729372"/>
+          </a:xfrm>
+          <a:prstGeom prst="straightConnector1">
+            <a:avLst/>
+          </a:prstGeom>
+          <a:ln>
+            <a:tailEnd type="arrow"/>
+          </a:ln>
+        </p:spPr>
+        <p:style>
+          <a:lnRef idx="2">
+            <a:schemeClr val="accent3"/>
+          </a:lnRef>
+          <a:fillRef idx="0">
+            <a:schemeClr val="accent3"/>
+          </a:fillRef>
+          <a:effectRef idx="1">
+            <a:schemeClr val="accent3"/>
+          </a:effectRef>
+          <a:fontRef idx="minor">
+            <a:schemeClr val="tx1"/>
+          </a:fontRef>
+        </p:style>
+      </p:cxnSp>
+    </p:spTree>
+    <p:extLst>
+      <p:ext uri="{BB962C8B-B14F-4D97-AF65-F5344CB8AC3E}">
+        <p14:creationId xmlns:p14="http://schemas.microsoft.com/office/powerpoint/2010/main" val="2102170800"/>
+      </p:ext>
+    </p:extLst>
+  </p:cSld>
+  <p:clrMapOvr>
+    <a:masterClrMapping/>
+  </p:clrMapOvr>
+</p:sld>
+</file>
+
+<file path=ppt/slides/slide18.xml><?xml version="1.0" encoding="utf-8"?>
+<p:sld xmlns:a="http://schemas.openxmlformats.org/drawingml/2006/main" xmlns:r="http://schemas.openxmlformats.org/officeDocument/2006/relationships" xmlns:p="http://schemas.openxmlformats.org/presentationml/2006/main">
+  <p:cSld>
+    <p:spTree>
+      <p:nvGrpSpPr>
+        <p:cNvPr id="1" name=""/>
+        <p:cNvGrpSpPr/>
+        <p:nvPr/>
+      </p:nvGrpSpPr>
+      <p:grpSpPr>
+        <a:xfrm>
+          <a:off x="0" y="0"/>
+          <a:ext cx="0" cy="0"/>
+          <a:chOff x="0" y="0"/>
+          <a:chExt cx="0" cy="0"/>
+        </a:xfrm>
+      </p:grpSpPr>
+      <p:sp>
+        <p:nvSpPr>
+          <p:cNvPr id="2" name="标题 1"/>
+          <p:cNvSpPr>
+            <a:spLocks noGrp="1"/>
+          </p:cNvSpPr>
+          <p:nvPr>
+            <p:ph type="title"/>
+          </p:nvPr>
+        </p:nvSpPr>
+        <p:spPr/>
+        <p:txBody>
+          <a:bodyPr/>
+          <a:lstStyle/>
+          <a:p>
+            <a:r>
+              <a:rPr lang="en-US" altLang="zh-CN" dirty="0" smtClean="0"/>
+              <a:t>Detail Example</a:t>
+            </a:r>
+            <a:endParaRPr lang="zh-CN" altLang="en-US" dirty="0"/>
+          </a:p>
+        </p:txBody>
+      </p:sp>
+      <p:sp>
+        <p:nvSpPr>
+          <p:cNvPr id="3" name="内容占位符 2"/>
+          <p:cNvSpPr>
+            <a:spLocks noGrp="1"/>
+          </p:cNvSpPr>
+          <p:nvPr>
+            <p:ph idx="1"/>
+          </p:nvPr>
+        </p:nvSpPr>
+        <p:spPr/>
+        <p:txBody>
+          <a:bodyPr/>
+          <a:lstStyle/>
+          <a:p>
+            <a:r>
+              <a:rPr lang="en-US" altLang="zh-CN" dirty="0" smtClean="0"/>
+              <a:t>See how to write a simple </a:t>
+            </a:r>
+            <a:r>
+              <a:rPr lang="en-US" altLang="zh-CN" dirty="0" err="1" smtClean="0"/>
+              <a:t>websocket</a:t>
+            </a:r>
+            <a:r>
+              <a:rPr lang="en-US" altLang="zh-CN" dirty="0" smtClean="0"/>
+              <a:t> server </a:t>
+            </a:r>
+            <a:r>
+              <a:rPr lang="en-US" altLang="zh-CN" dirty="0"/>
+              <a:t>using </a:t>
+            </a:r>
+            <a:r>
+              <a:rPr lang="en-US" altLang="zh-CN" dirty="0" smtClean="0"/>
+              <a:t>python(</a:t>
+            </a:r>
+            <a:r>
+              <a:rPr lang="en-US" altLang="zh-CN" dirty="0" err="1" smtClean="0"/>
+              <a:t>asyncore</a:t>
+            </a:r>
+            <a:r>
+              <a:rPr lang="en-US" altLang="zh-CN" dirty="0" smtClean="0"/>
+              <a:t>)</a:t>
+            </a:r>
+          </a:p>
+          <a:p>
+            <a:r>
+              <a:rPr lang="en-US" altLang="zh-CN" dirty="0" smtClean="0"/>
+              <a:t>See how to use </a:t>
+            </a:r>
+            <a:r>
+              <a:rPr lang="en-US" altLang="zh-CN" dirty="0" err="1" smtClean="0"/>
+              <a:t>websocket</a:t>
+            </a:r>
+            <a:r>
+              <a:rPr lang="en-US" altLang="zh-CN" dirty="0" smtClean="0"/>
+              <a:t> interface in </a:t>
+            </a:r>
+            <a:r>
+              <a:rPr lang="en-US" altLang="zh-CN" dirty="0" err="1" smtClean="0"/>
+              <a:t>javascript</a:t>
+            </a:r>
+            <a:r>
+              <a:rPr lang="en-US" altLang="zh-CN" dirty="0" smtClean="0"/>
+              <a:t> client</a:t>
+            </a:r>
+            <a:endParaRPr lang="zh-CN" altLang="en-US" dirty="0"/>
+          </a:p>
+        </p:txBody>
+      </p:sp>
+    </p:spTree>
+    <p:extLst>
+      <p:ext uri="{BB962C8B-B14F-4D97-AF65-F5344CB8AC3E}">
+        <p14:creationId xmlns:p14="http://schemas.microsoft.com/office/powerpoint/2010/main" val="3027289287"/>
+      </p:ext>
+    </p:extLst>
+  </p:cSld>
+  <p:clrMapOvr>
+    <a:masterClrMapping/>
+  </p:clrMapOvr>
+</p:sld>
+</file>
+
+<file path=ppt/slides/slide19.xml><?xml version="1.0" encoding="utf-8"?>
+<p:sld xmlns:a="http://schemas.openxmlformats.org/drawingml/2006/main" xmlns:r="http://schemas.openxmlformats.org/officeDocument/2006/relationships" xmlns:p="http://schemas.openxmlformats.org/presentationml/2006/main">
+  <p:cSld>
+    <p:spTree>
+      <p:nvGrpSpPr>
+        <p:cNvPr id="1" name=""/>
+        <p:cNvGrpSpPr/>
+        <p:nvPr/>
+      </p:nvGrpSpPr>
+      <p:grpSpPr>
+        <a:xfrm>
+          <a:off x="0" y="0"/>
+          <a:ext cx="0" cy="0"/>
+          <a:chOff x="0" y="0"/>
+          <a:chExt cx="0" cy="0"/>
+        </a:xfrm>
+      </p:grpSpPr>
+      <p:sp>
+        <p:nvSpPr>
+          <p:cNvPr id="2" name="标题 1"/>
+          <p:cNvSpPr>
+            <a:spLocks noGrp="1"/>
+          </p:cNvSpPr>
+          <p:nvPr>
+            <p:ph type="title"/>
+          </p:nvPr>
+        </p:nvSpPr>
+        <p:spPr/>
+        <p:txBody>
+          <a:bodyPr/>
+          <a:lstStyle/>
+          <a:p>
+            <a:r>
+              <a:rPr lang="en-US" altLang="zh-CN" dirty="0" smtClean="0"/>
+              <a:t>Browser Support</a:t>
+            </a:r>
+            <a:endParaRPr lang="zh-CN" altLang="en-US" dirty="0"/>
+          </a:p>
+        </p:txBody>
+      </p:sp>
+      <p:pic>
+        <p:nvPicPr>
+          <p:cNvPr id="7170" name="Picture 2"/>
+          <p:cNvPicPr>
+            <a:picLocks noChangeAspect="1" noChangeArrowheads="1"/>
+          </p:cNvPicPr>
+          <p:nvPr/>
+        </p:nvPicPr>
+        <p:blipFill>
+          <a:blip r:embed="rId2">
+            <a:extLst>
+              <a:ext uri="{28A0092B-C50C-407E-A947-70E740481C1C}">
+                <a14:useLocalDpi xmlns:a14="http://schemas.microsoft.com/office/drawing/2010/main" val="0"/>
+              </a:ext>
+            </a:extLst>
+          </a:blip>
+          <a:srcRect/>
+          <a:stretch>
+            <a:fillRect/>
+          </a:stretch>
+        </p:blipFill>
+        <p:spPr bwMode="auto">
+          <a:xfrm>
+            <a:off x="0" y="1701806"/>
+            <a:ext cx="9144000" cy="5153760"/>
+          </a:xfrm>
+          <a:prstGeom prst="rect">
+            <a:avLst/>
+          </a:prstGeom>
+          <a:noFill/>
+          <a:ln>
+            <a:noFill/>
+          </a:ln>
+          <a:extLst>
+            <a:ext uri="{909E8E84-426E-40DD-AFC4-6F175D3DCCD1}">
+              <a14:hiddenFill xmlns:a14="http://schemas.microsoft.com/office/drawing/2010/main">
+                <a:solidFill>
+                  <a:schemeClr val="accent1"/>
+                </a:solidFill>
+              </a14:hiddenFill>
+            </a:ext>
+            <a:ext uri="{91240B29-F687-4F45-9708-019B960494DF}">
+              <a14:hiddenLine xmlns:a14="http://schemas.microsoft.com/office/drawing/2010/main" w="9525">
+                <a:solidFill>
+                  <a:schemeClr val="tx1"/>
+                </a:solidFill>
+                <a:miter lim="800000"/>
+                <a:headEnd/>
+                <a:tailEnd/>
+              </a14:hiddenLine>
+            </a:ext>
+          </a:extLst>
+        </p:spPr>
+      </p:pic>
+    </p:spTree>
+    <p:extLst>
+      <p:ext uri="{BB962C8B-B14F-4D97-AF65-F5344CB8AC3E}">
+        <p14:creationId xmlns:p14="http://schemas.microsoft.com/office/powerpoint/2010/main" val="4118516166"/>
+      </p:ext>
+    </p:extLst>
+  </p:cSld>
+  <p:clrMapOvr>
+    <a:masterClrMapping/>
+  </p:clrMapOvr>
+</p:sld>
+</file>
+
+<file path=ppt/slides/slide2.xml><?xml version="1.0" encoding="utf-8"?>
+<p:sld xmlns:a="http://schemas.openxmlformats.org/drawingml/2006/main" xmlns:r="http://schemas.openxmlformats.org/officeDocument/2006/relationships" xmlns:p="http://schemas.openxmlformats.org/presentationml/2006/main">
+  <p:cSld>
+    <p:spTree>
+      <p:nvGrpSpPr>
+        <p:cNvPr id="1" name=""/>
+        <p:cNvGrpSpPr/>
+        <p:nvPr/>
+      </p:nvGrpSpPr>
+      <p:grpSpPr>
+        <a:xfrm>
+          <a:off x="0" y="0"/>
+          <a:ext cx="0" cy="0"/>
+          <a:chOff x="0" y="0"/>
+          <a:chExt cx="0" cy="0"/>
+        </a:xfrm>
+      </p:grpSpPr>
+      <p:sp>
+        <p:nvSpPr>
+          <p:cNvPr id="2" name="标题 1"/>
+          <p:cNvSpPr>
+            <a:spLocks noGrp="1"/>
+          </p:cNvSpPr>
+          <p:nvPr>
+            <p:ph type="title"/>
+          </p:nvPr>
+        </p:nvSpPr>
+        <p:spPr/>
+        <p:txBody>
+          <a:bodyPr/>
+          <a:lstStyle/>
+          <a:p>
+            <a:r>
+              <a:rPr lang="en-US" altLang="zh-CN" dirty="0" smtClean="0"/>
+              <a:t>Why Not HTTP?</a:t>
+            </a:r>
+            <a:endParaRPr lang="zh-CN" altLang="en-US" dirty="0"/>
+          </a:p>
+        </p:txBody>
+      </p:sp>
+      <p:sp>
+        <p:nvSpPr>
+          <p:cNvPr id="3" name="内容占位符 2"/>
+          <p:cNvSpPr>
+            <a:spLocks noGrp="1"/>
+          </p:cNvSpPr>
+          <p:nvPr>
+            <p:ph idx="1"/>
+          </p:nvPr>
+        </p:nvSpPr>
+        <p:spPr/>
+        <p:txBody>
+          <a:bodyPr/>
+          <a:lstStyle/>
+          <a:p>
+            <a:r>
+              <a:rPr lang="en-US" altLang="zh-CN" dirty="0" smtClean="0"/>
+              <a:t>HTTP is </a:t>
+            </a:r>
+            <a:r>
+              <a:rPr lang="en-US" altLang="zh-CN" dirty="0" smtClean="0">
+                <a:solidFill>
+                  <a:srgbClr val="FF0000"/>
+                </a:solidFill>
+              </a:rPr>
+              <a:t>not duplex</a:t>
+            </a:r>
+            <a:r>
+              <a:rPr lang="en-US" altLang="zh-CN" dirty="0" smtClean="0"/>
+              <a:t>, each response from server must have a corresponding request from client(browser)</a:t>
+            </a:r>
+          </a:p>
+          <a:p>
+            <a:r>
+              <a:rPr lang="en-US" altLang="zh-CN" dirty="0" smtClean="0"/>
+              <a:t>HTTP can not support Real-time application(monitor\chat\stock)</a:t>
+            </a:r>
+          </a:p>
+          <a:p>
+            <a:r>
+              <a:rPr lang="en-US" altLang="zh-CN" dirty="0" err="1" smtClean="0"/>
+              <a:t>ajax</a:t>
+            </a:r>
+            <a:r>
+              <a:rPr lang="en-US" altLang="zh-CN" dirty="0" smtClean="0"/>
+              <a:t>-long-pulling and Comet are both waste server and bandwidth, and also have latency</a:t>
+            </a:r>
+            <a:endParaRPr lang="zh-CN" altLang="en-US" dirty="0"/>
+          </a:p>
+        </p:txBody>
+      </p:sp>
+    </p:spTree>
+    <p:extLst>
+      <p:ext uri="{BB962C8B-B14F-4D97-AF65-F5344CB8AC3E}">
+        <p14:creationId xmlns:p14="http://schemas.microsoft.com/office/powerpoint/2010/main" val="4285310560"/>
+      </p:ext>
+    </p:extLst>
+  </p:cSld>
+  <p:clrMapOvr>
+    <a:masterClrMapping/>
+  </p:clrMapOvr>
+</p:sld>
+</file>
+
+<file path=ppt/slides/slide20.xml><?xml version="1.0" encoding="utf-8"?>
+<p:sld xmlns:a="http://schemas.openxmlformats.org/drawingml/2006/main" xmlns:r="http://schemas.openxmlformats.org/officeDocument/2006/relationships" xmlns:p="http://schemas.openxmlformats.org/presentationml/2006/main">
+  <p:cSld>
+    <p:spTree>
+      <p:nvGrpSpPr>
+        <p:cNvPr id="1" name=""/>
+        <p:cNvGrpSpPr/>
+        <p:nvPr/>
+      </p:nvGrpSpPr>
+      <p:grpSpPr>
+        <a:xfrm>
+          <a:off x="0" y="0"/>
+          <a:ext cx="0" cy="0"/>
+          <a:chOff x="0" y="0"/>
+          <a:chExt cx="0" cy="0"/>
+        </a:xfrm>
+      </p:grpSpPr>
+      <p:sp>
+        <p:nvSpPr>
+          <p:cNvPr id="4" name="矩形 3"/>
+          <p:cNvSpPr/>
+          <p:nvPr/>
+        </p:nvSpPr>
+        <p:spPr>
+          <a:xfrm>
+            <a:off x="539552" y="992444"/>
+            <a:ext cx="7416824" cy="369332"/>
+          </a:xfrm>
+          <a:prstGeom prst="rect">
+            <a:avLst/>
+          </a:prstGeom>
+        </p:spPr>
+        <p:txBody>
+          <a:bodyPr wrap="square">
+            <a:spAutoFit/>
+          </a:bodyPr>
+          <a:lstStyle/>
+          <a:p>
+            <a:r>
+              <a:rPr lang="en-US" altLang="zh-CN" b="1" dirty="0">
+                <a:hlinkClick r:id="rId2"/>
+              </a:rPr>
+              <a:t>The </a:t>
+            </a:r>
+            <a:r>
+              <a:rPr lang="en-US" altLang="zh-CN" b="1" dirty="0" err="1">
+                <a:hlinkClick r:id="rId2"/>
+              </a:rPr>
+              <a:t>WebSocket</a:t>
+            </a:r>
+            <a:r>
+              <a:rPr lang="en-US" altLang="zh-CN" b="1" dirty="0">
+                <a:hlinkClick r:id="rId2"/>
+              </a:rPr>
+              <a:t> protocol draft-ietf-hybi-thewebsocketprotocol-17</a:t>
+            </a:r>
+            <a:endParaRPr lang="en-US" altLang="zh-CN" b="1" dirty="0"/>
+          </a:p>
+        </p:txBody>
+      </p:sp>
+      <p:sp>
+        <p:nvSpPr>
+          <p:cNvPr id="5" name="TextBox 4"/>
+          <p:cNvSpPr txBox="1"/>
+          <p:nvPr/>
+        </p:nvSpPr>
+        <p:spPr>
+          <a:xfrm>
+            <a:off x="539552" y="423113"/>
+            <a:ext cx="1676485" cy="461665"/>
+          </a:xfrm>
+          <a:prstGeom prst="rect">
+            <a:avLst/>
+          </a:prstGeom>
+          <a:noFill/>
+        </p:spPr>
+        <p:txBody>
+          <a:bodyPr wrap="none" rtlCol="0">
+            <a:spAutoFit/>
+          </a:bodyPr>
+          <a:lstStyle/>
+          <a:p>
+            <a:r>
+              <a:rPr lang="en-US" altLang="zh-CN" sz="2400" dirty="0" smtClean="0"/>
+              <a:t>References</a:t>
+            </a:r>
+            <a:r>
+              <a:rPr lang="en-US" altLang="zh-CN" dirty="0" smtClean="0"/>
+              <a:t>: </a:t>
+            </a:r>
+            <a:endParaRPr lang="zh-CN" altLang="en-US" dirty="0"/>
+          </a:p>
+        </p:txBody>
+      </p:sp>
+      <p:sp>
+        <p:nvSpPr>
+          <p:cNvPr id="6" name="矩形 5"/>
+          <p:cNvSpPr/>
+          <p:nvPr/>
+        </p:nvSpPr>
+        <p:spPr>
+          <a:xfrm>
+            <a:off x="579884" y="1556792"/>
+            <a:ext cx="6224364" cy="369332"/>
+          </a:xfrm>
+          <a:prstGeom prst="rect">
+            <a:avLst/>
+          </a:prstGeom>
+        </p:spPr>
+        <p:txBody>
+          <a:bodyPr wrap="square">
+            <a:spAutoFit/>
+          </a:bodyPr>
+          <a:lstStyle/>
+          <a:p>
+            <a:r>
+              <a:rPr lang="en-US" altLang="zh-CN" b="1" dirty="0">
+                <a:hlinkClick r:id="rId3"/>
+              </a:rPr>
+              <a:t>(W3C)The </a:t>
+            </a:r>
+            <a:r>
+              <a:rPr lang="en-US" altLang="zh-CN" b="1" dirty="0" err="1">
+                <a:hlinkClick r:id="rId3"/>
+              </a:rPr>
+              <a:t>WebSocket</a:t>
+            </a:r>
+            <a:r>
+              <a:rPr lang="en-US" altLang="zh-CN" b="1" dirty="0">
+                <a:hlinkClick r:id="rId3"/>
+              </a:rPr>
+              <a:t> API</a:t>
+            </a:r>
+            <a:endParaRPr lang="zh-CN" altLang="en-US" b="1" dirty="0"/>
+          </a:p>
+        </p:txBody>
+      </p:sp>
+    </p:spTree>
+    <p:extLst>
+      <p:ext uri="{BB962C8B-B14F-4D97-AF65-F5344CB8AC3E}">
+        <p14:creationId xmlns:p14="http://schemas.microsoft.com/office/powerpoint/2010/main" val="3580036289"/>
+      </p:ext>
+    </p:extLst>
+  </p:cSld>
+  <p:clrMapOvr>
+    <a:masterClrMapping/>
+  </p:clrMapOvr>
+</p:sld>
+</file>
+
+<file path=ppt/slides/slide3.xml><?xml version="1.0" encoding="utf-8"?>
+<p:sld xmlns:a="http://schemas.openxmlformats.org/drawingml/2006/main" xmlns:r="http://schemas.openxmlformats.org/officeDocument/2006/relationships" xmlns:p="http://schemas.openxmlformats.org/presentationml/2006/main">
+  <p:cSld>
+    <p:spTree>
+      <p:nvGrpSpPr>
+        <p:cNvPr id="1" name=""/>
+        <p:cNvGrpSpPr/>
+        <p:nvPr/>
+      </p:nvGrpSpPr>
+      <p:grpSpPr>
+        <a:xfrm>
+          <a:off x="0" y="0"/>
+          <a:ext cx="0" cy="0"/>
+          <a:chOff x="0" y="0"/>
+          <a:chExt cx="0" cy="0"/>
+        </a:xfrm>
+      </p:grpSpPr>
+      <p:sp>
+        <p:nvSpPr>
+          <p:cNvPr id="2" name="标题 1"/>
+          <p:cNvSpPr>
+            <a:spLocks noGrp="1"/>
+          </p:cNvSpPr>
+          <p:nvPr>
+            <p:ph type="title"/>
+          </p:nvPr>
+        </p:nvSpPr>
+        <p:spPr/>
+        <p:txBody>
+          <a:bodyPr/>
+          <a:lstStyle/>
+          <a:p>
+            <a:r>
+              <a:rPr lang="en-US" altLang="zh-CN" dirty="0" smtClean="0"/>
+              <a:t>Why </a:t>
+            </a:r>
+            <a:r>
+              <a:rPr lang="en-US" altLang="zh-CN" dirty="0" err="1" smtClean="0"/>
+              <a:t>WebSocket</a:t>
+            </a:r>
+            <a:r>
+              <a:rPr lang="en-US" altLang="zh-CN" dirty="0" smtClean="0"/>
+              <a:t>?</a:t>
+            </a:r>
+            <a:endParaRPr lang="zh-CN" altLang="en-US" dirty="0"/>
+          </a:p>
+        </p:txBody>
+      </p:sp>
+      <p:sp>
+        <p:nvSpPr>
+          <p:cNvPr id="3" name="内容占位符 2"/>
+          <p:cNvSpPr>
+            <a:spLocks noGrp="1"/>
+          </p:cNvSpPr>
+          <p:nvPr>
+            <p:ph idx="1"/>
+          </p:nvPr>
+        </p:nvSpPr>
+        <p:spPr/>
+        <p:txBody>
+          <a:bodyPr/>
+          <a:lstStyle/>
+          <a:p>
+            <a:r>
+              <a:rPr lang="en-US" altLang="zh-CN" dirty="0" smtClean="0"/>
+              <a:t>After create a connection, sever is able to send message to client at any time, in other words, client can listen the message from server, without any additional request. </a:t>
+            </a:r>
+          </a:p>
+          <a:p>
+            <a:r>
+              <a:rPr lang="en-US" altLang="zh-CN" dirty="0" smtClean="0"/>
+              <a:t>Sounds like socket, but implemented in application layer.</a:t>
+            </a:r>
+            <a:endParaRPr lang="zh-CN" altLang="en-US" dirty="0"/>
+          </a:p>
+        </p:txBody>
+      </p:sp>
+    </p:spTree>
+    <p:extLst>
+      <p:ext uri="{BB962C8B-B14F-4D97-AF65-F5344CB8AC3E}">
+        <p14:creationId xmlns:p14="http://schemas.microsoft.com/office/powerpoint/2010/main" val="3569430671"/>
+      </p:ext>
+    </p:extLst>
+  </p:cSld>
+  <p:clrMapOvr>
+    <a:masterClrMapping/>
+  </p:clrMapOvr>
+</p:sld>
+</file>
+
+<file path=ppt/slides/slide4.xml><?xml version="1.0" encoding="utf-8"?>
+<p:sld xmlns:a="http://schemas.openxmlformats.org/drawingml/2006/main" xmlns:r="http://schemas.openxmlformats.org/officeDocument/2006/relationships" xmlns:p="http://schemas.openxmlformats.org/presentationml/2006/main">
+  <p:cSld>
+    <p:spTree>
+      <p:nvGrpSpPr>
+        <p:cNvPr id="1" name=""/>
+        <p:cNvGrpSpPr/>
+        <p:nvPr/>
+      </p:nvGrpSpPr>
+      <p:grpSpPr>
+        <a:xfrm>
+          <a:off x="0" y="0"/>
+          <a:ext cx="0" cy="0"/>
+          <a:chOff x="0" y="0"/>
+          <a:chExt cx="0" cy="0"/>
+        </a:xfrm>
+      </p:grpSpPr>
+      <p:sp>
+        <p:nvSpPr>
+          <p:cNvPr id="2" name="标题 1"/>
+          <p:cNvSpPr>
+            <a:spLocks noGrp="1"/>
+          </p:cNvSpPr>
+          <p:nvPr>
+            <p:ph type="title"/>
+          </p:nvPr>
+        </p:nvSpPr>
+        <p:spPr/>
+        <p:txBody>
           <a:bodyPr>
             <a:normAutofit/>
           </a:bodyPr>
@@ -4117,7 +7658,7 @@
 </p:sld>
 </file>
 
-<file path=ppt/slides/slide11.xml><?xml version="1.0" encoding="utf-8"?>
+<file path=ppt/slides/slide5.xml><?xml version="1.0" encoding="utf-8"?>
 <p:sld xmlns:a="http://schemas.openxmlformats.org/drawingml/2006/main" xmlns:r="http://schemas.openxmlformats.org/officeDocument/2006/relationships" xmlns:p="http://schemas.openxmlformats.org/presentationml/2006/main">
   <p:cSld>
     <p:spTree>
@@ -4411,7 +7952,7 @@
 </p:sld>
 </file>
 
-<file path=ppt/slides/slide12.xml><?xml version="1.0" encoding="utf-8"?>
+<file path=ppt/slides/slide6.xml><?xml version="1.0" encoding="utf-8"?>
 <p:sld xmlns:a="http://schemas.openxmlformats.org/drawingml/2006/main" xmlns:r="http://schemas.openxmlformats.org/officeDocument/2006/relationships" xmlns:p="http://schemas.openxmlformats.org/presentationml/2006/main">
   <p:cSld>
     <p:spTree>
@@ -4445,254 +7986,20 @@
           <a:p>
             <a:r>
               <a:rPr lang="en-US" altLang="zh-CN" dirty="0" smtClean="0"/>
-              <a:t>Browser Support</a:t>
+              <a:t>Quick Example</a:t>
             </a:r>
             <a:endParaRPr lang="zh-CN" altLang="en-US" dirty="0"/>
           </a:p>
         </p:txBody>
       </p:sp>
-      <p:pic>
-        <p:nvPicPr>
-          <p:cNvPr id="7170" name="Picture 2"/>
-          <p:cNvPicPr>
-            <a:picLocks noChangeAspect="1" noChangeArrowheads="1"/>
-          </p:cNvPicPr>
-          <p:nvPr/>
-        </p:nvPicPr>
-        <p:blipFill>
-          <a:blip r:embed="rId2">
-            <a:extLst>
-              <a:ext uri="{28A0092B-C50C-407E-A947-70E740481C1C}">
-                <a14:useLocalDpi xmlns:a14="http://schemas.microsoft.com/office/drawing/2010/main" val="0"/>
-              </a:ext>
-            </a:extLst>
-          </a:blip>
-          <a:srcRect/>
-          <a:stretch>
-            <a:fillRect/>
-          </a:stretch>
-        </p:blipFill>
-        <p:spPr bwMode="auto">
-          <a:xfrm>
-            <a:off x="0" y="1701806"/>
-            <a:ext cx="9144000" cy="5153760"/>
-          </a:xfrm>
-          <a:prstGeom prst="rect">
-            <a:avLst/>
-          </a:prstGeom>
-          <a:noFill/>
-          <a:ln>
-            <a:noFill/>
-          </a:ln>
-          <a:extLst>
-            <a:ext uri="{909E8E84-426E-40DD-AFC4-6F175D3DCCD1}">
-              <a14:hiddenFill xmlns:a14="http://schemas.microsoft.com/office/drawing/2010/main">
-                <a:solidFill>
-                  <a:schemeClr val="accent1"/>
-                </a:solidFill>
-              </a14:hiddenFill>
-            </a:ext>
-            <a:ext uri="{91240B29-F687-4F45-9708-019B960494DF}">
-              <a14:hiddenLine xmlns:a14="http://schemas.microsoft.com/office/drawing/2010/main" w="9525">
-                <a:solidFill>
-                  <a:schemeClr val="tx1"/>
-                </a:solidFill>
-                <a:miter lim="800000"/>
-                <a:headEnd/>
-                <a:tailEnd/>
-              </a14:hiddenLine>
-            </a:ext>
-          </a:extLst>
-        </p:spPr>
-      </p:pic>
-    </p:spTree>
-    <p:extLst>
-      <p:ext uri="{BB962C8B-B14F-4D97-AF65-F5344CB8AC3E}">
-        <p14:creationId xmlns:p14="http://schemas.microsoft.com/office/powerpoint/2010/main" val="4118516166"/>
-      </p:ext>
-    </p:extLst>
-  </p:cSld>
-  <p:clrMapOvr>
-    <a:masterClrMapping/>
-  </p:clrMapOvr>
-</p:sld>
-</file>
-
-<file path=ppt/slides/slide13.xml><?xml version="1.0" encoding="utf-8"?>
-<p:sld xmlns:a="http://schemas.openxmlformats.org/drawingml/2006/main" xmlns:r="http://schemas.openxmlformats.org/officeDocument/2006/relationships" xmlns:p="http://schemas.openxmlformats.org/presentationml/2006/main">
-  <p:cSld>
-    <p:spTree>
-      <p:nvGrpSpPr>
-        <p:cNvPr id="1" name=""/>
-        <p:cNvGrpSpPr/>
-        <p:nvPr/>
-      </p:nvGrpSpPr>
-      <p:grpSpPr>
-        <a:xfrm>
-          <a:off x="0" y="0"/>
-          <a:ext cx="0" cy="0"/>
-          <a:chOff x="0" y="0"/>
-          <a:chExt cx="0" cy="0"/>
-        </a:xfrm>
-      </p:grpSpPr>
-      <p:sp>
-        <p:nvSpPr>
-          <p:cNvPr id="4" name="矩形 3"/>
-          <p:cNvSpPr/>
-          <p:nvPr/>
-        </p:nvSpPr>
-        <p:spPr>
-          <a:xfrm>
-            <a:off x="539552" y="992444"/>
-            <a:ext cx="7416824" cy="369332"/>
-          </a:xfrm>
-          <a:prstGeom prst="rect">
-            <a:avLst/>
-          </a:prstGeom>
-        </p:spPr>
-        <p:txBody>
-          <a:bodyPr wrap="square">
-            <a:spAutoFit/>
-          </a:bodyPr>
-          <a:lstStyle/>
-          <a:p>
-            <a:r>
-              <a:rPr lang="en-US" altLang="zh-CN" b="1" dirty="0">
-                <a:hlinkClick r:id="rId2"/>
-              </a:rPr>
-              <a:t>The </a:t>
-            </a:r>
-            <a:r>
-              <a:rPr lang="en-US" altLang="zh-CN" b="1" dirty="0" err="1">
-                <a:hlinkClick r:id="rId2"/>
-              </a:rPr>
-              <a:t>WebSocket</a:t>
-            </a:r>
-            <a:r>
-              <a:rPr lang="en-US" altLang="zh-CN" b="1" dirty="0">
-                <a:hlinkClick r:id="rId2"/>
-              </a:rPr>
-              <a:t> protocol draft-ietf-hybi-thewebsocketprotocol-17</a:t>
-            </a:r>
-            <a:endParaRPr lang="en-US" altLang="zh-CN" b="1" dirty="0"/>
-          </a:p>
-        </p:txBody>
-      </p:sp>
-      <p:sp>
-        <p:nvSpPr>
-          <p:cNvPr id="5" name="TextBox 4"/>
-          <p:cNvSpPr txBox="1"/>
-          <p:nvPr/>
-        </p:nvSpPr>
-        <p:spPr>
-          <a:xfrm>
-            <a:off x="539552" y="423113"/>
-            <a:ext cx="1676485" cy="461665"/>
-          </a:xfrm>
-          <a:prstGeom prst="rect">
-            <a:avLst/>
-          </a:prstGeom>
-          <a:noFill/>
-        </p:spPr>
-        <p:txBody>
-          <a:bodyPr wrap="none" rtlCol="0">
-            <a:spAutoFit/>
-          </a:bodyPr>
-          <a:lstStyle/>
-          <a:p>
-            <a:r>
-              <a:rPr lang="en-US" altLang="zh-CN" sz="2400" dirty="0" smtClean="0"/>
-              <a:t>References</a:t>
-            </a:r>
-            <a:r>
-              <a:rPr lang="en-US" altLang="zh-CN" dirty="0" smtClean="0"/>
-              <a:t>: </a:t>
-            </a:r>
-            <a:endParaRPr lang="zh-CN" altLang="en-US" dirty="0"/>
-          </a:p>
-        </p:txBody>
-      </p:sp>
-      <p:sp>
-        <p:nvSpPr>
-          <p:cNvPr id="6" name="矩形 5"/>
-          <p:cNvSpPr/>
-          <p:nvPr/>
-        </p:nvSpPr>
-        <p:spPr>
-          <a:xfrm>
-            <a:off x="579884" y="1556792"/>
-            <a:ext cx="6224364" cy="369332"/>
-          </a:xfrm>
-          <a:prstGeom prst="rect">
-            <a:avLst/>
-          </a:prstGeom>
-        </p:spPr>
-        <p:txBody>
-          <a:bodyPr wrap="square">
-            <a:spAutoFit/>
-          </a:bodyPr>
-          <a:lstStyle/>
-          <a:p>
-            <a:r>
-              <a:rPr lang="en-US" altLang="zh-CN" b="1" dirty="0">
-                <a:hlinkClick r:id="rId3"/>
-              </a:rPr>
-              <a:t>(W3C)The </a:t>
-            </a:r>
-            <a:r>
-              <a:rPr lang="en-US" altLang="zh-CN" b="1" dirty="0" err="1">
-                <a:hlinkClick r:id="rId3"/>
-              </a:rPr>
-              <a:t>WebSocket</a:t>
-            </a:r>
-            <a:r>
-              <a:rPr lang="en-US" altLang="zh-CN" b="1" dirty="0">
-                <a:hlinkClick r:id="rId3"/>
-              </a:rPr>
-              <a:t> API</a:t>
-            </a:r>
-            <a:endParaRPr lang="zh-CN" altLang="en-US" b="1" dirty="0"/>
-          </a:p>
-        </p:txBody>
-      </p:sp>
-    </p:spTree>
-    <p:extLst>
-      <p:ext uri="{BB962C8B-B14F-4D97-AF65-F5344CB8AC3E}">
-        <p14:creationId xmlns:p14="http://schemas.microsoft.com/office/powerpoint/2010/main" val="3580036289"/>
-      </p:ext>
-    </p:extLst>
-  </p:cSld>
-  <p:clrMapOvr>
-    <a:masterClrMapping/>
-  </p:clrMapOvr>
-</p:sld>
-</file>
-
-<file path=ppt/slides/slide2.xml><?xml version="1.0" encoding="utf-8"?>
-<p:sld xmlns:a="http://schemas.openxmlformats.org/drawingml/2006/main" xmlns:r="http://schemas.openxmlformats.org/officeDocument/2006/relationships" xmlns:p="http://schemas.openxmlformats.org/presentationml/2006/main">
-  <p:cSld>
-    <p:spTree>
-      <p:nvGrpSpPr>
-        <p:cNvPr id="1" name=""/>
-        <p:cNvGrpSpPr/>
-        <p:nvPr/>
-      </p:nvGrpSpPr>
-      <p:grpSpPr>
-        <a:xfrm>
-          <a:off x="0" y="0"/>
-          <a:ext cx="0" cy="0"/>
-          <a:chOff x="0" y="0"/>
-          <a:chExt cx="0" cy="0"/>
-        </a:xfrm>
-      </p:grpSpPr>
-      <p:sp>
-        <p:nvSpPr>
-          <p:cNvPr id="2" name="标题 1"/>
-          <p:cNvSpPr>
-            <a:spLocks noGrp="1"/>
-          </p:cNvSpPr>
-          <p:nvPr>
-            <p:ph type="title"/>
+      <p:sp>
+        <p:nvSpPr>
+          <p:cNvPr id="3" name="内容占位符 2"/>
+          <p:cNvSpPr>
+            <a:spLocks noGrp="1"/>
+          </p:cNvSpPr>
+          <p:nvPr>
+            <p:ph idx="1"/>
           </p:nvPr>
         </p:nvSpPr>
         <p:spPr/>
@@ -4702,260 +8009,7 @@
           <a:p>
             <a:r>
               <a:rPr lang="en-US" altLang="zh-CN" dirty="0" smtClean="0"/>
-              <a:t>Why Not HTTP?</a:t>
-            </a:r>
-            <a:endParaRPr lang="zh-CN" altLang="en-US" dirty="0"/>
-          </a:p>
-        </p:txBody>
-      </p:sp>
-      <p:sp>
-        <p:nvSpPr>
-          <p:cNvPr id="3" name="内容占位符 2"/>
-          <p:cNvSpPr>
-            <a:spLocks noGrp="1"/>
-          </p:cNvSpPr>
-          <p:nvPr>
-            <p:ph idx="1"/>
-          </p:nvPr>
-        </p:nvSpPr>
-        <p:spPr/>
-        <p:txBody>
-          <a:bodyPr/>
-          <a:lstStyle/>
-          <a:p>
-            <a:r>
-              <a:rPr lang="en-US" altLang="zh-CN" dirty="0" smtClean="0"/>
-              <a:t>HTTP is </a:t>
-            </a:r>
-            <a:r>
-              <a:rPr lang="en-US" altLang="zh-CN" dirty="0" smtClean="0">
-                <a:solidFill>
-                  <a:srgbClr val="FF0000"/>
-                </a:solidFill>
-              </a:rPr>
-              <a:t>not duplex</a:t>
-            </a:r>
-            <a:r>
-              <a:rPr lang="en-US" altLang="zh-CN" dirty="0" smtClean="0"/>
-              <a:t>, each response from server must have a corresponding request from client(browser)</a:t>
-            </a:r>
-          </a:p>
-          <a:p>
-            <a:r>
-              <a:rPr lang="en-US" altLang="zh-CN" dirty="0" smtClean="0"/>
-              <a:t>HTTP can not support Real-time </a:t>
-            </a:r>
-            <a:r>
-              <a:rPr lang="en-US" altLang="zh-CN" dirty="0" smtClean="0"/>
-              <a:t>application(monitor\chat\stock</a:t>
-            </a:r>
-            <a:r>
-              <a:rPr lang="en-US" altLang="zh-CN" dirty="0" smtClean="0"/>
-              <a:t>)</a:t>
-            </a:r>
-          </a:p>
-          <a:p>
-            <a:r>
-              <a:rPr lang="en-US" altLang="zh-CN" dirty="0" err="1" smtClean="0"/>
-              <a:t>ajax</a:t>
-            </a:r>
-            <a:r>
-              <a:rPr lang="en-US" altLang="zh-CN" dirty="0" smtClean="0"/>
-              <a:t>-long-pulling and Comet are both waste server and </a:t>
-            </a:r>
-            <a:r>
-              <a:rPr lang="en-US" altLang="zh-CN" dirty="0" smtClean="0"/>
-              <a:t>bandwidth, </a:t>
-            </a:r>
-            <a:r>
-              <a:rPr lang="en-US" altLang="zh-CN" dirty="0" smtClean="0"/>
-              <a:t>and also have latency</a:t>
-            </a:r>
-            <a:endParaRPr lang="zh-CN" altLang="en-US" dirty="0"/>
-          </a:p>
-        </p:txBody>
-      </p:sp>
-    </p:spTree>
-    <p:extLst>
-      <p:ext uri="{BB962C8B-B14F-4D97-AF65-F5344CB8AC3E}">
-        <p14:creationId xmlns:p14="http://schemas.microsoft.com/office/powerpoint/2010/main" val="4285310560"/>
-      </p:ext>
-    </p:extLst>
-  </p:cSld>
-  <p:clrMapOvr>
-    <a:masterClrMapping/>
-  </p:clrMapOvr>
-</p:sld>
-</file>
-
-<file path=ppt/slides/slide3.xml><?xml version="1.0" encoding="utf-8"?>
-<p:sld xmlns:a="http://schemas.openxmlformats.org/drawingml/2006/main" xmlns:r="http://schemas.openxmlformats.org/officeDocument/2006/relationships" xmlns:p="http://schemas.openxmlformats.org/presentationml/2006/main">
-  <p:cSld>
-    <p:spTree>
-      <p:nvGrpSpPr>
-        <p:cNvPr id="1" name=""/>
-        <p:cNvGrpSpPr/>
-        <p:nvPr/>
-      </p:nvGrpSpPr>
-      <p:grpSpPr>
-        <a:xfrm>
-          <a:off x="0" y="0"/>
-          <a:ext cx="0" cy="0"/>
-          <a:chOff x="0" y="0"/>
-          <a:chExt cx="0" cy="0"/>
-        </a:xfrm>
-      </p:grpSpPr>
-      <p:sp>
-        <p:nvSpPr>
-          <p:cNvPr id="2" name="标题 1"/>
-          <p:cNvSpPr>
-            <a:spLocks noGrp="1"/>
-          </p:cNvSpPr>
-          <p:nvPr>
-            <p:ph type="title"/>
-          </p:nvPr>
-        </p:nvSpPr>
-        <p:spPr/>
-        <p:txBody>
-          <a:bodyPr/>
-          <a:lstStyle/>
-          <a:p>
-            <a:r>
-              <a:rPr lang="en-US" altLang="zh-CN" dirty="0" smtClean="0"/>
-              <a:t>Why </a:t>
-            </a:r>
-            <a:r>
-              <a:rPr lang="en-US" altLang="zh-CN" dirty="0" err="1" smtClean="0"/>
-              <a:t>WebSocket</a:t>
-            </a:r>
-            <a:r>
-              <a:rPr lang="en-US" altLang="zh-CN" dirty="0" smtClean="0"/>
-              <a:t>?</a:t>
-            </a:r>
-            <a:endParaRPr lang="zh-CN" altLang="en-US" dirty="0"/>
-          </a:p>
-        </p:txBody>
-      </p:sp>
-      <p:sp>
-        <p:nvSpPr>
-          <p:cNvPr id="3" name="内容占位符 2"/>
-          <p:cNvSpPr>
-            <a:spLocks noGrp="1"/>
-          </p:cNvSpPr>
-          <p:nvPr>
-            <p:ph idx="1"/>
-          </p:nvPr>
-        </p:nvSpPr>
-        <p:spPr/>
-        <p:txBody>
-          <a:bodyPr/>
-          <a:lstStyle/>
-          <a:p>
-            <a:r>
-              <a:rPr lang="en-US" altLang="zh-CN" dirty="0" smtClean="0"/>
-              <a:t>After create a </a:t>
-            </a:r>
-            <a:r>
-              <a:rPr lang="en-US" altLang="zh-CN" dirty="0" smtClean="0"/>
-              <a:t>connection, </a:t>
-            </a:r>
-            <a:r>
-              <a:rPr lang="en-US" altLang="zh-CN" dirty="0" smtClean="0"/>
-              <a:t>sever is able to send message to client at any time, in other words, client can </a:t>
-            </a:r>
-            <a:r>
-              <a:rPr lang="en-US" altLang="zh-CN" dirty="0" smtClean="0"/>
-              <a:t>listen </a:t>
-            </a:r>
-            <a:r>
-              <a:rPr lang="en-US" altLang="zh-CN" dirty="0" smtClean="0"/>
-              <a:t>the message from server, without any additional request. Same as client.</a:t>
-            </a:r>
-          </a:p>
-          <a:p>
-            <a:r>
-              <a:rPr lang="en-US" altLang="zh-CN" dirty="0" smtClean="0"/>
-              <a:t>Sounds like socket, but implemented in application layer.</a:t>
-            </a:r>
-            <a:endParaRPr lang="zh-CN" altLang="en-US" dirty="0"/>
-          </a:p>
-        </p:txBody>
-      </p:sp>
-    </p:spTree>
-    <p:extLst>
-      <p:ext uri="{BB962C8B-B14F-4D97-AF65-F5344CB8AC3E}">
-        <p14:creationId xmlns:p14="http://schemas.microsoft.com/office/powerpoint/2010/main" val="3569430671"/>
-      </p:ext>
-    </p:extLst>
-  </p:cSld>
-  <p:clrMapOvr>
-    <a:masterClrMapping/>
-  </p:clrMapOvr>
-</p:sld>
-</file>
-
-<file path=ppt/slides/slide4.xml><?xml version="1.0" encoding="utf-8"?>
-<p:sld xmlns:a="http://schemas.openxmlformats.org/drawingml/2006/main" xmlns:r="http://schemas.openxmlformats.org/officeDocument/2006/relationships" xmlns:p="http://schemas.openxmlformats.org/presentationml/2006/main">
-  <p:cSld>
-    <p:spTree>
-      <p:nvGrpSpPr>
-        <p:cNvPr id="1" name=""/>
-        <p:cNvGrpSpPr/>
-        <p:nvPr/>
-      </p:nvGrpSpPr>
-      <p:grpSpPr>
-        <a:xfrm>
-          <a:off x="0" y="0"/>
-          <a:ext cx="0" cy="0"/>
-          <a:chOff x="0" y="0"/>
-          <a:chExt cx="0" cy="0"/>
-        </a:xfrm>
-      </p:grpSpPr>
-      <p:sp>
-        <p:nvSpPr>
-          <p:cNvPr id="2" name="标题 1"/>
-          <p:cNvSpPr>
-            <a:spLocks noGrp="1"/>
-          </p:cNvSpPr>
-          <p:nvPr>
-            <p:ph type="title"/>
-          </p:nvPr>
-        </p:nvSpPr>
-        <p:spPr/>
-        <p:txBody>
-          <a:bodyPr/>
-          <a:lstStyle/>
-          <a:p>
-            <a:r>
-              <a:rPr lang="en-US" altLang="zh-CN" dirty="0" smtClean="0"/>
-              <a:t>Quick Example</a:t>
-            </a:r>
-            <a:endParaRPr lang="zh-CN" altLang="en-US" dirty="0"/>
-          </a:p>
-        </p:txBody>
-      </p:sp>
-      <p:sp>
-        <p:nvSpPr>
-          <p:cNvPr id="3" name="内容占位符 2"/>
-          <p:cNvSpPr>
-            <a:spLocks noGrp="1"/>
-          </p:cNvSpPr>
-          <p:nvPr>
-            <p:ph idx="1"/>
-          </p:nvPr>
-        </p:nvSpPr>
-        <p:spPr/>
-        <p:txBody>
-          <a:bodyPr/>
-          <a:lstStyle/>
-          <a:p>
-            <a:r>
-              <a:rPr lang="en-US" altLang="zh-CN" dirty="0" smtClean="0"/>
-              <a:t>Chat </a:t>
-            </a:r>
-            <a:r>
-              <a:rPr lang="en-US" altLang="zh-CN" dirty="0" smtClean="0"/>
-              <a:t>example</a:t>
+              <a:t>Chat example</a:t>
             </a:r>
           </a:p>
         </p:txBody>
@@ -4969,7 +8023,7 @@
           <p:nvPr/>
         </p:nvPicPr>
         <p:blipFill>
-          <a:blip r:embed="rId2">
+          <a:blip r:embed="rId3">
             <a:extLst>
               <a:ext uri="{28A0092B-C50C-407E-A947-70E740481C1C}">
                 <a14:useLocalDpi xmlns:a14="http://schemas.microsoft.com/office/drawing/2010/main" val="0"/>
@@ -5027,472 +8081,6 @@
 </p:sld>
 </file>
 
-<file path=ppt/slides/slide5.xml><?xml version="1.0" encoding="utf-8"?>
-<p:sld xmlns:a="http://schemas.openxmlformats.org/drawingml/2006/main" xmlns:r="http://schemas.openxmlformats.org/officeDocument/2006/relationships" xmlns:p="http://schemas.openxmlformats.org/presentationml/2006/main">
-  <p:cSld>
-    <p:spTree>
-      <p:nvGrpSpPr>
-        <p:cNvPr id="1" name=""/>
-        <p:cNvGrpSpPr/>
-        <p:nvPr/>
-      </p:nvGrpSpPr>
-      <p:grpSpPr>
-        <a:xfrm>
-          <a:off x="0" y="0"/>
-          <a:ext cx="0" cy="0"/>
-          <a:chOff x="0" y="0"/>
-          <a:chExt cx="0" cy="0"/>
-        </a:xfrm>
-      </p:grpSpPr>
-      <p:sp>
-        <p:nvSpPr>
-          <p:cNvPr id="2" name="标题 1"/>
-          <p:cNvSpPr>
-            <a:spLocks noGrp="1"/>
-          </p:cNvSpPr>
-          <p:nvPr>
-            <p:ph type="title"/>
-          </p:nvPr>
-        </p:nvSpPr>
-        <p:spPr/>
-        <p:txBody>
-          <a:bodyPr/>
-          <a:lstStyle/>
-          <a:p>
-            <a:r>
-              <a:rPr lang="en-US" altLang="zh-CN" dirty="0" err="1" smtClean="0"/>
-              <a:t>WebSocket</a:t>
-            </a:r>
-            <a:r>
-              <a:rPr lang="en-US" altLang="zh-CN" dirty="0" smtClean="0"/>
-              <a:t> URI</a:t>
-            </a:r>
-            <a:endParaRPr lang="zh-CN" altLang="en-US" dirty="0"/>
-          </a:p>
-        </p:txBody>
-      </p:sp>
-      <p:sp>
-        <p:nvSpPr>
-          <p:cNvPr id="3" name="内容占位符 2"/>
-          <p:cNvSpPr>
-            <a:spLocks noGrp="1"/>
-          </p:cNvSpPr>
-          <p:nvPr>
-            <p:ph idx="1"/>
-          </p:nvPr>
-        </p:nvSpPr>
-        <p:spPr/>
-        <p:txBody>
-          <a:bodyPr/>
-          <a:lstStyle/>
-          <a:p>
-            <a:r>
-              <a:rPr lang="fr-FR" altLang="zh-CN" dirty="0"/>
-              <a:t>ws-URI = "ws:" "//" host [ ":" port ] path [ "?" query </a:t>
-            </a:r>
-            <a:r>
-              <a:rPr lang="fr-FR" altLang="zh-CN" dirty="0" smtClean="0"/>
-              <a:t>]</a:t>
-            </a:r>
-          </a:p>
-          <a:p>
-            <a:r>
-              <a:rPr lang="en-US" altLang="zh-CN" dirty="0" err="1"/>
-              <a:t>wss</a:t>
-            </a:r>
-            <a:r>
-              <a:rPr lang="en-US" altLang="zh-CN" dirty="0"/>
-              <a:t>-URI = "</a:t>
-            </a:r>
-            <a:r>
-              <a:rPr lang="en-US" altLang="zh-CN" dirty="0" err="1"/>
-              <a:t>wss</a:t>
-            </a:r>
-            <a:r>
-              <a:rPr lang="en-US" altLang="zh-CN" dirty="0"/>
-              <a:t>:" "//" host [ ":" port ] path [ "?" query ]</a:t>
-            </a:r>
-            <a:endParaRPr lang="zh-CN" altLang="en-US" dirty="0"/>
-          </a:p>
-        </p:txBody>
-      </p:sp>
-    </p:spTree>
-    <p:extLst>
-      <p:ext uri="{BB962C8B-B14F-4D97-AF65-F5344CB8AC3E}">
-        <p14:creationId xmlns:p14="http://schemas.microsoft.com/office/powerpoint/2010/main" val="1364223532"/>
-      </p:ext>
-    </p:extLst>
-  </p:cSld>
-  <p:clrMapOvr>
-    <a:masterClrMapping/>
-  </p:clrMapOvr>
-</p:sld>
-</file>
-
-<file path=ppt/slides/slide6.xml><?xml version="1.0" encoding="utf-8"?>
-<p:sld xmlns:a="http://schemas.openxmlformats.org/drawingml/2006/main" xmlns:r="http://schemas.openxmlformats.org/officeDocument/2006/relationships" xmlns:p="http://schemas.openxmlformats.org/presentationml/2006/main">
-  <p:cSld>
-    <p:spTree>
-      <p:nvGrpSpPr>
-        <p:cNvPr id="1" name=""/>
-        <p:cNvGrpSpPr/>
-        <p:nvPr/>
-      </p:nvGrpSpPr>
-      <p:grpSpPr>
-        <a:xfrm>
-          <a:off x="0" y="0"/>
-          <a:ext cx="0" cy="0"/>
-          <a:chOff x="0" y="0"/>
-          <a:chExt cx="0" cy="0"/>
-        </a:xfrm>
-      </p:grpSpPr>
-      <p:sp>
-        <p:nvSpPr>
-          <p:cNvPr id="2" name="标题 1"/>
-          <p:cNvSpPr>
-            <a:spLocks noGrp="1"/>
-          </p:cNvSpPr>
-          <p:nvPr>
-            <p:ph type="title"/>
-          </p:nvPr>
-        </p:nvSpPr>
-        <p:spPr/>
-        <p:txBody>
-          <a:bodyPr/>
-          <a:lstStyle/>
-          <a:p>
-            <a:r>
-              <a:rPr lang="en-US" altLang="zh-CN" dirty="0" smtClean="0"/>
-              <a:t>Handshake</a:t>
-            </a:r>
-            <a:endParaRPr lang="zh-CN" altLang="en-US" dirty="0"/>
-          </a:p>
-        </p:txBody>
-      </p:sp>
-      <p:sp>
-        <p:nvSpPr>
-          <p:cNvPr id="6" name="矩形 5"/>
-          <p:cNvSpPr/>
-          <p:nvPr/>
-        </p:nvSpPr>
-        <p:spPr>
-          <a:xfrm>
-            <a:off x="683568" y="1628800"/>
-            <a:ext cx="8064896" cy="2308324"/>
-          </a:xfrm>
-          <a:prstGeom prst="rect">
-            <a:avLst/>
-          </a:prstGeom>
-        </p:spPr>
-        <p:style>
-          <a:lnRef idx="2">
-            <a:schemeClr val="accent1"/>
-          </a:lnRef>
-          <a:fillRef idx="1">
-            <a:schemeClr val="lt1"/>
-          </a:fillRef>
-          <a:effectRef idx="0">
-            <a:schemeClr val="accent1"/>
-          </a:effectRef>
-          <a:fontRef idx="minor">
-            <a:schemeClr val="dk1"/>
-          </a:fontRef>
-        </p:style>
-        <p:txBody>
-          <a:bodyPr wrap="square">
-            <a:spAutoFit/>
-          </a:bodyPr>
-          <a:lstStyle/>
-          <a:p>
-            <a:r>
-              <a:rPr lang="en-US" altLang="zh-CN" dirty="0"/>
-              <a:t>GET /chat HTTP/1.1 </a:t>
-            </a:r>
-          </a:p>
-          <a:p>
-            <a:r>
-              <a:rPr lang="en-US" altLang="zh-CN" dirty="0"/>
-              <a:t>Host: example.com </a:t>
-            </a:r>
-          </a:p>
-          <a:p>
-            <a:r>
-              <a:rPr lang="en-US" altLang="zh-CN" dirty="0">
-                <a:solidFill>
-                  <a:srgbClr val="FF0000"/>
-                </a:solidFill>
-              </a:rPr>
-              <a:t>Connection: Upgrade </a:t>
-            </a:r>
-          </a:p>
-          <a:p>
-            <a:r>
-              <a:rPr lang="en-US" altLang="zh-CN" dirty="0">
-                <a:solidFill>
-                  <a:srgbClr val="FF0000"/>
-                </a:solidFill>
-              </a:rPr>
-              <a:t>Sec-</a:t>
-            </a:r>
-            <a:r>
-              <a:rPr lang="en-US" altLang="zh-CN" dirty="0" err="1">
-                <a:solidFill>
-                  <a:srgbClr val="FF0000"/>
-                </a:solidFill>
-              </a:rPr>
-              <a:t>WebSocket</a:t>
-            </a:r>
-            <a:r>
-              <a:rPr lang="en-US" altLang="zh-CN" dirty="0">
-                <a:solidFill>
-                  <a:srgbClr val="FF0000"/>
-                </a:solidFill>
-              </a:rPr>
-              <a:t>-Protocol: sample </a:t>
-            </a:r>
-          </a:p>
-          <a:p>
-            <a:r>
-              <a:rPr lang="en-US" altLang="zh-CN" dirty="0">
-                <a:solidFill>
-                  <a:srgbClr val="FF0000"/>
-                </a:solidFill>
-              </a:rPr>
-              <a:t>Upgrade: </a:t>
-            </a:r>
-            <a:r>
-              <a:rPr lang="en-US" altLang="zh-CN" dirty="0" err="1">
-                <a:solidFill>
-                  <a:srgbClr val="FF0000"/>
-                </a:solidFill>
-              </a:rPr>
-              <a:t>websocket</a:t>
-            </a:r>
-            <a:r>
-              <a:rPr lang="en-US" altLang="zh-CN" dirty="0">
-                <a:solidFill>
-                  <a:srgbClr val="FF0000"/>
-                </a:solidFill>
-              </a:rPr>
-              <a:t> </a:t>
-            </a:r>
-          </a:p>
-          <a:p>
-            <a:r>
-              <a:rPr lang="en-US" altLang="zh-CN" dirty="0">
-                <a:solidFill>
-                  <a:srgbClr val="FF0000"/>
-                </a:solidFill>
-              </a:rPr>
-              <a:t>Sec-</a:t>
-            </a:r>
-            <a:r>
-              <a:rPr lang="en-US" altLang="zh-CN" dirty="0" err="1">
-                <a:solidFill>
-                  <a:srgbClr val="FF0000"/>
-                </a:solidFill>
-              </a:rPr>
-              <a:t>WebSocket</a:t>
-            </a:r>
-            <a:r>
-              <a:rPr lang="en-US" altLang="zh-CN" dirty="0">
-                <a:solidFill>
-                  <a:srgbClr val="FF0000"/>
-                </a:solidFill>
-              </a:rPr>
-              <a:t>-Version: 13 </a:t>
-            </a:r>
-          </a:p>
-          <a:p>
-            <a:r>
-              <a:rPr lang="en-US" altLang="zh-CN" dirty="0">
-                <a:solidFill>
-                  <a:srgbClr val="FF0000"/>
-                </a:solidFill>
-              </a:rPr>
-              <a:t>Sec-</a:t>
-            </a:r>
-            <a:r>
-              <a:rPr lang="en-US" altLang="zh-CN" dirty="0" err="1">
-                <a:solidFill>
-                  <a:srgbClr val="FF0000"/>
-                </a:solidFill>
-              </a:rPr>
-              <a:t>WebSocket</a:t>
-            </a:r>
-            <a:r>
-              <a:rPr lang="en-US" altLang="zh-CN" dirty="0">
-                <a:solidFill>
-                  <a:srgbClr val="FF0000"/>
-                </a:solidFill>
-              </a:rPr>
-              <a:t>-Key: 7cxQRnWs91xJW9T0QLSuVQ== </a:t>
-            </a:r>
-          </a:p>
-          <a:p>
-            <a:r>
-              <a:rPr lang="en-US" altLang="zh-CN" dirty="0"/>
-              <a:t>Origin: http://example.com </a:t>
-            </a:r>
-            <a:endParaRPr lang="zh-CN" altLang="en-US" dirty="0"/>
-          </a:p>
-        </p:txBody>
-      </p:sp>
-      <p:sp>
-        <p:nvSpPr>
-          <p:cNvPr id="8" name="矩形 7"/>
-          <p:cNvSpPr/>
-          <p:nvPr/>
-        </p:nvSpPr>
-        <p:spPr>
-          <a:xfrm>
-            <a:off x="683568" y="4306163"/>
-            <a:ext cx="8064896" cy="1477328"/>
-          </a:xfrm>
-          <a:prstGeom prst="rect">
-            <a:avLst/>
-          </a:prstGeom>
-        </p:spPr>
-        <p:style>
-          <a:lnRef idx="2">
-            <a:schemeClr val="accent2"/>
-          </a:lnRef>
-          <a:fillRef idx="1">
-            <a:schemeClr val="lt1"/>
-          </a:fillRef>
-          <a:effectRef idx="0">
-            <a:schemeClr val="accent2"/>
-          </a:effectRef>
-          <a:fontRef idx="minor">
-            <a:schemeClr val="dk1"/>
-          </a:fontRef>
-        </p:style>
-        <p:txBody>
-          <a:bodyPr wrap="square">
-            <a:spAutoFit/>
-          </a:bodyPr>
-          <a:lstStyle/>
-          <a:p>
-            <a:r>
-              <a:rPr lang="en-US" altLang="zh-CN" dirty="0"/>
-              <a:t>HTTP/1.1 101 </a:t>
-            </a:r>
-            <a:r>
-              <a:rPr lang="en-US" altLang="zh-CN" dirty="0" err="1"/>
-              <a:t>WebSocket</a:t>
-            </a:r>
-            <a:r>
-              <a:rPr lang="en-US" altLang="zh-CN" dirty="0"/>
-              <a:t> Protocol Handshake </a:t>
-            </a:r>
-          </a:p>
-          <a:p>
-            <a:r>
-              <a:rPr lang="en-US" altLang="zh-CN" dirty="0"/>
-              <a:t>Upgrade: </a:t>
-            </a:r>
-            <a:r>
-              <a:rPr lang="en-US" altLang="zh-CN" dirty="0" err="1"/>
-              <a:t>websocket</a:t>
-            </a:r>
-            <a:r>
-              <a:rPr lang="en-US" altLang="zh-CN" dirty="0"/>
-              <a:t> </a:t>
-            </a:r>
-          </a:p>
-          <a:p>
-            <a:r>
-              <a:rPr lang="en-US" altLang="zh-CN" dirty="0"/>
-              <a:t>Connection: Upgrade </a:t>
-            </a:r>
-          </a:p>
-          <a:p>
-            <a:r>
-              <a:rPr lang="en-US" altLang="zh-CN" dirty="0"/>
-              <a:t>Sec-</a:t>
-            </a:r>
-            <a:r>
-              <a:rPr lang="en-US" altLang="zh-CN" dirty="0" err="1"/>
-              <a:t>WebSocket</a:t>
-            </a:r>
-            <a:r>
-              <a:rPr lang="en-US" altLang="zh-CN" dirty="0"/>
-              <a:t>-Accept: 7cxQRnWs91xJW9T0QLSuVQ== </a:t>
-            </a:r>
-          </a:p>
-          <a:p>
-            <a:r>
-              <a:rPr lang="en-US" altLang="zh-CN" dirty="0" err="1"/>
-              <a:t>WebSocket</a:t>
-            </a:r>
-            <a:r>
-              <a:rPr lang="en-US" altLang="zh-CN" dirty="0"/>
-              <a:t>-Protocol: sample </a:t>
-            </a:r>
-            <a:endParaRPr lang="zh-CN" altLang="en-US" dirty="0"/>
-          </a:p>
-        </p:txBody>
-      </p:sp>
-      <p:sp>
-        <p:nvSpPr>
-          <p:cNvPr id="9" name="矩形 8"/>
-          <p:cNvSpPr/>
-          <p:nvPr/>
-        </p:nvSpPr>
-        <p:spPr>
-          <a:xfrm>
-            <a:off x="683568" y="4306163"/>
-            <a:ext cx="4536504" cy="353967"/>
-          </a:xfrm>
-          <a:prstGeom prst="rect">
-            <a:avLst/>
-          </a:prstGeom>
-          <a:solidFill>
-            <a:schemeClr val="lt1">
-              <a:alpha val="0"/>
-            </a:schemeClr>
-          </a:solidFill>
-        </p:spPr>
-        <p:style>
-          <a:lnRef idx="2">
-            <a:schemeClr val="dk1"/>
-          </a:lnRef>
-          <a:fillRef idx="1">
-            <a:schemeClr val="lt1"/>
-          </a:fillRef>
-          <a:effectRef idx="0">
-            <a:schemeClr val="dk1"/>
-          </a:effectRef>
-          <a:fontRef idx="minor">
-            <a:schemeClr val="dk1"/>
-          </a:fontRef>
-        </p:style>
-        <p:txBody>
-          <a:bodyPr rtlCol="0" anchor="ctr"/>
-          <a:lstStyle/>
-          <a:p>
-            <a:pPr algn="ctr"/>
-            <a:endParaRPr lang="zh-CN" altLang="en-US">
-              <a:solidFill>
-                <a:srgbClr val="FF0000"/>
-              </a:solidFill>
-            </a:endParaRPr>
-          </a:p>
-        </p:txBody>
-      </p:sp>
-    </p:spTree>
-    <p:extLst>
-      <p:ext uri="{BB962C8B-B14F-4D97-AF65-F5344CB8AC3E}">
-        <p14:creationId xmlns:p14="http://schemas.microsoft.com/office/powerpoint/2010/main" val="1420472454"/>
-      </p:ext>
-    </p:extLst>
-  </p:cSld>
-  <p:clrMapOvr>
-    <a:masterClrMapping/>
-  </p:clrMapOvr>
-</p:sld>
-</file>
-
 <file path=ppt/slides/slide7.xml><?xml version="1.0" encoding="utf-8"?>
 <p:sld xmlns:a="http://schemas.openxmlformats.org/drawingml/2006/main" xmlns:r="http://schemas.openxmlformats.org/officeDocument/2006/relationships" xmlns:p="http://schemas.openxmlformats.org/presentationml/2006/main">
   <p:cSld>
@@ -5527,9 +8115,32 @@
           <a:p>
             <a:r>
               <a:rPr lang="en-US" altLang="zh-CN" dirty="0" smtClean="0"/>
-              <a:t>Data Frame</a:t>
+              <a:t>Quick Example</a:t>
             </a:r>
             <a:endParaRPr lang="zh-CN" altLang="en-US" dirty="0"/>
+          </a:p>
+        </p:txBody>
+      </p:sp>
+      <p:sp>
+        <p:nvSpPr>
+          <p:cNvPr id="3" name="内容占位符 2"/>
+          <p:cNvSpPr>
+            <a:spLocks noGrp="1"/>
+          </p:cNvSpPr>
+          <p:nvPr>
+            <p:ph idx="1"/>
+          </p:nvPr>
+        </p:nvSpPr>
+        <p:spPr/>
+        <p:txBody>
+          <a:bodyPr/>
+          <a:lstStyle/>
+          <a:p>
+            <a:r>
+              <a:rPr lang="en-US" altLang="zh-CN" dirty="0"/>
+              <a:t>http://www.websocket.org/echo.html</a:t>
+            </a:r>
+            <a:endParaRPr lang="en-US" altLang="zh-CN" dirty="0" smtClean="0"/>
           </a:p>
         </p:txBody>
       </p:sp>
@@ -5556,8 +8167,8 @@
         </p:blipFill>
         <p:spPr bwMode="auto">
           <a:xfrm>
-            <a:off x="469896" y="1268760"/>
-            <a:ext cx="8247063" cy="5448300"/>
+            <a:off x="899592" y="2348880"/>
+            <a:ext cx="6469533" cy="4210460"/>
           </a:xfrm>
           <a:prstGeom prst="rect">
             <a:avLst/>
@@ -5590,7 +8201,7 @@
     </p:spTree>
     <p:extLst>
       <p:ext uri="{BB962C8B-B14F-4D97-AF65-F5344CB8AC3E}">
-        <p14:creationId xmlns:p14="http://schemas.microsoft.com/office/powerpoint/2010/main" val="1994917180"/>
+        <p14:creationId xmlns:p14="http://schemas.microsoft.com/office/powerpoint/2010/main" val="1767042395"/>
       </p:ext>
     </p:extLst>
   </p:cSld>
@@ -5638,7 +8249,11 @@
             </a:r>
             <a:r>
               <a:rPr lang="en-US" altLang="zh-CN" dirty="0" smtClean="0"/>
-              <a:t> Interface</a:t>
+              <a:t> </a:t>
+            </a:r>
+            <a:r>
+              <a:rPr lang="en-US" altLang="zh-CN" dirty="0" smtClean="0"/>
+              <a:t>And HTTP</a:t>
             </a:r>
             <a:endParaRPr lang="zh-CN" altLang="en-US" dirty="0"/>
           </a:p>
@@ -5646,7 +8261,7 @@
       </p:sp>
       <p:pic>
         <p:nvPicPr>
-          <p:cNvPr id="4098" name="Picture 2"/>
+          <p:cNvPr id="2059" name="Picture 11" descr="C:\Users\Zhou\Desktop\u=3736492123,3566526634&amp;fm=21&amp;gp=0.jpg"/>
           <p:cNvPicPr>
             <a:picLocks noChangeAspect="1" noChangeArrowheads="1"/>
           </p:cNvPicPr>
@@ -5667,33 +8282,20 @@
         </p:blipFill>
         <p:spPr bwMode="auto">
           <a:xfrm>
-            <a:off x="0" y="1124744"/>
-            <a:ext cx="9144000" cy="5749532"/>
+            <a:off x="1094622" y="2204864"/>
+            <a:ext cx="7063953" cy="3022119"/>
           </a:xfrm>
           <a:prstGeom prst="rect">
             <a:avLst/>
           </a:prstGeom>
           <a:noFill/>
-          <a:ln>
-            <a:noFill/>
-          </a:ln>
           <a:extLst>
             <a:ext uri="{909E8E84-426E-40DD-AFC4-6F175D3DCCD1}">
               <a14:hiddenFill xmlns:a14="http://schemas.microsoft.com/office/drawing/2010/main">
                 <a:solidFill>
-                  <a:schemeClr val="accent1"/>
+                  <a:srgbClr val="FFFFFF"/>
                 </a:solidFill>
               </a14:hiddenFill>
-            </a:ext>
-            <a:ext uri="{91240B29-F687-4F45-9708-019B960494DF}">
-              <a14:hiddenLine xmlns:a14="http://schemas.microsoft.com/office/drawing/2010/main" w="9525">
-                <a:solidFill>
-                  <a:schemeClr val="tx1"/>
-                </a:solidFill>
-                <a:miter lim="800000"/>
-                <a:headEnd/>
-                <a:tailEnd/>
-              </a14:hiddenLine>
             </a:ext>
           </a:extLst>
         </p:spPr>
@@ -5701,7 +8303,7 @@
     </p:spTree>
     <p:extLst>
       <p:ext uri="{BB962C8B-B14F-4D97-AF65-F5344CB8AC3E}">
-        <p14:creationId xmlns:p14="http://schemas.microsoft.com/office/powerpoint/2010/main" val="3160756358"/>
+        <p14:creationId xmlns:p14="http://schemas.microsoft.com/office/powerpoint/2010/main" val="2031260516"/>
       </p:ext>
     </p:extLst>
   </p:cSld>
@@ -5744,8 +8346,12 @@
           <a:lstStyle/>
           <a:p>
             <a:r>
-              <a:rPr lang="en-US" altLang="zh-CN" dirty="0" smtClean="0"/>
-              <a:t>Detail Example</a:t>
+              <a:rPr lang="en-US" altLang="zh-CN" dirty="0" err="1" smtClean="0"/>
+              <a:t>WebSocket</a:t>
+            </a:r>
+            <a:r>
+              <a:rPr lang="en-US" altLang="zh-CN" dirty="0" smtClean="0"/>
+              <a:t> URI</a:t>
             </a:r>
             <a:endParaRPr lang="zh-CN" altLang="en-US" dirty="0"/>
           </a:p>
@@ -5767,54 +8373,30 @@
           <a:lstStyle/>
           <a:p>
             <a:r>
-              <a:rPr lang="en-US" altLang="zh-CN" dirty="0" smtClean="0"/>
-              <a:t>See how to write a simple </a:t>
-            </a:r>
-            <a:r>
-              <a:rPr lang="en-US" altLang="zh-CN" dirty="0" err="1" smtClean="0"/>
-              <a:t>websocket</a:t>
-            </a:r>
-            <a:r>
-              <a:rPr lang="en-US" altLang="zh-CN" dirty="0" smtClean="0"/>
-              <a:t> server </a:t>
+              <a:rPr lang="fr-FR" altLang="zh-CN" dirty="0"/>
+              <a:t>ws-URI = "ws:" "//" host [ ":" port ] path [ "?" query </a:t>
+            </a:r>
+            <a:r>
+              <a:rPr lang="fr-FR" altLang="zh-CN" dirty="0" smtClean="0"/>
+              <a:t>]</a:t>
+            </a:r>
+          </a:p>
+          <a:p>
+            <a:r>
+              <a:rPr lang="en-US" altLang="zh-CN" dirty="0" err="1"/>
+              <a:t>wss</a:t>
             </a:r>
             <a:r>
               <a:rPr lang="en-US" altLang="zh-CN" dirty="0"/>
-              <a:t>using </a:t>
-            </a:r>
-            <a:r>
-              <a:rPr lang="en-US" altLang="zh-CN" dirty="0" smtClean="0"/>
-              <a:t>python(</a:t>
-            </a:r>
-            <a:r>
-              <a:rPr lang="en-US" altLang="zh-CN" dirty="0" err="1" smtClean="0"/>
-              <a:t>asyncore</a:t>
-            </a:r>
-            <a:r>
-              <a:rPr lang="en-US" altLang="zh-CN" dirty="0" smtClean="0"/>
-              <a:t>)</a:t>
-            </a:r>
-          </a:p>
-          <a:p>
-            <a:r>
-              <a:rPr lang="en-US" altLang="zh-CN" dirty="0" smtClean="0"/>
-              <a:t>See how to use </a:t>
-            </a:r>
-            <a:r>
-              <a:rPr lang="en-US" altLang="zh-CN" dirty="0" err="1" smtClean="0"/>
-              <a:t>websocket</a:t>
-            </a:r>
-            <a:r>
-              <a:rPr lang="en-US" altLang="zh-CN" dirty="0" smtClean="0"/>
-              <a:t> interface in </a:t>
-            </a:r>
-            <a:r>
-              <a:rPr lang="en-US" altLang="zh-CN" dirty="0" err="1" smtClean="0"/>
-              <a:t>javascript</a:t>
-            </a:r>
-            <a:r>
-              <a:rPr lang="en-US" altLang="zh-CN" dirty="0" smtClean="0"/>
-              <a:t> client</a:t>
+              <a:t>-URI = "</a:t>
+            </a:r>
+            <a:r>
+              <a:rPr lang="en-US" altLang="zh-CN" dirty="0" err="1"/>
+              <a:t>wss</a:t>
+            </a:r>
+            <a:r>
+              <a:rPr lang="en-US" altLang="zh-CN" dirty="0"/>
+              <a:t>:" "//" host [ ":" port ] path [ "?" query ]</a:t>
             </a:r>
             <a:endParaRPr lang="zh-CN" altLang="en-US" dirty="0"/>
           </a:p>
@@ -5823,7 +8405,7 @@
     </p:spTree>
     <p:extLst>
       <p:ext uri="{BB962C8B-B14F-4D97-AF65-F5344CB8AC3E}">
-        <p14:creationId xmlns:p14="http://schemas.microsoft.com/office/powerpoint/2010/main" val="3027289287"/>
+        <p14:creationId xmlns:p14="http://schemas.microsoft.com/office/powerpoint/2010/main" val="1364223532"/>
       </p:ext>
     </p:extLst>
   </p:cSld>

--- a/[presentation/[7]WebSockets.pptx
+++ b/[presentation/[7]WebSockets.pptx
@@ -241,7 +241,7 @@
           <a:p>
             <a:fld id="{B7D51D38-D548-469D-8CA9-2C88D59EEED7}" type="datetimeFigureOut">
               <a:rPr lang="zh-CN" altLang="en-US" smtClean="0"/>
-              <a:t>2014/12/10</a:t>
+              <a:t>2014/12/11</a:t>
             </a:fld>
             <a:endParaRPr lang="zh-CN" altLang="en-US"/>
           </a:p>
@@ -903,11 +903,7 @@
           <a:p>
             <a:r>
               <a:rPr lang="en-US" altLang="zh-CN" dirty="0" smtClean="0"/>
-              <a:t>RSV1, RSV2, RSV3: </a:t>
-            </a:r>
-            <a:r>
-              <a:rPr lang="en-US" altLang="zh-CN" dirty="0" smtClean="0"/>
-              <a:t>reserved</a:t>
+              <a:t>RSV1, RSV2, RSV3: reserved</a:t>
             </a:r>
             <a:r>
               <a:rPr lang="en-US" altLang="zh-CN" baseline="0" dirty="0" smtClean="0"/>
@@ -1023,15 +1019,7 @@
           <a:p>
             <a:r>
               <a:rPr lang="en-US" altLang="zh-CN" dirty="0" smtClean="0"/>
-              <a:t>bit Defines whether the payload data is masked. If set to 1, a masking key is present in masking-key, and this is used to unmask the payload </a:t>
-            </a:r>
-            <a:r>
-              <a:rPr lang="en-US" altLang="zh-CN" dirty="0" smtClean="0"/>
-              <a:t>data. </a:t>
-            </a:r>
-            <a:r>
-              <a:rPr lang="en-US" altLang="zh-CN" dirty="0" smtClean="0"/>
-              <a:t/>
+              <a:t>bit Defines whether the payload data is masked. If set to 1, a masking key is present in masking-key, and this is used to unmask the payload data. </a:t>
             </a:r>
             <a:br>
               <a:rPr lang="en-US" altLang="zh-CN" dirty="0" smtClean="0"/>
@@ -1175,11 +1163,7 @@
           <a:p>
             <a:r>
               <a:rPr lang="en-US" altLang="zh-CN" dirty="0" smtClean="0"/>
-              <a:t>RSV1, RSV2, RSV3: </a:t>
-            </a:r>
-            <a:r>
-              <a:rPr lang="en-US" altLang="zh-CN" dirty="0" smtClean="0"/>
-              <a:t>reserved</a:t>
+              <a:t>RSV1, RSV2, RSV3: reserved</a:t>
             </a:r>
             <a:r>
               <a:rPr lang="en-US" altLang="zh-CN" baseline="0" dirty="0" smtClean="0"/>
@@ -1295,15 +1279,7 @@
           <a:p>
             <a:r>
               <a:rPr lang="en-US" altLang="zh-CN" dirty="0" smtClean="0"/>
-              <a:t>bit Defines whether the payload data is masked. If set to 1, a masking key is present in masking-key, and this is used to unmask the payload </a:t>
-            </a:r>
-            <a:r>
-              <a:rPr lang="en-US" altLang="zh-CN" dirty="0" smtClean="0"/>
-              <a:t>data. </a:t>
-            </a:r>
-            <a:r>
-              <a:rPr lang="en-US" altLang="zh-CN" dirty="0" smtClean="0"/>
-              <a:t/>
+              <a:t>bit Defines whether the payload data is masked. If set to 1, a masking key is present in masking-key, and this is used to unmask the payload data. </a:t>
             </a:r>
             <a:br>
               <a:rPr lang="en-US" altLang="zh-CN" dirty="0" smtClean="0"/>
@@ -1380,6 +1356,93 @@
     <p:extLst>
       <p:ext uri="{BB962C8B-B14F-4D97-AF65-F5344CB8AC3E}">
         <p14:creationId xmlns:p14="http://schemas.microsoft.com/office/powerpoint/2010/main" val="2538234463"/>
+      </p:ext>
+    </p:extLst>
+  </p:cSld>
+  <p:clrMapOvr>
+    <a:masterClrMapping/>
+  </p:clrMapOvr>
+</p:notes>
+</file>
+
+<file path=ppt/notesSlides/notesSlide7.xml><?xml version="1.0" encoding="utf-8"?>
+<p:notes xmlns:a="http://schemas.openxmlformats.org/drawingml/2006/main" xmlns:r="http://schemas.openxmlformats.org/officeDocument/2006/relationships" xmlns:p="http://schemas.openxmlformats.org/presentationml/2006/main">
+  <p:cSld>
+    <p:spTree>
+      <p:nvGrpSpPr>
+        <p:cNvPr id="1" name=""/>
+        <p:cNvGrpSpPr/>
+        <p:nvPr/>
+      </p:nvGrpSpPr>
+      <p:grpSpPr>
+        <a:xfrm>
+          <a:off x="0" y="0"/>
+          <a:ext cx="0" cy="0"/>
+          <a:chOff x="0" y="0"/>
+          <a:chExt cx="0" cy="0"/>
+        </a:xfrm>
+      </p:grpSpPr>
+      <p:sp>
+        <p:nvSpPr>
+          <p:cNvPr id="2" name="幻灯片图像占位符 1"/>
+          <p:cNvSpPr>
+            <a:spLocks noGrp="1" noRot="1" noChangeAspect="1"/>
+          </p:cNvSpPr>
+          <p:nvPr>
+            <p:ph type="sldImg"/>
+          </p:nvPr>
+        </p:nvSpPr>
+        <p:spPr/>
+      </p:sp>
+      <p:sp>
+        <p:nvSpPr>
+          <p:cNvPr id="3" name="备注占位符 2"/>
+          <p:cNvSpPr>
+            <a:spLocks noGrp="1"/>
+          </p:cNvSpPr>
+          <p:nvPr>
+            <p:ph type="body" idx="1"/>
+          </p:nvPr>
+        </p:nvSpPr>
+        <p:spPr/>
+        <p:txBody>
+          <a:bodyPr/>
+          <a:lstStyle/>
+          <a:p>
+            <a:r>
+              <a:rPr lang="en-US" altLang="zh-CN" smtClean="0"/>
+              <a:t>Method : CONNECT</a:t>
+            </a:r>
+          </a:p>
+        </p:txBody>
+      </p:sp>
+      <p:sp>
+        <p:nvSpPr>
+          <p:cNvPr id="4" name="灯片编号占位符 3"/>
+          <p:cNvSpPr>
+            <a:spLocks noGrp="1"/>
+          </p:cNvSpPr>
+          <p:nvPr>
+            <p:ph type="sldNum" sz="quarter" idx="10"/>
+          </p:nvPr>
+        </p:nvSpPr>
+        <p:spPr/>
+        <p:txBody>
+          <a:bodyPr/>
+          <a:lstStyle/>
+          <a:p>
+            <a:fld id="{C0EF6B24-EF45-4E95-BC48-6FAB4CF87B9E}" type="slidenum">
+              <a:rPr lang="zh-CN" altLang="en-US" smtClean="0"/>
+              <a:t>20</a:t>
+            </a:fld>
+            <a:endParaRPr lang="zh-CN" altLang="en-US"/>
+          </a:p>
+        </p:txBody>
+      </p:sp>
+    </p:spTree>
+    <p:extLst>
+      <p:ext uri="{BB962C8B-B14F-4D97-AF65-F5344CB8AC3E}">
+        <p14:creationId xmlns:p14="http://schemas.microsoft.com/office/powerpoint/2010/main" val="1687388603"/>
       </p:ext>
     </p:extLst>
   </p:cSld>
@@ -1570,7 +1633,7 @@
           <a:p>
             <a:fld id="{530820CF-B880-4189-942D-D702A7CBA730}" type="datetimeFigureOut">
               <a:rPr lang="zh-CN" altLang="en-US" smtClean="0"/>
-              <a:t>2014/12/10</a:t>
+              <a:t>2014/12/11</a:t>
             </a:fld>
             <a:endParaRPr lang="zh-CN" altLang="en-US"/>
           </a:p>
@@ -1735,7 +1798,7 @@
           <a:p>
             <a:fld id="{530820CF-B880-4189-942D-D702A7CBA730}" type="datetimeFigureOut">
               <a:rPr lang="zh-CN" altLang="en-US" smtClean="0"/>
-              <a:t>2014/12/10</a:t>
+              <a:t>2014/12/11</a:t>
             </a:fld>
             <a:endParaRPr lang="zh-CN" altLang="en-US"/>
           </a:p>
@@ -1910,7 +1973,7 @@
           <a:p>
             <a:fld id="{530820CF-B880-4189-942D-D702A7CBA730}" type="datetimeFigureOut">
               <a:rPr lang="zh-CN" altLang="en-US" smtClean="0"/>
-              <a:t>2014/12/10</a:t>
+              <a:t>2014/12/11</a:t>
             </a:fld>
             <a:endParaRPr lang="zh-CN" altLang="en-US"/>
           </a:p>
@@ -2075,7 +2138,7 @@
           <a:p>
             <a:fld id="{530820CF-B880-4189-942D-D702A7CBA730}" type="datetimeFigureOut">
               <a:rPr lang="zh-CN" altLang="en-US" smtClean="0"/>
-              <a:t>2014/12/10</a:t>
+              <a:t>2014/12/11</a:t>
             </a:fld>
             <a:endParaRPr lang="zh-CN" altLang="en-US"/>
           </a:p>
@@ -2316,7 +2379,7 @@
           <a:p>
             <a:fld id="{530820CF-B880-4189-942D-D702A7CBA730}" type="datetimeFigureOut">
               <a:rPr lang="zh-CN" altLang="en-US" smtClean="0"/>
-              <a:t>2014/12/10</a:t>
+              <a:t>2014/12/11</a:t>
             </a:fld>
             <a:endParaRPr lang="zh-CN" altLang="en-US"/>
           </a:p>
@@ -2599,7 +2662,7 @@
           <a:p>
             <a:fld id="{530820CF-B880-4189-942D-D702A7CBA730}" type="datetimeFigureOut">
               <a:rPr lang="zh-CN" altLang="en-US" smtClean="0"/>
-              <a:t>2014/12/10</a:t>
+              <a:t>2014/12/11</a:t>
             </a:fld>
             <a:endParaRPr lang="zh-CN" altLang="en-US"/>
           </a:p>
@@ -3016,7 +3079,7 @@
           <a:p>
             <a:fld id="{530820CF-B880-4189-942D-D702A7CBA730}" type="datetimeFigureOut">
               <a:rPr lang="zh-CN" altLang="en-US" smtClean="0"/>
-              <a:t>2014/12/10</a:t>
+              <a:t>2014/12/11</a:t>
             </a:fld>
             <a:endParaRPr lang="zh-CN" altLang="en-US"/>
           </a:p>
@@ -3129,7 +3192,7 @@
           <a:p>
             <a:fld id="{530820CF-B880-4189-942D-D702A7CBA730}" type="datetimeFigureOut">
               <a:rPr lang="zh-CN" altLang="en-US" smtClean="0"/>
-              <a:t>2014/12/10</a:t>
+              <a:t>2014/12/11</a:t>
             </a:fld>
             <a:endParaRPr lang="zh-CN" altLang="en-US"/>
           </a:p>
@@ -3219,7 +3282,7 @@
           <a:p>
             <a:fld id="{530820CF-B880-4189-942D-D702A7CBA730}" type="datetimeFigureOut">
               <a:rPr lang="zh-CN" altLang="en-US" smtClean="0"/>
-              <a:t>2014/12/10</a:t>
+              <a:t>2014/12/11</a:t>
             </a:fld>
             <a:endParaRPr lang="zh-CN" altLang="en-US"/>
           </a:p>
@@ -3491,7 +3554,7 @@
           <a:p>
             <a:fld id="{530820CF-B880-4189-942D-D702A7CBA730}" type="datetimeFigureOut">
               <a:rPr lang="zh-CN" altLang="en-US" smtClean="0"/>
-              <a:t>2014/12/10</a:t>
+              <a:t>2014/12/11</a:t>
             </a:fld>
             <a:endParaRPr lang="zh-CN" altLang="en-US"/>
           </a:p>
@@ -3739,7 +3802,7 @@
           <a:p>
             <a:fld id="{530820CF-B880-4189-942D-D702A7CBA730}" type="datetimeFigureOut">
               <a:rPr lang="zh-CN" altLang="en-US" smtClean="0"/>
-              <a:t>2014/12/10</a:t>
+              <a:t>2014/12/11</a:t>
             </a:fld>
             <a:endParaRPr lang="zh-CN" altLang="en-US"/>
           </a:p>
@@ -3947,7 +4010,7 @@
           <a:p>
             <a:fld id="{530820CF-B880-4189-942D-D702A7CBA730}" type="datetimeFigureOut">
               <a:rPr lang="zh-CN" altLang="en-US" smtClean="0"/>
-              <a:t>2014/12/10</a:t>
+              <a:t>2014/12/11</a:t>
             </a:fld>
             <a:endParaRPr lang="zh-CN" altLang="en-US"/>
           </a:p>
@@ -7309,19 +7372,19 @@
           <a:p>
             <a:r>
               <a:rPr lang="en-US" altLang="zh-CN" b="1" dirty="0">
-                <a:hlinkClick r:id="rId2"/>
+                <a:hlinkClick r:id="rId3"/>
               </a:rPr>
               <a:t>The </a:t>
             </a:r>
             <a:r>
               <a:rPr lang="en-US" altLang="zh-CN" b="1" dirty="0" err="1">
-                <a:hlinkClick r:id="rId2"/>
+                <a:hlinkClick r:id="rId3"/>
               </a:rPr>
               <a:t>WebSocket</a:t>
             </a:r>
             <a:r>
               <a:rPr lang="en-US" altLang="zh-CN" b="1" dirty="0">
-                <a:hlinkClick r:id="rId2"/>
+                <a:hlinkClick r:id="rId3"/>
               </a:rPr>
               <a:t> protocol draft-ietf-hybi-thewebsocketprotocol-17</a:t>
             </a:r>
@@ -7386,19 +7449,19 @@
           <a:p>
             <a:r>
               <a:rPr lang="en-US" altLang="zh-CN" b="1" dirty="0">
-                <a:hlinkClick r:id="rId3"/>
+                <a:hlinkClick r:id="rId4"/>
               </a:rPr>
               <a:t>(W3C)The </a:t>
             </a:r>
             <a:r>
               <a:rPr lang="en-US" altLang="zh-CN" b="1" dirty="0" err="1">
-                <a:hlinkClick r:id="rId3"/>
+                <a:hlinkClick r:id="rId4"/>
               </a:rPr>
               <a:t>WebSocket</a:t>
             </a:r>
             <a:r>
               <a:rPr lang="en-US" altLang="zh-CN" b="1" dirty="0">
-                <a:hlinkClick r:id="rId3"/>
+                <a:hlinkClick r:id="rId4"/>
               </a:rPr>
               <a:t> API</a:t>
             </a:r>
@@ -8249,11 +8312,7 @@
             </a:r>
             <a:r>
               <a:rPr lang="en-US" altLang="zh-CN" dirty="0" smtClean="0"/>
-              <a:t> </a:t>
-            </a:r>
-            <a:r>
-              <a:rPr lang="en-US" altLang="zh-CN" dirty="0" smtClean="0"/>
-              <a:t>And HTTP</a:t>
+              <a:t> And HTTP</a:t>
             </a:r>
             <a:endParaRPr lang="zh-CN" altLang="en-US" dirty="0"/>
           </a:p>
